--- a/실무테스트 sheet.pptx
+++ b/실무테스트 sheet.pptx
@@ -23,14 +23,15 @@
     <p:sldId id="276" r:id="rId17"/>
     <p:sldId id="271" r:id="rId18"/>
     <p:sldId id="286" r:id="rId19"/>
-    <p:sldId id="279" r:id="rId20"/>
-    <p:sldId id="263" r:id="rId21"/>
-    <p:sldId id="278" r:id="rId22"/>
-    <p:sldId id="264" r:id="rId23"/>
-    <p:sldId id="268" r:id="rId24"/>
-    <p:sldId id="287" r:id="rId25"/>
-    <p:sldId id="288" r:id="rId26"/>
-    <p:sldId id="267" r:id="rId27"/>
+    <p:sldId id="289" r:id="rId20"/>
+    <p:sldId id="279" r:id="rId21"/>
+    <p:sldId id="263" r:id="rId22"/>
+    <p:sldId id="278" r:id="rId23"/>
+    <p:sldId id="264" r:id="rId24"/>
+    <p:sldId id="268" r:id="rId25"/>
+    <p:sldId id="287" r:id="rId26"/>
+    <p:sldId id="288" r:id="rId27"/>
+    <p:sldId id="267" r:id="rId28"/>
   </p:sldIdLst>
   <p:sldSz cx="12192000" cy="6858000"/>
   <p:notesSz cx="6858000" cy="9144000"/>
@@ -179,10 +180,9 @@
           </a:lstStyle>
           <a:p>
             <a:r>
-              <a:rPr kumimoji="1" lang="ko-KR" altLang="en-US" smtClean="0"/>
+              <a:rPr kumimoji="1" lang="ko-KR" altLang="en-US"/>
               <a:t>마스터 제목 스타일 편집</a:t>
             </a:r>
-            <a:endParaRPr kumimoji="1" lang="ko-KR" altLang="en-US"/>
           </a:p>
         </p:txBody>
       </p:sp>
@@ -244,10 +244,9 @@
           </a:lstStyle>
           <a:p>
             <a:r>
-              <a:rPr kumimoji="1" lang="ko-KR" altLang="en-US" smtClean="0"/>
+              <a:rPr kumimoji="1" lang="ko-KR" altLang="en-US"/>
               <a:t>마스터 부제목 스타일 편집</a:t>
             </a:r>
-            <a:endParaRPr kumimoji="1" lang="ko-KR" altLang="en-US"/>
           </a:p>
         </p:txBody>
       </p:sp>
@@ -268,7 +267,7 @@
           <a:p>
             <a:fld id="{654931E1-3547-5F4D-A496-A8982F82D872}" type="datetimeFigureOut">
               <a:rPr kumimoji="1" lang="ko-KR" altLang="en-US" smtClean="0"/>
-              <a:t>2020. 4. 19.</a:t>
+              <a:t>2021-02-24</a:t>
             </a:fld>
             <a:endParaRPr kumimoji="1" lang="ko-KR" altLang="en-US"/>
           </a:p>
@@ -362,10 +361,9 @@
           <a:lstStyle/>
           <a:p>
             <a:r>
-              <a:rPr kumimoji="1" lang="ko-KR" altLang="en-US" smtClean="0"/>
+              <a:rPr kumimoji="1" lang="ko-KR" altLang="en-US"/>
               <a:t>마스터 제목 스타일 편집</a:t>
             </a:r>
-            <a:endParaRPr kumimoji="1" lang="ko-KR" altLang="en-US"/>
           </a:p>
         </p:txBody>
       </p:sp>
@@ -386,38 +384,37 @@
           <a:p>
             <a:pPr lvl="0"/>
             <a:r>
-              <a:rPr kumimoji="1" lang="ko-KR" altLang="en-US" smtClean="0"/>
+              <a:rPr kumimoji="1" lang="ko-KR" altLang="en-US"/>
               <a:t>마스터 텍스트 스타일을 편집하려면 클릭</a:t>
             </a:r>
           </a:p>
           <a:p>
             <a:pPr lvl="1"/>
             <a:r>
-              <a:rPr kumimoji="1" lang="ko-KR" altLang="en-US" smtClean="0"/>
+              <a:rPr kumimoji="1" lang="ko-KR" altLang="en-US"/>
               <a:t>두 번째 수준</a:t>
             </a:r>
           </a:p>
           <a:p>
             <a:pPr lvl="2"/>
             <a:r>
-              <a:rPr kumimoji="1" lang="ko-KR" altLang="en-US" smtClean="0"/>
+              <a:rPr kumimoji="1" lang="ko-KR" altLang="en-US"/>
               <a:t>세 번째 수준</a:t>
             </a:r>
           </a:p>
           <a:p>
             <a:pPr lvl="3"/>
             <a:r>
-              <a:rPr kumimoji="1" lang="ko-KR" altLang="en-US" smtClean="0"/>
+              <a:rPr kumimoji="1" lang="ko-KR" altLang="en-US"/>
               <a:t>네 번째 수준</a:t>
             </a:r>
           </a:p>
           <a:p>
             <a:pPr lvl="4"/>
             <a:r>
-              <a:rPr kumimoji="1" lang="ko-KR" altLang="en-US" smtClean="0"/>
+              <a:rPr kumimoji="1" lang="ko-KR" altLang="en-US"/>
               <a:t>다섯 번째 수준</a:t>
             </a:r>
-            <a:endParaRPr kumimoji="1" lang="ko-KR" altLang="en-US"/>
           </a:p>
         </p:txBody>
       </p:sp>
@@ -438,7 +435,7 @@
           <a:p>
             <a:fld id="{654931E1-3547-5F4D-A496-A8982F82D872}" type="datetimeFigureOut">
               <a:rPr kumimoji="1" lang="ko-KR" altLang="en-US" smtClean="0"/>
-              <a:t>2020. 4. 19.</a:t>
+              <a:t>2021-02-24</a:t>
             </a:fld>
             <a:endParaRPr kumimoji="1" lang="ko-KR" altLang="en-US"/>
           </a:p>
@@ -537,10 +534,9 @@
           <a:lstStyle/>
           <a:p>
             <a:r>
-              <a:rPr kumimoji="1" lang="ko-KR" altLang="en-US" smtClean="0"/>
+              <a:rPr kumimoji="1" lang="ko-KR" altLang="en-US"/>
               <a:t>마스터 제목 스타일 편집</a:t>
             </a:r>
-            <a:endParaRPr kumimoji="1" lang="ko-KR" altLang="en-US"/>
           </a:p>
         </p:txBody>
       </p:sp>
@@ -566,38 +562,37 @@
           <a:p>
             <a:pPr lvl="0"/>
             <a:r>
-              <a:rPr kumimoji="1" lang="ko-KR" altLang="en-US" smtClean="0"/>
+              <a:rPr kumimoji="1" lang="ko-KR" altLang="en-US"/>
               <a:t>마스터 텍스트 스타일을 편집하려면 클릭</a:t>
             </a:r>
           </a:p>
           <a:p>
             <a:pPr lvl="1"/>
             <a:r>
-              <a:rPr kumimoji="1" lang="ko-KR" altLang="en-US" smtClean="0"/>
+              <a:rPr kumimoji="1" lang="ko-KR" altLang="en-US"/>
               <a:t>두 번째 수준</a:t>
             </a:r>
           </a:p>
           <a:p>
             <a:pPr lvl="2"/>
             <a:r>
-              <a:rPr kumimoji="1" lang="ko-KR" altLang="en-US" smtClean="0"/>
+              <a:rPr kumimoji="1" lang="ko-KR" altLang="en-US"/>
               <a:t>세 번째 수준</a:t>
             </a:r>
           </a:p>
           <a:p>
             <a:pPr lvl="3"/>
             <a:r>
-              <a:rPr kumimoji="1" lang="ko-KR" altLang="en-US" smtClean="0"/>
+              <a:rPr kumimoji="1" lang="ko-KR" altLang="en-US"/>
               <a:t>네 번째 수준</a:t>
             </a:r>
           </a:p>
           <a:p>
             <a:pPr lvl="4"/>
             <a:r>
-              <a:rPr kumimoji="1" lang="ko-KR" altLang="en-US" smtClean="0"/>
+              <a:rPr kumimoji="1" lang="ko-KR" altLang="en-US"/>
               <a:t>다섯 번째 수준</a:t>
             </a:r>
-            <a:endParaRPr kumimoji="1" lang="ko-KR" altLang="en-US"/>
           </a:p>
         </p:txBody>
       </p:sp>
@@ -618,7 +613,7 @@
           <a:p>
             <a:fld id="{654931E1-3547-5F4D-A496-A8982F82D872}" type="datetimeFigureOut">
               <a:rPr kumimoji="1" lang="ko-KR" altLang="en-US" smtClean="0"/>
-              <a:t>2020. 4. 19.</a:t>
+              <a:t>2021-02-24</a:t>
             </a:fld>
             <a:endParaRPr kumimoji="1" lang="ko-KR" altLang="en-US"/>
           </a:p>
@@ -712,10 +707,9 @@
           <a:lstStyle/>
           <a:p>
             <a:r>
-              <a:rPr kumimoji="1" lang="ko-KR" altLang="en-US" smtClean="0"/>
+              <a:rPr kumimoji="1" lang="ko-KR" altLang="en-US"/>
               <a:t>마스터 제목 스타일 편집</a:t>
             </a:r>
-            <a:endParaRPr kumimoji="1" lang="ko-KR" altLang="en-US"/>
           </a:p>
         </p:txBody>
       </p:sp>
@@ -736,38 +730,37 @@
           <a:p>
             <a:pPr lvl="0"/>
             <a:r>
-              <a:rPr kumimoji="1" lang="ko-KR" altLang="en-US" smtClean="0"/>
+              <a:rPr kumimoji="1" lang="ko-KR" altLang="en-US"/>
               <a:t>마스터 텍스트 스타일을 편집하려면 클릭</a:t>
             </a:r>
           </a:p>
           <a:p>
             <a:pPr lvl="1"/>
             <a:r>
-              <a:rPr kumimoji="1" lang="ko-KR" altLang="en-US" smtClean="0"/>
+              <a:rPr kumimoji="1" lang="ko-KR" altLang="en-US"/>
               <a:t>두 번째 수준</a:t>
             </a:r>
           </a:p>
           <a:p>
             <a:pPr lvl="2"/>
             <a:r>
-              <a:rPr kumimoji="1" lang="ko-KR" altLang="en-US" smtClean="0"/>
+              <a:rPr kumimoji="1" lang="ko-KR" altLang="en-US"/>
               <a:t>세 번째 수준</a:t>
             </a:r>
           </a:p>
           <a:p>
             <a:pPr lvl="3"/>
             <a:r>
-              <a:rPr kumimoji="1" lang="ko-KR" altLang="en-US" smtClean="0"/>
+              <a:rPr kumimoji="1" lang="ko-KR" altLang="en-US"/>
               <a:t>네 번째 수준</a:t>
             </a:r>
           </a:p>
           <a:p>
             <a:pPr lvl="4"/>
             <a:r>
-              <a:rPr kumimoji="1" lang="ko-KR" altLang="en-US" smtClean="0"/>
+              <a:rPr kumimoji="1" lang="ko-KR" altLang="en-US"/>
               <a:t>다섯 번째 수준</a:t>
             </a:r>
-            <a:endParaRPr kumimoji="1" lang="ko-KR" altLang="en-US"/>
           </a:p>
         </p:txBody>
       </p:sp>
@@ -788,7 +781,7 @@
           <a:p>
             <a:fld id="{654931E1-3547-5F4D-A496-A8982F82D872}" type="datetimeFigureOut">
               <a:rPr kumimoji="1" lang="ko-KR" altLang="en-US" smtClean="0"/>
-              <a:t>2020. 4. 19.</a:t>
+              <a:t>2021-02-24</a:t>
             </a:fld>
             <a:endParaRPr kumimoji="1" lang="ko-KR" altLang="en-US"/>
           </a:p>
@@ -891,10 +884,9 @@
           </a:lstStyle>
           <a:p>
             <a:r>
-              <a:rPr kumimoji="1" lang="ko-KR" altLang="en-US" smtClean="0"/>
+              <a:rPr kumimoji="1" lang="ko-KR" altLang="en-US"/>
               <a:t>마스터 제목 스타일 편집</a:t>
             </a:r>
-            <a:endParaRPr kumimoji="1" lang="ko-KR" altLang="en-US"/>
           </a:p>
         </p:txBody>
       </p:sp>
@@ -1011,7 +1003,7 @@
           <a:p>
             <a:pPr lvl="0"/>
             <a:r>
-              <a:rPr kumimoji="1" lang="ko-KR" altLang="en-US" smtClean="0"/>
+              <a:rPr kumimoji="1" lang="ko-KR" altLang="en-US"/>
               <a:t>마스터 텍스트 스타일을 편집하려면 클릭</a:t>
             </a:r>
           </a:p>
@@ -1034,7 +1026,7 @@
           <a:p>
             <a:fld id="{654931E1-3547-5F4D-A496-A8982F82D872}" type="datetimeFigureOut">
               <a:rPr kumimoji="1" lang="ko-KR" altLang="en-US" smtClean="0"/>
-              <a:t>2020. 4. 19.</a:t>
+              <a:t>2021-02-24</a:t>
             </a:fld>
             <a:endParaRPr kumimoji="1" lang="ko-KR" altLang="en-US"/>
           </a:p>
@@ -1128,10 +1120,9 @@
           <a:lstStyle/>
           <a:p>
             <a:r>
-              <a:rPr kumimoji="1" lang="ko-KR" altLang="en-US" smtClean="0"/>
+              <a:rPr kumimoji="1" lang="ko-KR" altLang="en-US"/>
               <a:t>마스터 제목 스타일 편집</a:t>
             </a:r>
-            <a:endParaRPr kumimoji="1" lang="ko-KR" altLang="en-US"/>
           </a:p>
         </p:txBody>
       </p:sp>
@@ -1157,38 +1148,37 @@
           <a:p>
             <a:pPr lvl="0"/>
             <a:r>
-              <a:rPr kumimoji="1" lang="ko-KR" altLang="en-US" smtClean="0"/>
+              <a:rPr kumimoji="1" lang="ko-KR" altLang="en-US"/>
               <a:t>마스터 텍스트 스타일을 편집하려면 클릭</a:t>
             </a:r>
           </a:p>
           <a:p>
             <a:pPr lvl="1"/>
             <a:r>
-              <a:rPr kumimoji="1" lang="ko-KR" altLang="en-US" smtClean="0"/>
+              <a:rPr kumimoji="1" lang="ko-KR" altLang="en-US"/>
               <a:t>두 번째 수준</a:t>
             </a:r>
           </a:p>
           <a:p>
             <a:pPr lvl="2"/>
             <a:r>
-              <a:rPr kumimoji="1" lang="ko-KR" altLang="en-US" smtClean="0"/>
+              <a:rPr kumimoji="1" lang="ko-KR" altLang="en-US"/>
               <a:t>세 번째 수준</a:t>
             </a:r>
           </a:p>
           <a:p>
             <a:pPr lvl="3"/>
             <a:r>
-              <a:rPr kumimoji="1" lang="ko-KR" altLang="en-US" smtClean="0"/>
+              <a:rPr kumimoji="1" lang="ko-KR" altLang="en-US"/>
               <a:t>네 번째 수준</a:t>
             </a:r>
           </a:p>
           <a:p>
             <a:pPr lvl="4"/>
             <a:r>
-              <a:rPr kumimoji="1" lang="ko-KR" altLang="en-US" smtClean="0"/>
+              <a:rPr kumimoji="1" lang="ko-KR" altLang="en-US"/>
               <a:t>다섯 번째 수준</a:t>
             </a:r>
-            <a:endParaRPr kumimoji="1" lang="ko-KR" altLang="en-US"/>
           </a:p>
         </p:txBody>
       </p:sp>
@@ -1214,38 +1204,37 @@
           <a:p>
             <a:pPr lvl="0"/>
             <a:r>
-              <a:rPr kumimoji="1" lang="ko-KR" altLang="en-US" smtClean="0"/>
+              <a:rPr kumimoji="1" lang="ko-KR" altLang="en-US"/>
               <a:t>마스터 텍스트 스타일을 편집하려면 클릭</a:t>
             </a:r>
           </a:p>
           <a:p>
             <a:pPr lvl="1"/>
             <a:r>
-              <a:rPr kumimoji="1" lang="ko-KR" altLang="en-US" smtClean="0"/>
+              <a:rPr kumimoji="1" lang="ko-KR" altLang="en-US"/>
               <a:t>두 번째 수준</a:t>
             </a:r>
           </a:p>
           <a:p>
             <a:pPr lvl="2"/>
             <a:r>
-              <a:rPr kumimoji="1" lang="ko-KR" altLang="en-US" smtClean="0"/>
+              <a:rPr kumimoji="1" lang="ko-KR" altLang="en-US"/>
               <a:t>세 번째 수준</a:t>
             </a:r>
           </a:p>
           <a:p>
             <a:pPr lvl="3"/>
             <a:r>
-              <a:rPr kumimoji="1" lang="ko-KR" altLang="en-US" smtClean="0"/>
+              <a:rPr kumimoji="1" lang="ko-KR" altLang="en-US"/>
               <a:t>네 번째 수준</a:t>
             </a:r>
           </a:p>
           <a:p>
             <a:pPr lvl="4"/>
             <a:r>
-              <a:rPr kumimoji="1" lang="ko-KR" altLang="en-US" smtClean="0"/>
+              <a:rPr kumimoji="1" lang="ko-KR" altLang="en-US"/>
               <a:t>다섯 번째 수준</a:t>
             </a:r>
-            <a:endParaRPr kumimoji="1" lang="ko-KR" altLang="en-US"/>
           </a:p>
         </p:txBody>
       </p:sp>
@@ -1266,7 +1255,7 @@
           <a:p>
             <a:fld id="{654931E1-3547-5F4D-A496-A8982F82D872}" type="datetimeFigureOut">
               <a:rPr kumimoji="1" lang="ko-KR" altLang="en-US" smtClean="0"/>
-              <a:t>2020. 4. 19.</a:t>
+              <a:t>2021-02-24</a:t>
             </a:fld>
             <a:endParaRPr kumimoji="1" lang="ko-KR" altLang="en-US"/>
           </a:p>
@@ -1365,10 +1354,9 @@
           <a:lstStyle/>
           <a:p>
             <a:r>
-              <a:rPr kumimoji="1" lang="ko-KR" altLang="en-US" smtClean="0"/>
+              <a:rPr kumimoji="1" lang="ko-KR" altLang="en-US"/>
               <a:t>마스터 제목 스타일 편집</a:t>
             </a:r>
-            <a:endParaRPr kumimoji="1" lang="ko-KR" altLang="en-US"/>
           </a:p>
         </p:txBody>
       </p:sp>
@@ -1431,7 +1419,7 @@
           <a:p>
             <a:pPr lvl="0"/>
             <a:r>
-              <a:rPr kumimoji="1" lang="ko-KR" altLang="en-US" smtClean="0"/>
+              <a:rPr kumimoji="1" lang="ko-KR" altLang="en-US"/>
               <a:t>마스터 텍스트 스타일을 편집하려면 클릭</a:t>
             </a:r>
           </a:p>
@@ -1459,38 +1447,37 @@
           <a:p>
             <a:pPr lvl="0"/>
             <a:r>
-              <a:rPr kumimoji="1" lang="ko-KR" altLang="en-US" smtClean="0"/>
+              <a:rPr kumimoji="1" lang="ko-KR" altLang="en-US"/>
               <a:t>마스터 텍스트 스타일을 편집하려면 클릭</a:t>
             </a:r>
           </a:p>
           <a:p>
             <a:pPr lvl="1"/>
             <a:r>
-              <a:rPr kumimoji="1" lang="ko-KR" altLang="en-US" smtClean="0"/>
+              <a:rPr kumimoji="1" lang="ko-KR" altLang="en-US"/>
               <a:t>두 번째 수준</a:t>
             </a:r>
           </a:p>
           <a:p>
             <a:pPr lvl="2"/>
             <a:r>
-              <a:rPr kumimoji="1" lang="ko-KR" altLang="en-US" smtClean="0"/>
+              <a:rPr kumimoji="1" lang="ko-KR" altLang="en-US"/>
               <a:t>세 번째 수준</a:t>
             </a:r>
           </a:p>
           <a:p>
             <a:pPr lvl="3"/>
             <a:r>
-              <a:rPr kumimoji="1" lang="ko-KR" altLang="en-US" smtClean="0"/>
+              <a:rPr kumimoji="1" lang="ko-KR" altLang="en-US"/>
               <a:t>네 번째 수준</a:t>
             </a:r>
           </a:p>
           <a:p>
             <a:pPr lvl="4"/>
             <a:r>
-              <a:rPr kumimoji="1" lang="ko-KR" altLang="en-US" smtClean="0"/>
+              <a:rPr kumimoji="1" lang="ko-KR" altLang="en-US"/>
               <a:t>다섯 번째 수준</a:t>
             </a:r>
-            <a:endParaRPr kumimoji="1" lang="ko-KR" altLang="en-US"/>
           </a:p>
         </p:txBody>
       </p:sp>
@@ -1553,7 +1540,7 @@
           <a:p>
             <a:pPr lvl="0"/>
             <a:r>
-              <a:rPr kumimoji="1" lang="ko-KR" altLang="en-US" smtClean="0"/>
+              <a:rPr kumimoji="1" lang="ko-KR" altLang="en-US"/>
               <a:t>마스터 텍스트 스타일을 편집하려면 클릭</a:t>
             </a:r>
           </a:p>
@@ -1581,38 +1568,37 @@
           <a:p>
             <a:pPr lvl="0"/>
             <a:r>
-              <a:rPr kumimoji="1" lang="ko-KR" altLang="en-US" smtClean="0"/>
+              <a:rPr kumimoji="1" lang="ko-KR" altLang="en-US"/>
               <a:t>마스터 텍스트 스타일을 편집하려면 클릭</a:t>
             </a:r>
           </a:p>
           <a:p>
             <a:pPr lvl="1"/>
             <a:r>
-              <a:rPr kumimoji="1" lang="ko-KR" altLang="en-US" smtClean="0"/>
+              <a:rPr kumimoji="1" lang="ko-KR" altLang="en-US"/>
               <a:t>두 번째 수준</a:t>
             </a:r>
           </a:p>
           <a:p>
             <a:pPr lvl="2"/>
             <a:r>
-              <a:rPr kumimoji="1" lang="ko-KR" altLang="en-US" smtClean="0"/>
+              <a:rPr kumimoji="1" lang="ko-KR" altLang="en-US"/>
               <a:t>세 번째 수준</a:t>
             </a:r>
           </a:p>
           <a:p>
             <a:pPr lvl="3"/>
             <a:r>
-              <a:rPr kumimoji="1" lang="ko-KR" altLang="en-US" smtClean="0"/>
+              <a:rPr kumimoji="1" lang="ko-KR" altLang="en-US"/>
               <a:t>네 번째 수준</a:t>
             </a:r>
           </a:p>
           <a:p>
             <a:pPr lvl="4"/>
             <a:r>
-              <a:rPr kumimoji="1" lang="ko-KR" altLang="en-US" smtClean="0"/>
+              <a:rPr kumimoji="1" lang="ko-KR" altLang="en-US"/>
               <a:t>다섯 번째 수준</a:t>
             </a:r>
-            <a:endParaRPr kumimoji="1" lang="ko-KR" altLang="en-US"/>
           </a:p>
         </p:txBody>
       </p:sp>
@@ -1633,7 +1619,7 @@
           <a:p>
             <a:fld id="{654931E1-3547-5F4D-A496-A8982F82D872}" type="datetimeFigureOut">
               <a:rPr kumimoji="1" lang="ko-KR" altLang="en-US" smtClean="0"/>
-              <a:t>2020. 4. 19.</a:t>
+              <a:t>2021-02-24</a:t>
             </a:fld>
             <a:endParaRPr kumimoji="1" lang="ko-KR" altLang="en-US"/>
           </a:p>
@@ -1727,10 +1713,9 @@
           <a:lstStyle/>
           <a:p>
             <a:r>
-              <a:rPr kumimoji="1" lang="ko-KR" altLang="en-US" smtClean="0"/>
+              <a:rPr kumimoji="1" lang="ko-KR" altLang="en-US"/>
               <a:t>마스터 제목 스타일 편집</a:t>
             </a:r>
-            <a:endParaRPr kumimoji="1" lang="ko-KR" altLang="en-US"/>
           </a:p>
         </p:txBody>
       </p:sp>
@@ -1751,7 +1736,7 @@
           <a:p>
             <a:fld id="{654931E1-3547-5F4D-A496-A8982F82D872}" type="datetimeFigureOut">
               <a:rPr kumimoji="1" lang="ko-KR" altLang="en-US" smtClean="0"/>
-              <a:t>2020. 4. 19.</a:t>
+              <a:t>2021-02-24</a:t>
             </a:fld>
             <a:endParaRPr kumimoji="1" lang="ko-KR" altLang="en-US"/>
           </a:p>
@@ -1846,7 +1831,7 @@
           <a:p>
             <a:fld id="{654931E1-3547-5F4D-A496-A8982F82D872}" type="datetimeFigureOut">
               <a:rPr kumimoji="1" lang="ko-KR" altLang="en-US" smtClean="0"/>
-              <a:t>2020. 4. 19.</a:t>
+              <a:t>2021-02-24</a:t>
             </a:fld>
             <a:endParaRPr kumimoji="1" lang="ko-KR" altLang="en-US"/>
           </a:p>
@@ -1949,10 +1934,9 @@
           </a:lstStyle>
           <a:p>
             <a:r>
-              <a:rPr kumimoji="1" lang="ko-KR" altLang="en-US" smtClean="0"/>
+              <a:rPr kumimoji="1" lang="ko-KR" altLang="en-US"/>
               <a:t>마스터 제목 스타일 편집</a:t>
             </a:r>
-            <a:endParaRPr kumimoji="1" lang="ko-KR" altLang="en-US"/>
           </a:p>
         </p:txBody>
       </p:sp>
@@ -2006,38 +1990,37 @@
           <a:p>
             <a:pPr lvl="0"/>
             <a:r>
-              <a:rPr kumimoji="1" lang="ko-KR" altLang="en-US" smtClean="0"/>
+              <a:rPr kumimoji="1" lang="ko-KR" altLang="en-US"/>
               <a:t>마스터 텍스트 스타일을 편집하려면 클릭</a:t>
             </a:r>
           </a:p>
           <a:p>
             <a:pPr lvl="1"/>
             <a:r>
-              <a:rPr kumimoji="1" lang="ko-KR" altLang="en-US" smtClean="0"/>
+              <a:rPr kumimoji="1" lang="ko-KR" altLang="en-US"/>
               <a:t>두 번째 수준</a:t>
             </a:r>
           </a:p>
           <a:p>
             <a:pPr lvl="2"/>
             <a:r>
-              <a:rPr kumimoji="1" lang="ko-KR" altLang="en-US" smtClean="0"/>
+              <a:rPr kumimoji="1" lang="ko-KR" altLang="en-US"/>
               <a:t>세 번째 수준</a:t>
             </a:r>
           </a:p>
           <a:p>
             <a:pPr lvl="3"/>
             <a:r>
-              <a:rPr kumimoji="1" lang="ko-KR" altLang="en-US" smtClean="0"/>
+              <a:rPr kumimoji="1" lang="ko-KR" altLang="en-US"/>
               <a:t>네 번째 수준</a:t>
             </a:r>
           </a:p>
           <a:p>
             <a:pPr lvl="4"/>
             <a:r>
-              <a:rPr kumimoji="1" lang="ko-KR" altLang="en-US" smtClean="0"/>
+              <a:rPr kumimoji="1" lang="ko-KR" altLang="en-US"/>
               <a:t>다섯 번째 수준</a:t>
             </a:r>
-            <a:endParaRPr kumimoji="1" lang="ko-KR" altLang="en-US"/>
           </a:p>
         </p:txBody>
       </p:sp>
@@ -2100,7 +2083,7 @@
           <a:p>
             <a:pPr lvl="0"/>
             <a:r>
-              <a:rPr kumimoji="1" lang="ko-KR" altLang="en-US" smtClean="0"/>
+              <a:rPr kumimoji="1" lang="ko-KR" altLang="en-US"/>
               <a:t>마스터 텍스트 스타일을 편집하려면 클릭</a:t>
             </a:r>
           </a:p>
@@ -2123,7 +2106,7 @@
           <a:p>
             <a:fld id="{654931E1-3547-5F4D-A496-A8982F82D872}" type="datetimeFigureOut">
               <a:rPr kumimoji="1" lang="ko-KR" altLang="en-US" smtClean="0"/>
-              <a:t>2020. 4. 19.</a:t>
+              <a:t>2021-02-24</a:t>
             </a:fld>
             <a:endParaRPr kumimoji="1" lang="ko-KR" altLang="en-US"/>
           </a:p>
@@ -2226,10 +2209,9 @@
           </a:lstStyle>
           <a:p>
             <a:r>
-              <a:rPr kumimoji="1" lang="ko-KR" altLang="en-US" smtClean="0"/>
+              <a:rPr kumimoji="1" lang="ko-KR" altLang="en-US"/>
               <a:t>마스터 제목 스타일 편집</a:t>
             </a:r>
-            <a:endParaRPr kumimoji="1" lang="ko-KR" altLang="en-US"/>
           </a:p>
         </p:txBody>
       </p:sp>
@@ -2353,7 +2335,7 @@
           <a:p>
             <a:pPr lvl="0"/>
             <a:r>
-              <a:rPr kumimoji="1" lang="ko-KR" altLang="en-US" smtClean="0"/>
+              <a:rPr kumimoji="1" lang="ko-KR" altLang="en-US"/>
               <a:t>마스터 텍스트 스타일을 편집하려면 클릭</a:t>
             </a:r>
           </a:p>
@@ -2376,7 +2358,7 @@
           <a:p>
             <a:fld id="{654931E1-3547-5F4D-A496-A8982F82D872}" type="datetimeFigureOut">
               <a:rPr kumimoji="1" lang="ko-KR" altLang="en-US" smtClean="0"/>
-              <a:t>2020. 4. 19.</a:t>
+              <a:t>2021-02-24</a:t>
             </a:fld>
             <a:endParaRPr kumimoji="1" lang="ko-KR" altLang="en-US"/>
           </a:p>
@@ -2485,10 +2467,9 @@
           <a:lstStyle/>
           <a:p>
             <a:r>
-              <a:rPr kumimoji="1" lang="ko-KR" altLang="en-US" smtClean="0"/>
+              <a:rPr kumimoji="1" lang="ko-KR" altLang="en-US"/>
               <a:t>마스터 제목 스타일 편집</a:t>
             </a:r>
-            <a:endParaRPr kumimoji="1" lang="ko-KR" altLang="en-US"/>
           </a:p>
         </p:txBody>
       </p:sp>
@@ -2519,38 +2500,37 @@
           <a:p>
             <a:pPr lvl="0"/>
             <a:r>
-              <a:rPr kumimoji="1" lang="ko-KR" altLang="en-US" smtClean="0"/>
+              <a:rPr kumimoji="1" lang="ko-KR" altLang="en-US"/>
               <a:t>마스터 텍스트 스타일을 편집하려면 클릭</a:t>
             </a:r>
           </a:p>
           <a:p>
             <a:pPr lvl="1"/>
             <a:r>
-              <a:rPr kumimoji="1" lang="ko-KR" altLang="en-US" smtClean="0"/>
+              <a:rPr kumimoji="1" lang="ko-KR" altLang="en-US"/>
               <a:t>두 번째 수준</a:t>
             </a:r>
           </a:p>
           <a:p>
             <a:pPr lvl="2"/>
             <a:r>
-              <a:rPr kumimoji="1" lang="ko-KR" altLang="en-US" smtClean="0"/>
+              <a:rPr kumimoji="1" lang="ko-KR" altLang="en-US"/>
               <a:t>세 번째 수준</a:t>
             </a:r>
           </a:p>
           <a:p>
             <a:pPr lvl="3"/>
             <a:r>
-              <a:rPr kumimoji="1" lang="ko-KR" altLang="en-US" smtClean="0"/>
+              <a:rPr kumimoji="1" lang="ko-KR" altLang="en-US"/>
               <a:t>네 번째 수준</a:t>
             </a:r>
           </a:p>
           <a:p>
             <a:pPr lvl="4"/>
             <a:r>
-              <a:rPr kumimoji="1" lang="ko-KR" altLang="en-US" smtClean="0"/>
+              <a:rPr kumimoji="1" lang="ko-KR" altLang="en-US"/>
               <a:t>다섯 번째 수준</a:t>
             </a:r>
-            <a:endParaRPr kumimoji="1" lang="ko-KR" altLang="en-US"/>
           </a:p>
         </p:txBody>
       </p:sp>
@@ -2589,7 +2569,7 @@
           <a:p>
             <a:fld id="{654931E1-3547-5F4D-A496-A8982F82D872}" type="datetimeFigureOut">
               <a:rPr kumimoji="1" lang="ko-KR" altLang="en-US" smtClean="0"/>
-              <a:t>2020. 4. 19.</a:t>
+              <a:t>2021-02-24</a:t>
             </a:fld>
             <a:endParaRPr kumimoji="1" lang="ko-KR" altLang="en-US"/>
           </a:p>
@@ -3010,18 +2990,17 @@
           <a:lstStyle/>
           <a:p>
             <a:r>
-              <a:rPr kumimoji="1" lang="ko-KR" altLang="en-US" dirty="0" smtClean="0"/>
+              <a:rPr kumimoji="1" lang="ko-KR" altLang="en-US" dirty="0"/>
               <a:t>분석</a:t>
             </a:r>
             <a:r>
-              <a:rPr kumimoji="1" lang="en-US" altLang="ko-KR" dirty="0" smtClean="0"/>
+              <a:rPr kumimoji="1" lang="en-US" altLang="ko-KR" dirty="0"/>
               <a:t>/</a:t>
             </a:r>
             <a:r>
-              <a:rPr kumimoji="1" lang="ko-KR" altLang="en-US" dirty="0" smtClean="0"/>
+              <a:rPr kumimoji="1" lang="ko-KR" altLang="en-US" dirty="0"/>
               <a:t>설계</a:t>
             </a:r>
-            <a:endParaRPr kumimoji="1" lang="ko-KR" altLang="en-US" dirty="0"/>
           </a:p>
         </p:txBody>
       </p:sp>
@@ -3041,38 +3020,37 @@
           <a:lstStyle/>
           <a:p>
             <a:r>
-              <a:rPr kumimoji="1" lang="en-US" altLang="ko-KR" dirty="0" smtClean="0"/>
+              <a:rPr kumimoji="1" lang="en-US" altLang="ko-KR" dirty="0"/>
               <a:t>“</a:t>
             </a:r>
             <a:r>
-              <a:rPr kumimoji="1" lang="ko-KR" altLang="en-US" dirty="0" smtClean="0"/>
+              <a:rPr kumimoji="1" lang="ko-KR" altLang="en-US" dirty="0"/>
               <a:t>배달의 민족</a:t>
             </a:r>
             <a:r>
-              <a:rPr kumimoji="1" lang="en-US" altLang="ko-KR" dirty="0" smtClean="0"/>
+              <a:rPr kumimoji="1" lang="en-US" altLang="ko-KR" dirty="0"/>
               <a:t>”</a:t>
             </a:r>
             <a:r>
-              <a:rPr kumimoji="1" lang="ko-KR" altLang="en-US" dirty="0" smtClean="0"/>
+              <a:rPr kumimoji="1" lang="ko-KR" altLang="en-US" dirty="0"/>
               <a:t> </a:t>
             </a:r>
             <a:r>
-              <a:rPr kumimoji="1" lang="en-US" altLang="ko-KR" dirty="0" smtClean="0"/>
+              <a:rPr kumimoji="1" lang="en-US" altLang="ko-KR" dirty="0"/>
               <a:t>MSA </a:t>
             </a:r>
             <a:r>
-              <a:rPr kumimoji="1" lang="ko-KR" altLang="en-US" dirty="0" smtClean="0"/>
+              <a:rPr kumimoji="1" lang="ko-KR" altLang="en-US" dirty="0"/>
               <a:t>로 설계</a:t>
             </a:r>
             <a:r>
-              <a:rPr kumimoji="1" lang="en-US" altLang="ko-KR" dirty="0" smtClean="0"/>
+              <a:rPr kumimoji="1" lang="en-US" altLang="ko-KR" dirty="0"/>
               <a:t>/</a:t>
             </a:r>
             <a:r>
-              <a:rPr kumimoji="1" lang="ko-KR" altLang="en-US" dirty="0" smtClean="0"/>
+              <a:rPr kumimoji="1" lang="ko-KR" altLang="en-US" dirty="0"/>
               <a:t>구현하기</a:t>
             </a:r>
-            <a:endParaRPr kumimoji="1" lang="ko-KR" altLang="en-US" dirty="0"/>
           </a:p>
         </p:txBody>
       </p:sp>
@@ -3127,19 +3105,19 @@
           <a:lstStyle/>
           <a:p>
             <a:r>
-              <a:rPr kumimoji="1" lang="ko-KR" altLang="en-US" dirty="0" smtClean="0"/>
+              <a:rPr kumimoji="1" lang="ko-KR" altLang="en-US" dirty="0"/>
               <a:t>이벤트스토밍 </a:t>
             </a:r>
             <a:r>
-              <a:rPr kumimoji="1" lang="en-US" altLang="ko-KR" dirty="0" smtClean="0"/>
+              <a:rPr kumimoji="1" lang="en-US" altLang="ko-KR" dirty="0"/>
               <a:t>–</a:t>
             </a:r>
             <a:r>
-              <a:rPr kumimoji="1" lang="ko-KR" altLang="en-US" dirty="0" smtClean="0"/>
+              <a:rPr kumimoji="1" lang="ko-KR" altLang="en-US" dirty="0"/>
               <a:t> </a:t>
             </a:r>
             <a:r>
-              <a:rPr kumimoji="1" lang="en-US" altLang="ko-KR" dirty="0" smtClean="0"/>
+              <a:rPr kumimoji="1" lang="en-US" altLang="ko-KR" dirty="0"/>
               <a:t>Bounded Context</a:t>
             </a:r>
             <a:endParaRPr kumimoji="1" lang="ko-KR" altLang="en-US" dirty="0"/>
@@ -3203,18 +3181,13 @@
             <a:p>
               <a:pPr algn="ctr"/>
               <a:r>
-                <a:rPr kumimoji="1" lang="ko-KR" altLang="en-US" sz="1050" b="1" dirty="0" smtClean="0">
+                <a:rPr kumimoji="1" lang="ko-KR" altLang="en-US" sz="1050" b="1" dirty="0">
                   <a:solidFill>
                     <a:schemeClr val="tx1"/>
                   </a:solidFill>
                 </a:rPr>
                 <a:t>주문됨</a:t>
               </a:r>
-              <a:endParaRPr kumimoji="1" lang="ko-KR" altLang="en-US" sz="1050" b="1" dirty="0">
-                <a:solidFill>
-                  <a:schemeClr val="tx1"/>
-                </a:solidFill>
-              </a:endParaRPr>
             </a:p>
           </p:txBody>
         </p:sp>
@@ -3261,7 +3234,7 @@
             <a:p>
               <a:pPr algn="ctr"/>
               <a:r>
-                <a:rPr kumimoji="1" lang="ko-KR" altLang="en-US" sz="1050" b="1" smtClean="0">
+                <a:rPr kumimoji="1" lang="ko-KR" altLang="en-US" sz="1050" b="1">
                   <a:solidFill>
                     <a:schemeClr val="tx1"/>
                   </a:solidFill>
@@ -3319,18 +3292,13 @@
             <a:p>
               <a:pPr algn="ctr"/>
               <a:r>
-                <a:rPr kumimoji="1" lang="ko-KR" altLang="en-US" sz="1050" b="1" dirty="0" smtClean="0">
+                <a:rPr kumimoji="1" lang="ko-KR" altLang="en-US" sz="1050" b="1" dirty="0">
                   <a:solidFill>
                     <a:schemeClr val="tx1"/>
                   </a:solidFill>
                 </a:rPr>
                 <a:t>주문</a:t>
               </a:r>
-              <a:endParaRPr kumimoji="1" lang="ko-KR" altLang="en-US" sz="1050" b="1" dirty="0">
-                <a:solidFill>
-                  <a:schemeClr val="tx1"/>
-                </a:solidFill>
-              </a:endParaRPr>
             </a:p>
           </p:txBody>
         </p:sp>
@@ -3377,18 +3345,13 @@
             <a:p>
               <a:pPr algn="ctr"/>
               <a:r>
-                <a:rPr kumimoji="1" lang="ko-KR" altLang="en-US" sz="1050" b="1" dirty="0" smtClean="0">
+                <a:rPr kumimoji="1" lang="ko-KR" altLang="en-US" sz="1050" b="1" dirty="0">
                   <a:solidFill>
                     <a:schemeClr val="tx1"/>
                   </a:solidFill>
                 </a:rPr>
                 <a:t>주문취소</a:t>
               </a:r>
-              <a:endParaRPr kumimoji="1" lang="ko-KR" altLang="en-US" sz="1050" b="1" dirty="0">
-                <a:solidFill>
-                  <a:schemeClr val="tx1"/>
-                </a:solidFill>
-              </a:endParaRPr>
             </a:p>
           </p:txBody>
         </p:sp>
@@ -3449,18 +3412,13 @@
               <a:p>
                 <a:pPr algn="ctr"/>
                 <a:r>
-                  <a:rPr kumimoji="1" lang="ko-KR" altLang="en-US" sz="1050" b="1" dirty="0" smtClean="0">
+                  <a:rPr kumimoji="1" lang="ko-KR" altLang="en-US" sz="1050" b="1" dirty="0">
                     <a:solidFill>
                       <a:schemeClr val="tx1"/>
                     </a:solidFill>
                   </a:rPr>
                   <a:t>고객</a:t>
                 </a:r>
-                <a:endParaRPr kumimoji="1" lang="ko-KR" altLang="en-US" sz="1050" b="1" dirty="0">
-                  <a:solidFill>
-                    <a:schemeClr val="tx1"/>
-                  </a:solidFill>
-                </a:endParaRPr>
               </a:p>
             </p:txBody>
           </p:sp>
@@ -3696,18 +3654,13 @@
             <a:p>
               <a:pPr algn="ctr"/>
               <a:r>
-                <a:rPr kumimoji="1" lang="ko-KR" altLang="en-US" sz="1400" dirty="0" smtClean="0">
+                <a:rPr kumimoji="1" lang="ko-KR" altLang="en-US" sz="1400" dirty="0">
                   <a:solidFill>
                     <a:sysClr val="windowText" lastClr="000000"/>
                   </a:solidFill>
                 </a:rPr>
                 <a:t>주문</a:t>
               </a:r>
-              <a:endParaRPr kumimoji="1" lang="ko-KR" altLang="en-US" sz="1400" dirty="0">
-                <a:solidFill>
-                  <a:sysClr val="windowText" lastClr="000000"/>
-                </a:solidFill>
-              </a:endParaRPr>
             </a:p>
           </p:txBody>
         </p:sp>
@@ -3755,7 +3708,7 @@
             <a:p>
               <a:pPr algn="ctr"/>
               <a:r>
-                <a:rPr kumimoji="1" lang="en-US" altLang="ko-KR" sz="1400" dirty="0" smtClean="0">
+                <a:rPr kumimoji="1" lang="en-US" altLang="ko-KR" sz="1400" dirty="0">
                   <a:solidFill>
                     <a:schemeClr val="tx1"/>
                   </a:solidFill>
@@ -3828,18 +3781,13 @@
             <a:p>
               <a:pPr algn="ctr"/>
               <a:r>
-                <a:rPr kumimoji="1" lang="ko-KR" altLang="en-US" sz="1050" b="1" dirty="0" smtClean="0">
+                <a:rPr kumimoji="1" lang="ko-KR" altLang="en-US" sz="1050" b="1" dirty="0">
                   <a:solidFill>
                     <a:schemeClr val="tx1"/>
                   </a:solidFill>
                 </a:rPr>
                 <a:t>결제승인됨</a:t>
               </a:r>
-              <a:endParaRPr kumimoji="1" lang="ko-KR" altLang="en-US" sz="1050" b="1" dirty="0">
-                <a:solidFill>
-                  <a:schemeClr val="tx1"/>
-                </a:solidFill>
-              </a:endParaRPr>
             </a:p>
           </p:txBody>
         </p:sp>
@@ -3886,18 +3834,13 @@
             <a:p>
               <a:pPr algn="ctr"/>
               <a:r>
-                <a:rPr kumimoji="1" lang="ko-KR" altLang="en-US" sz="1050" b="1" dirty="0" smtClean="0">
+                <a:rPr kumimoji="1" lang="ko-KR" altLang="en-US" sz="1050" b="1" dirty="0">
                   <a:solidFill>
                     <a:schemeClr val="tx1"/>
                   </a:solidFill>
                 </a:rPr>
                 <a:t>결제</a:t>
               </a:r>
-              <a:endParaRPr kumimoji="1" lang="ko-KR" altLang="en-US" sz="1050" b="1" dirty="0">
-                <a:solidFill>
-                  <a:schemeClr val="tx1"/>
-                </a:solidFill>
-              </a:endParaRPr>
             </a:p>
           </p:txBody>
         </p:sp>
@@ -3944,7 +3887,7 @@
             <a:p>
               <a:pPr algn="ctr"/>
               <a:r>
-                <a:rPr kumimoji="1" lang="ko-KR" altLang="en-US" sz="1400" smtClean="0">
+                <a:rPr kumimoji="1" lang="ko-KR" altLang="en-US" sz="1400">
                   <a:solidFill>
                     <a:sysClr val="windowText" lastClr="000000"/>
                   </a:solidFill>
@@ -4003,7 +3946,7 @@
             <a:p>
               <a:pPr algn="ctr"/>
               <a:r>
-                <a:rPr kumimoji="1" lang="en-US" altLang="ko-KR" sz="1400" smtClean="0">
+                <a:rPr kumimoji="1" lang="en-US" altLang="ko-KR" sz="1400">
                   <a:solidFill>
                     <a:schemeClr val="tx1"/>
                   </a:solidFill>
@@ -4076,18 +4019,13 @@
             <a:p>
               <a:pPr algn="ctr"/>
               <a:r>
-                <a:rPr kumimoji="1" lang="ko-KR" altLang="en-US" sz="1050" b="1" dirty="0" smtClean="0">
+                <a:rPr kumimoji="1" lang="ko-KR" altLang="en-US" sz="1050" b="1" dirty="0">
                   <a:solidFill>
                     <a:schemeClr val="tx1"/>
                   </a:solidFill>
                 </a:rPr>
                 <a:t>배달시작됨</a:t>
               </a:r>
-              <a:endParaRPr kumimoji="1" lang="ko-KR" altLang="en-US" sz="1050" b="1" dirty="0">
-                <a:solidFill>
-                  <a:schemeClr val="tx1"/>
-                </a:solidFill>
-              </a:endParaRPr>
             </a:p>
           </p:txBody>
         </p:sp>
@@ -4134,18 +4072,13 @@
             <a:p>
               <a:pPr algn="ctr"/>
               <a:r>
-                <a:rPr kumimoji="1" lang="ko-KR" altLang="en-US" sz="1050" b="1" dirty="0" smtClean="0">
+                <a:rPr kumimoji="1" lang="ko-KR" altLang="en-US" sz="1050" b="1" dirty="0">
                   <a:solidFill>
                     <a:schemeClr val="tx1"/>
                   </a:solidFill>
                 </a:rPr>
                 <a:t>배달취소됨</a:t>
               </a:r>
-              <a:endParaRPr kumimoji="1" lang="ko-KR" altLang="en-US" sz="1050" b="1" dirty="0">
-                <a:solidFill>
-                  <a:schemeClr val="tx1"/>
-                </a:solidFill>
-              </a:endParaRPr>
             </a:p>
           </p:txBody>
         </p:sp>
@@ -4192,18 +4125,13 @@
             <a:p>
               <a:pPr algn="ctr"/>
               <a:r>
-                <a:rPr kumimoji="1" lang="ko-KR" altLang="en-US" sz="1050" b="1" dirty="0" smtClean="0">
+                <a:rPr kumimoji="1" lang="ko-KR" altLang="en-US" sz="1050" b="1" dirty="0">
                   <a:solidFill>
                     <a:schemeClr val="tx1"/>
                   </a:solidFill>
                 </a:rPr>
                 <a:t>배달시작</a:t>
               </a:r>
-              <a:endParaRPr kumimoji="1" lang="ko-KR" altLang="en-US" sz="1050" b="1" dirty="0">
-                <a:solidFill>
-                  <a:schemeClr val="tx1"/>
-                </a:solidFill>
-              </a:endParaRPr>
             </a:p>
           </p:txBody>
         </p:sp>
@@ -4264,18 +4192,13 @@
               <a:p>
                 <a:pPr algn="ctr"/>
                 <a:r>
-                  <a:rPr kumimoji="1" lang="ko-KR" altLang="en-US" sz="1050" b="1" dirty="0" smtClean="0">
+                  <a:rPr kumimoji="1" lang="ko-KR" altLang="en-US" sz="1050" b="1" dirty="0">
                     <a:solidFill>
                       <a:schemeClr val="tx1"/>
                     </a:solidFill>
                   </a:rPr>
                   <a:t>점주</a:t>
                 </a:r>
-                <a:endParaRPr kumimoji="1" lang="ko-KR" altLang="en-US" sz="1050" b="1" dirty="0">
-                  <a:solidFill>
-                    <a:schemeClr val="tx1"/>
-                  </a:solidFill>
-                </a:endParaRPr>
               </a:p>
             </p:txBody>
           </p:sp>
@@ -4511,18 +4434,13 @@
             <a:p>
               <a:pPr algn="ctr"/>
               <a:r>
-                <a:rPr kumimoji="1" lang="ko-KR" altLang="en-US" sz="1400" dirty="0" smtClean="0">
+                <a:rPr kumimoji="1" lang="ko-KR" altLang="en-US" sz="1400" dirty="0">
                   <a:solidFill>
                     <a:sysClr val="windowText" lastClr="000000"/>
                   </a:solidFill>
                 </a:rPr>
                 <a:t>주문처리</a:t>
               </a:r>
-              <a:endParaRPr kumimoji="1" lang="ko-KR" altLang="en-US" sz="1400" dirty="0">
-                <a:solidFill>
-                  <a:sysClr val="windowText" lastClr="000000"/>
-                </a:solidFill>
-              </a:endParaRPr>
             </a:p>
           </p:txBody>
         </p:sp>
@@ -4570,7 +4488,7 @@
             <a:p>
               <a:pPr algn="ctr"/>
               <a:r>
-                <a:rPr kumimoji="1" lang="en-US" altLang="ko-KR" sz="1400" dirty="0" smtClean="0">
+                <a:rPr kumimoji="1" lang="en-US" altLang="ko-KR" sz="1400" dirty="0">
                   <a:solidFill>
                     <a:schemeClr val="tx1"/>
                   </a:solidFill>
@@ -4637,43 +4555,43 @@
           <a:lstStyle/>
           <a:p>
             <a:r>
-              <a:rPr kumimoji="1" lang="ko-KR" altLang="en-US" dirty="0" smtClean="0"/>
+              <a:rPr kumimoji="1" lang="ko-KR" altLang="en-US" dirty="0"/>
               <a:t>이벤트스토밍 </a:t>
             </a:r>
             <a:r>
-              <a:rPr kumimoji="1" lang="en-US" altLang="ko-KR" dirty="0" smtClean="0"/>
+              <a:rPr kumimoji="1" lang="en-US" altLang="ko-KR" dirty="0"/>
               <a:t>–</a:t>
             </a:r>
             <a:r>
-              <a:rPr kumimoji="1" lang="ko-KR" altLang="en-US" dirty="0" smtClean="0"/>
+              <a:rPr kumimoji="1" lang="ko-KR" altLang="en-US" dirty="0"/>
               <a:t> </a:t>
             </a:r>
             <a:r>
-              <a:rPr kumimoji="1" lang="en-US" altLang="ko-KR" dirty="0" smtClean="0"/>
+              <a:rPr kumimoji="1" lang="en-US" altLang="ko-KR" dirty="0"/>
               <a:t>Policy</a:t>
             </a:r>
             <a:r>
-              <a:rPr kumimoji="1" lang="ko-KR" altLang="en-US" dirty="0" smtClean="0"/>
+              <a:rPr kumimoji="1" lang="ko-KR" altLang="en-US" dirty="0"/>
               <a:t> </a:t>
             </a:r>
             <a:r>
-              <a:rPr kumimoji="1" lang="en-US" altLang="ko-KR" dirty="0" smtClean="0"/>
+              <a:rPr kumimoji="1" lang="en-US" altLang="ko-KR" dirty="0"/>
               <a:t>(</a:t>
             </a:r>
             <a:r>
-              <a:rPr kumimoji="1" lang="ko-KR" altLang="en-US" dirty="0" smtClean="0"/>
+              <a:rPr kumimoji="1" lang="ko-KR" altLang="en-US" dirty="0"/>
               <a:t>괄호 </a:t>
             </a:r>
             <a:r>
-              <a:rPr kumimoji="1" lang="en-US" altLang="ko-KR" dirty="0" smtClean="0"/>
+              <a:rPr kumimoji="1" lang="en-US" altLang="ko-KR" dirty="0"/>
               <a:t>-</a:t>
             </a:r>
             <a:r>
-              <a:rPr kumimoji="1" lang="ko-KR" altLang="en-US" dirty="0" smtClean="0"/>
+              <a:rPr kumimoji="1" lang="ko-KR" altLang="en-US" dirty="0"/>
               <a:t> 수행주체</a:t>
             </a:r>
             <a:r>
-              <a:rPr kumimoji="1" lang="en-US" altLang="ko-KR" dirty="0" smtClean="0"/>
+              <a:rPr kumimoji="1" lang="en-US" altLang="ko-KR" dirty="0"/>
               <a:t>)</a:t>
             </a:r>
             <a:endParaRPr kumimoji="1" lang="ko-KR" altLang="en-US" dirty="0"/>
@@ -4737,18 +4655,13 @@
             <a:p>
               <a:pPr algn="ctr"/>
               <a:r>
-                <a:rPr kumimoji="1" lang="ko-KR" altLang="en-US" sz="1050" b="1" dirty="0" smtClean="0">
+                <a:rPr kumimoji="1" lang="ko-KR" altLang="en-US" sz="1050" b="1" dirty="0">
                   <a:solidFill>
                     <a:schemeClr val="tx1"/>
                   </a:solidFill>
                 </a:rPr>
                 <a:t>주문됨</a:t>
               </a:r>
-              <a:endParaRPr kumimoji="1" lang="ko-KR" altLang="en-US" sz="1050" b="1" dirty="0">
-                <a:solidFill>
-                  <a:schemeClr val="tx1"/>
-                </a:solidFill>
-              </a:endParaRPr>
             </a:p>
           </p:txBody>
         </p:sp>
@@ -4795,7 +4708,7 @@
             <a:p>
               <a:pPr algn="ctr"/>
               <a:r>
-                <a:rPr kumimoji="1" lang="ko-KR" altLang="en-US" sz="1050" b="1" smtClean="0">
+                <a:rPr kumimoji="1" lang="ko-KR" altLang="en-US" sz="1050" b="1">
                   <a:solidFill>
                     <a:schemeClr val="tx1"/>
                   </a:solidFill>
@@ -4853,18 +4766,13 @@
             <a:p>
               <a:pPr algn="ctr"/>
               <a:r>
-                <a:rPr kumimoji="1" lang="ko-KR" altLang="en-US" sz="1050" b="1" dirty="0" smtClean="0">
+                <a:rPr kumimoji="1" lang="ko-KR" altLang="en-US" sz="1050" b="1" dirty="0">
                   <a:solidFill>
                     <a:schemeClr val="tx1"/>
                   </a:solidFill>
                 </a:rPr>
                 <a:t>주문</a:t>
               </a:r>
-              <a:endParaRPr kumimoji="1" lang="ko-KR" altLang="en-US" sz="1050" b="1" dirty="0">
-                <a:solidFill>
-                  <a:schemeClr val="tx1"/>
-                </a:solidFill>
-              </a:endParaRPr>
             </a:p>
           </p:txBody>
         </p:sp>
@@ -4911,18 +4819,13 @@
             <a:p>
               <a:pPr algn="ctr"/>
               <a:r>
-                <a:rPr kumimoji="1" lang="ko-KR" altLang="en-US" sz="1050" b="1" dirty="0" smtClean="0">
+                <a:rPr kumimoji="1" lang="ko-KR" altLang="en-US" sz="1050" b="1" dirty="0">
                   <a:solidFill>
                     <a:schemeClr val="tx1"/>
                   </a:solidFill>
                 </a:rPr>
                 <a:t>주문취소</a:t>
               </a:r>
-              <a:endParaRPr kumimoji="1" lang="ko-KR" altLang="en-US" sz="1050" b="1" dirty="0">
-                <a:solidFill>
-                  <a:schemeClr val="tx1"/>
-                </a:solidFill>
-              </a:endParaRPr>
             </a:p>
           </p:txBody>
         </p:sp>
@@ -4983,18 +4886,13 @@
               <a:p>
                 <a:pPr algn="ctr"/>
                 <a:r>
-                  <a:rPr kumimoji="1" lang="ko-KR" altLang="en-US" sz="1050" b="1" dirty="0" smtClean="0">
+                  <a:rPr kumimoji="1" lang="ko-KR" altLang="en-US" sz="1050" b="1" dirty="0">
                     <a:solidFill>
                       <a:schemeClr val="tx1"/>
                     </a:solidFill>
                   </a:rPr>
                   <a:t>고객</a:t>
                 </a:r>
-                <a:endParaRPr kumimoji="1" lang="ko-KR" altLang="en-US" sz="1050" b="1" dirty="0">
-                  <a:solidFill>
-                    <a:schemeClr val="tx1"/>
-                  </a:solidFill>
-                </a:endParaRPr>
               </a:p>
             </p:txBody>
           </p:sp>
@@ -5230,18 +5128,13 @@
             <a:p>
               <a:pPr algn="ctr"/>
               <a:r>
-                <a:rPr kumimoji="1" lang="ko-KR" altLang="en-US" sz="1400" dirty="0" smtClean="0">
+                <a:rPr kumimoji="1" lang="ko-KR" altLang="en-US" sz="1400" dirty="0">
                   <a:solidFill>
                     <a:sysClr val="windowText" lastClr="000000"/>
                   </a:solidFill>
                 </a:rPr>
                 <a:t>주문</a:t>
               </a:r>
-              <a:endParaRPr kumimoji="1" lang="ko-KR" altLang="en-US" sz="1400" dirty="0">
-                <a:solidFill>
-                  <a:sysClr val="windowText" lastClr="000000"/>
-                </a:solidFill>
-              </a:endParaRPr>
             </a:p>
           </p:txBody>
         </p:sp>
@@ -5289,7 +5182,7 @@
             <a:p>
               <a:pPr algn="ctr"/>
               <a:r>
-                <a:rPr kumimoji="1" lang="en-US" altLang="ko-KR" sz="1400" dirty="0" smtClean="0">
+                <a:rPr kumimoji="1" lang="en-US" altLang="ko-KR" sz="1400" dirty="0">
                   <a:solidFill>
                     <a:schemeClr val="tx1"/>
                   </a:solidFill>
@@ -5362,18 +5255,13 @@
             <a:p>
               <a:pPr algn="ctr"/>
               <a:r>
-                <a:rPr kumimoji="1" lang="ko-KR" altLang="en-US" sz="1050" b="1" dirty="0" smtClean="0">
+                <a:rPr kumimoji="1" lang="ko-KR" altLang="en-US" sz="1050" b="1" dirty="0">
                   <a:solidFill>
                     <a:schemeClr val="tx1"/>
                   </a:solidFill>
                 </a:rPr>
                 <a:t>결제승인됨</a:t>
               </a:r>
-              <a:endParaRPr kumimoji="1" lang="ko-KR" altLang="en-US" sz="1050" b="1" dirty="0">
-                <a:solidFill>
-                  <a:schemeClr val="tx1"/>
-                </a:solidFill>
-              </a:endParaRPr>
             </a:p>
           </p:txBody>
         </p:sp>
@@ -5420,18 +5308,13 @@
             <a:p>
               <a:pPr algn="ctr"/>
               <a:r>
-                <a:rPr kumimoji="1" lang="ko-KR" altLang="en-US" sz="1050" b="1" dirty="0" smtClean="0">
+                <a:rPr kumimoji="1" lang="ko-KR" altLang="en-US" sz="1050" b="1" dirty="0">
                   <a:solidFill>
                     <a:schemeClr val="tx1"/>
                   </a:solidFill>
                 </a:rPr>
                 <a:t>결제</a:t>
               </a:r>
-              <a:endParaRPr kumimoji="1" lang="ko-KR" altLang="en-US" sz="1050" b="1" dirty="0">
-                <a:solidFill>
-                  <a:schemeClr val="tx1"/>
-                </a:solidFill>
-              </a:endParaRPr>
             </a:p>
           </p:txBody>
         </p:sp>
@@ -5478,7 +5361,7 @@
             <a:p>
               <a:pPr algn="ctr"/>
               <a:r>
-                <a:rPr kumimoji="1" lang="ko-KR" altLang="en-US" sz="1400" smtClean="0">
+                <a:rPr kumimoji="1" lang="ko-KR" altLang="en-US" sz="1400">
                   <a:solidFill>
                     <a:sysClr val="windowText" lastClr="000000"/>
                   </a:solidFill>
@@ -5537,7 +5420,7 @@
             <a:p>
               <a:pPr algn="ctr"/>
               <a:r>
-                <a:rPr kumimoji="1" lang="en-US" altLang="ko-KR" sz="1400" smtClean="0">
+                <a:rPr kumimoji="1" lang="en-US" altLang="ko-KR" sz="1400">
                   <a:solidFill>
                     <a:schemeClr val="tx1"/>
                   </a:solidFill>
@@ -5610,18 +5493,13 @@
             <a:p>
               <a:pPr algn="ctr"/>
               <a:r>
-                <a:rPr kumimoji="1" lang="ko-KR" altLang="en-US" sz="1050" b="1" dirty="0" smtClean="0">
+                <a:rPr kumimoji="1" lang="ko-KR" altLang="en-US" sz="1050" b="1" dirty="0">
                   <a:solidFill>
                     <a:schemeClr val="tx1"/>
                   </a:solidFill>
                 </a:rPr>
                 <a:t>배달시작됨</a:t>
               </a:r>
-              <a:endParaRPr kumimoji="1" lang="ko-KR" altLang="en-US" sz="1050" b="1" dirty="0">
-                <a:solidFill>
-                  <a:schemeClr val="tx1"/>
-                </a:solidFill>
-              </a:endParaRPr>
             </a:p>
           </p:txBody>
         </p:sp>
@@ -5668,18 +5546,13 @@
             <a:p>
               <a:pPr algn="ctr"/>
               <a:r>
-                <a:rPr kumimoji="1" lang="ko-KR" altLang="en-US" sz="1050" b="1" dirty="0" smtClean="0">
+                <a:rPr kumimoji="1" lang="ko-KR" altLang="en-US" sz="1050" b="1" dirty="0">
                   <a:solidFill>
                     <a:schemeClr val="tx1"/>
                   </a:solidFill>
                 </a:rPr>
                 <a:t>배달취소됨</a:t>
               </a:r>
-              <a:endParaRPr kumimoji="1" lang="ko-KR" altLang="en-US" sz="1050" b="1" dirty="0">
-                <a:solidFill>
-                  <a:schemeClr val="tx1"/>
-                </a:solidFill>
-              </a:endParaRPr>
             </a:p>
           </p:txBody>
         </p:sp>
@@ -5726,18 +5599,13 @@
             <a:p>
               <a:pPr algn="ctr"/>
               <a:r>
-                <a:rPr kumimoji="1" lang="ko-KR" altLang="en-US" sz="1050" b="1" dirty="0" smtClean="0">
+                <a:rPr kumimoji="1" lang="ko-KR" altLang="en-US" sz="1050" b="1" dirty="0">
                   <a:solidFill>
                     <a:schemeClr val="tx1"/>
                   </a:solidFill>
                 </a:rPr>
                 <a:t>배달시작</a:t>
               </a:r>
-              <a:endParaRPr kumimoji="1" lang="ko-KR" altLang="en-US" sz="1050" b="1" dirty="0">
-                <a:solidFill>
-                  <a:schemeClr val="tx1"/>
-                </a:solidFill>
-              </a:endParaRPr>
             </a:p>
           </p:txBody>
         </p:sp>
@@ -5798,18 +5666,13 @@
               <a:p>
                 <a:pPr algn="ctr"/>
                 <a:r>
-                  <a:rPr kumimoji="1" lang="ko-KR" altLang="en-US" sz="1050" b="1" dirty="0" smtClean="0">
+                  <a:rPr kumimoji="1" lang="ko-KR" altLang="en-US" sz="1050" b="1" dirty="0">
                     <a:solidFill>
                       <a:schemeClr val="tx1"/>
                     </a:solidFill>
                   </a:rPr>
                   <a:t>점주</a:t>
                 </a:r>
-                <a:endParaRPr kumimoji="1" lang="ko-KR" altLang="en-US" sz="1050" b="1" dirty="0">
-                  <a:solidFill>
-                    <a:schemeClr val="tx1"/>
-                  </a:solidFill>
-                </a:endParaRPr>
               </a:p>
             </p:txBody>
           </p:sp>
@@ -6045,18 +5908,13 @@
             <a:p>
               <a:pPr algn="ctr"/>
               <a:r>
-                <a:rPr kumimoji="1" lang="ko-KR" altLang="en-US" sz="1400" dirty="0" smtClean="0">
+                <a:rPr kumimoji="1" lang="ko-KR" altLang="en-US" sz="1400" dirty="0">
                   <a:solidFill>
                     <a:sysClr val="windowText" lastClr="000000"/>
                   </a:solidFill>
                 </a:rPr>
                 <a:t>주문처리</a:t>
               </a:r>
-              <a:endParaRPr kumimoji="1" lang="ko-KR" altLang="en-US" sz="1400" dirty="0">
-                <a:solidFill>
-                  <a:sysClr val="windowText" lastClr="000000"/>
-                </a:solidFill>
-              </a:endParaRPr>
             </a:p>
           </p:txBody>
         </p:sp>
@@ -6104,7 +5962,7 @@
             <a:p>
               <a:pPr algn="ctr"/>
               <a:r>
-                <a:rPr kumimoji="1" lang="en-US" altLang="ko-KR" sz="1400" dirty="0" smtClean="0">
+                <a:rPr kumimoji="1" lang="en-US" altLang="ko-KR" sz="1400" dirty="0">
                   <a:solidFill>
                     <a:schemeClr val="tx1"/>
                   </a:solidFill>
@@ -6163,7 +6021,7 @@
           <a:p>
             <a:pPr algn="ctr"/>
             <a:r>
-              <a:rPr kumimoji="1" lang="ko-KR" altLang="en-US" sz="1050" b="1" dirty="0" smtClean="0">
+              <a:rPr kumimoji="1" lang="ko-KR" altLang="en-US" sz="1050" b="1" dirty="0">
                 <a:solidFill>
                   <a:schemeClr val="tx1"/>
                 </a:solidFill>
@@ -6171,7 +6029,7 @@
               <a:t>결제요청</a:t>
             </a:r>
             <a:r>
-              <a:rPr kumimoji="1" lang="en-US" altLang="ko-KR" sz="1050" b="1" dirty="0" smtClean="0">
+              <a:rPr kumimoji="1" lang="en-US" altLang="ko-KR" sz="1050" b="1" dirty="0">
                 <a:solidFill>
                   <a:schemeClr val="tx1"/>
                 </a:solidFill>
@@ -6229,14 +6087,14 @@
           <a:p>
             <a:pPr algn="ctr"/>
             <a:r>
-              <a:rPr kumimoji="1" lang="ko-KR" altLang="en-US" sz="1050" b="1" dirty="0" smtClean="0">
+              <a:rPr kumimoji="1" lang="ko-KR" altLang="en-US" sz="1050" b="1" dirty="0">
                 <a:solidFill>
                   <a:schemeClr val="tx1"/>
                 </a:solidFill>
               </a:rPr>
               <a:t>요리시작</a:t>
             </a:r>
-            <a:endParaRPr kumimoji="1" lang="en-US" altLang="ko-KR" sz="1050" b="1" dirty="0" smtClean="0">
+            <a:endParaRPr kumimoji="1" lang="en-US" altLang="ko-KR" sz="1050" b="1" dirty="0">
               <a:solidFill>
                 <a:schemeClr val="tx1"/>
               </a:solidFill>
@@ -6245,7 +6103,7 @@
           <a:p>
             <a:pPr algn="ctr"/>
             <a:r>
-              <a:rPr kumimoji="1" lang="en-US" altLang="ko-KR" sz="1050" b="1" dirty="0" smtClean="0">
+              <a:rPr kumimoji="1" lang="en-US" altLang="ko-KR" sz="1050" b="1" dirty="0">
                 <a:solidFill>
                   <a:schemeClr val="tx1"/>
                 </a:solidFill>
@@ -6303,14 +6161,14 @@
           <a:p>
             <a:pPr algn="ctr"/>
             <a:r>
-              <a:rPr kumimoji="1" lang="ko-KR" altLang="en-US" sz="1050" b="1" dirty="0" smtClean="0">
+              <a:rPr kumimoji="1" lang="ko-KR" altLang="en-US" sz="1050" b="1" dirty="0">
                 <a:solidFill>
                   <a:schemeClr val="tx1"/>
                 </a:solidFill>
               </a:rPr>
               <a:t>배달취소</a:t>
             </a:r>
-            <a:endParaRPr kumimoji="1" lang="en-US" altLang="ko-KR" sz="1050" b="1" dirty="0" smtClean="0">
+            <a:endParaRPr kumimoji="1" lang="en-US" altLang="ko-KR" sz="1050" b="1" dirty="0">
               <a:solidFill>
                 <a:schemeClr val="tx1"/>
               </a:solidFill>
@@ -6319,7 +6177,7 @@
           <a:p>
             <a:pPr algn="ctr"/>
             <a:r>
-              <a:rPr kumimoji="1" lang="en-US" altLang="ko-KR" sz="1050" b="1" dirty="0" smtClean="0">
+              <a:rPr kumimoji="1" lang="en-US" altLang="ko-KR" sz="1050" b="1" dirty="0">
                 <a:solidFill>
                   <a:schemeClr val="tx1"/>
                 </a:solidFill>
@@ -6377,14 +6235,14 @@
           <a:p>
             <a:pPr algn="ctr"/>
             <a:r>
-              <a:rPr kumimoji="1" lang="ko-KR" altLang="en-US" sz="1050" b="1" dirty="0" smtClean="0">
+              <a:rPr kumimoji="1" lang="ko-KR" altLang="en-US" sz="1050" b="1" dirty="0">
                 <a:solidFill>
                   <a:schemeClr val="tx1"/>
                 </a:solidFill>
               </a:rPr>
               <a:t>주문상태변경</a:t>
             </a:r>
-            <a:endParaRPr kumimoji="1" lang="en-US" altLang="ko-KR" sz="1050" b="1" dirty="0" smtClean="0">
+            <a:endParaRPr kumimoji="1" lang="en-US" altLang="ko-KR" sz="1050" b="1" dirty="0">
               <a:solidFill>
                 <a:schemeClr val="tx1"/>
               </a:solidFill>
@@ -6393,7 +6251,7 @@
           <a:p>
             <a:pPr algn="ctr"/>
             <a:r>
-              <a:rPr kumimoji="1" lang="en-US" altLang="ko-KR" sz="1050" b="1" dirty="0" smtClean="0">
+              <a:rPr kumimoji="1" lang="en-US" altLang="ko-KR" sz="1050" b="1" dirty="0">
                 <a:solidFill>
                   <a:schemeClr val="tx1"/>
                 </a:solidFill>
@@ -6451,14 +6309,14 @@
           <a:p>
             <a:pPr algn="ctr"/>
             <a:r>
-              <a:rPr kumimoji="1" lang="ko-KR" altLang="en-US" sz="1050" b="1" dirty="0" smtClean="0">
+              <a:rPr kumimoji="1" lang="ko-KR" altLang="en-US" sz="1050" b="1" dirty="0">
                 <a:solidFill>
                   <a:schemeClr val="tx1"/>
                 </a:solidFill>
               </a:rPr>
               <a:t>주문상태변경</a:t>
             </a:r>
-            <a:endParaRPr kumimoji="1" lang="en-US" altLang="ko-KR" sz="1050" b="1" dirty="0" smtClean="0">
+            <a:endParaRPr kumimoji="1" lang="en-US" altLang="ko-KR" sz="1050" b="1" dirty="0">
               <a:solidFill>
                 <a:schemeClr val="tx1"/>
               </a:solidFill>
@@ -6467,7 +6325,7 @@
           <a:p>
             <a:pPr algn="ctr"/>
             <a:r>
-              <a:rPr kumimoji="1" lang="en-US" altLang="ko-KR" sz="1050" b="1" dirty="0" smtClean="0">
+              <a:rPr kumimoji="1" lang="en-US" altLang="ko-KR" sz="1050" b="1" dirty="0">
                 <a:solidFill>
                   <a:schemeClr val="tx1"/>
                 </a:solidFill>
@@ -6533,26 +6391,25 @@
           <a:lstStyle/>
           <a:p>
             <a:r>
-              <a:rPr kumimoji="1" lang="ko-KR" altLang="en-US" dirty="0" smtClean="0"/>
+              <a:rPr kumimoji="1" lang="ko-KR" altLang="en-US" dirty="0"/>
               <a:t>이벤트스토밍 </a:t>
             </a:r>
             <a:r>
-              <a:rPr kumimoji="1" lang="en-US" altLang="ko-KR" dirty="0" smtClean="0"/>
+              <a:rPr kumimoji="1" lang="en-US" altLang="ko-KR" dirty="0"/>
               <a:t>–</a:t>
             </a:r>
             <a:r>
-              <a:rPr kumimoji="1" lang="ko-KR" altLang="en-US" dirty="0" smtClean="0"/>
+              <a:rPr kumimoji="1" lang="ko-KR" altLang="en-US" dirty="0"/>
               <a:t> </a:t>
             </a:r>
             <a:r>
-              <a:rPr kumimoji="1" lang="en-US" altLang="ko-KR" dirty="0" smtClean="0"/>
+              <a:rPr kumimoji="1" lang="en-US" altLang="ko-KR" dirty="0"/>
               <a:t>Policy </a:t>
             </a:r>
             <a:r>
-              <a:rPr kumimoji="1" lang="ko-KR" altLang="en-US" dirty="0" smtClean="0"/>
+              <a:rPr kumimoji="1" lang="ko-KR" altLang="en-US" dirty="0"/>
               <a:t>를 수행주체로 이동</a:t>
             </a:r>
-            <a:endParaRPr kumimoji="1" lang="ko-KR" altLang="en-US" dirty="0"/>
           </a:p>
         </p:txBody>
       </p:sp>
@@ -6599,18 +6456,13 @@
           <a:p>
             <a:pPr algn="ctr"/>
             <a:r>
-              <a:rPr kumimoji="1" lang="ko-KR" altLang="en-US" sz="1050" b="1" dirty="0" smtClean="0">
+              <a:rPr kumimoji="1" lang="ko-KR" altLang="en-US" sz="1050" b="1" dirty="0">
                 <a:solidFill>
                   <a:schemeClr val="tx1"/>
                 </a:solidFill>
               </a:rPr>
               <a:t>주문됨</a:t>
             </a:r>
-            <a:endParaRPr kumimoji="1" lang="ko-KR" altLang="en-US" sz="1050" b="1" dirty="0">
-              <a:solidFill>
-                <a:schemeClr val="tx1"/>
-              </a:solidFill>
-            </a:endParaRPr>
           </a:p>
         </p:txBody>
       </p:sp>
@@ -6657,7 +6509,7 @@
           <a:p>
             <a:pPr algn="ctr"/>
             <a:r>
-              <a:rPr kumimoji="1" lang="ko-KR" altLang="en-US" sz="1050" b="1" smtClean="0">
+              <a:rPr kumimoji="1" lang="ko-KR" altLang="en-US" sz="1050" b="1">
                 <a:solidFill>
                   <a:schemeClr val="tx1"/>
                 </a:solidFill>
@@ -6715,18 +6567,13 @@
           <a:p>
             <a:pPr algn="ctr"/>
             <a:r>
-              <a:rPr kumimoji="1" lang="ko-KR" altLang="en-US" sz="1050" b="1" dirty="0" smtClean="0">
+              <a:rPr kumimoji="1" lang="ko-KR" altLang="en-US" sz="1050" b="1" dirty="0">
                 <a:solidFill>
                   <a:schemeClr val="tx1"/>
                 </a:solidFill>
               </a:rPr>
               <a:t>주문</a:t>
             </a:r>
-            <a:endParaRPr kumimoji="1" lang="ko-KR" altLang="en-US" sz="1050" b="1" dirty="0">
-              <a:solidFill>
-                <a:schemeClr val="tx1"/>
-              </a:solidFill>
-            </a:endParaRPr>
           </a:p>
         </p:txBody>
       </p:sp>
@@ -6773,18 +6620,13 @@
           <a:p>
             <a:pPr algn="ctr"/>
             <a:r>
-              <a:rPr kumimoji="1" lang="ko-KR" altLang="en-US" sz="1050" b="1" dirty="0" smtClean="0">
+              <a:rPr kumimoji="1" lang="ko-KR" altLang="en-US" sz="1050" b="1" dirty="0">
                 <a:solidFill>
                   <a:schemeClr val="tx1"/>
                 </a:solidFill>
               </a:rPr>
               <a:t>주문취소</a:t>
             </a:r>
-            <a:endParaRPr kumimoji="1" lang="ko-KR" altLang="en-US" sz="1050" b="1" dirty="0">
-              <a:solidFill>
-                <a:schemeClr val="tx1"/>
-              </a:solidFill>
-            </a:endParaRPr>
           </a:p>
         </p:txBody>
       </p:sp>
@@ -6845,18 +6687,13 @@
             <a:p>
               <a:pPr algn="ctr"/>
               <a:r>
-                <a:rPr kumimoji="1" lang="ko-KR" altLang="en-US" sz="1050" b="1" dirty="0" smtClean="0">
+                <a:rPr kumimoji="1" lang="ko-KR" altLang="en-US" sz="1050" b="1" dirty="0">
                   <a:solidFill>
                     <a:schemeClr val="tx1"/>
                   </a:solidFill>
                 </a:rPr>
                 <a:t>고객</a:t>
               </a:r>
-              <a:endParaRPr kumimoji="1" lang="ko-KR" altLang="en-US" sz="1050" b="1" dirty="0">
-                <a:solidFill>
-                  <a:schemeClr val="tx1"/>
-                </a:solidFill>
-              </a:endParaRPr>
             </a:p>
           </p:txBody>
         </p:sp>
@@ -7092,18 +6929,13 @@
           <a:p>
             <a:pPr algn="ctr"/>
             <a:r>
-              <a:rPr kumimoji="1" lang="ko-KR" altLang="en-US" sz="1400" dirty="0" smtClean="0">
+              <a:rPr kumimoji="1" lang="ko-KR" altLang="en-US" sz="1400" dirty="0">
                 <a:solidFill>
                   <a:sysClr val="windowText" lastClr="000000"/>
                 </a:solidFill>
               </a:rPr>
               <a:t>주문</a:t>
             </a:r>
-            <a:endParaRPr kumimoji="1" lang="ko-KR" altLang="en-US" sz="1400" dirty="0">
-              <a:solidFill>
-                <a:sysClr val="windowText" lastClr="000000"/>
-              </a:solidFill>
-            </a:endParaRPr>
           </a:p>
         </p:txBody>
       </p:sp>
@@ -7151,7 +6983,7 @@
           <a:p>
             <a:pPr algn="ctr"/>
             <a:r>
-              <a:rPr kumimoji="1" lang="en-US" altLang="ko-KR" sz="1400" dirty="0" smtClean="0">
+              <a:rPr kumimoji="1" lang="en-US" altLang="ko-KR" sz="1400" dirty="0">
                 <a:solidFill>
                   <a:schemeClr val="tx1"/>
                 </a:solidFill>
@@ -7223,18 +7055,13 @@
             <a:p>
               <a:pPr algn="ctr"/>
               <a:r>
-                <a:rPr kumimoji="1" lang="ko-KR" altLang="en-US" sz="1050" b="1" dirty="0" smtClean="0">
+                <a:rPr kumimoji="1" lang="ko-KR" altLang="en-US" sz="1050" b="1" dirty="0">
                   <a:solidFill>
                     <a:schemeClr val="tx1"/>
                   </a:solidFill>
                 </a:rPr>
                 <a:t>결제승인됨</a:t>
               </a:r>
-              <a:endParaRPr kumimoji="1" lang="ko-KR" altLang="en-US" sz="1050" b="1" dirty="0">
-                <a:solidFill>
-                  <a:schemeClr val="tx1"/>
-                </a:solidFill>
-              </a:endParaRPr>
             </a:p>
           </p:txBody>
         </p:sp>
@@ -7281,18 +7108,13 @@
             <a:p>
               <a:pPr algn="ctr"/>
               <a:r>
-                <a:rPr kumimoji="1" lang="ko-KR" altLang="en-US" sz="1050" b="1" dirty="0" smtClean="0">
+                <a:rPr kumimoji="1" lang="ko-KR" altLang="en-US" sz="1050" b="1" dirty="0">
                   <a:solidFill>
                     <a:schemeClr val="tx1"/>
                   </a:solidFill>
                 </a:rPr>
                 <a:t>결제</a:t>
               </a:r>
-              <a:endParaRPr kumimoji="1" lang="ko-KR" altLang="en-US" sz="1050" b="1" dirty="0">
-                <a:solidFill>
-                  <a:schemeClr val="tx1"/>
-                </a:solidFill>
-              </a:endParaRPr>
             </a:p>
           </p:txBody>
         </p:sp>
@@ -7339,7 +7161,7 @@
             <a:p>
               <a:pPr algn="ctr"/>
               <a:r>
-                <a:rPr kumimoji="1" lang="ko-KR" altLang="en-US" sz="1400" smtClean="0">
+                <a:rPr kumimoji="1" lang="ko-KR" altLang="en-US" sz="1400">
                   <a:solidFill>
                     <a:sysClr val="windowText" lastClr="000000"/>
                   </a:solidFill>
@@ -7398,7 +7220,7 @@
             <a:p>
               <a:pPr algn="ctr"/>
               <a:r>
-                <a:rPr kumimoji="1" lang="en-US" altLang="ko-KR" sz="1400" smtClean="0">
+                <a:rPr kumimoji="1" lang="en-US" altLang="ko-KR" sz="1400">
                   <a:solidFill>
                     <a:schemeClr val="tx1"/>
                   </a:solidFill>
@@ -7471,18 +7293,13 @@
             <a:p>
               <a:pPr algn="ctr"/>
               <a:r>
-                <a:rPr kumimoji="1" lang="ko-KR" altLang="en-US" sz="1050" b="1" dirty="0" smtClean="0">
+                <a:rPr kumimoji="1" lang="ko-KR" altLang="en-US" sz="1050" b="1" dirty="0">
                   <a:solidFill>
                     <a:schemeClr val="tx1"/>
                   </a:solidFill>
                 </a:rPr>
                 <a:t>배달시작됨</a:t>
               </a:r>
-              <a:endParaRPr kumimoji="1" lang="ko-KR" altLang="en-US" sz="1050" b="1" dirty="0">
-                <a:solidFill>
-                  <a:schemeClr val="tx1"/>
-                </a:solidFill>
-              </a:endParaRPr>
             </a:p>
           </p:txBody>
         </p:sp>
@@ -7529,18 +7346,13 @@
             <a:p>
               <a:pPr algn="ctr"/>
               <a:r>
-                <a:rPr kumimoji="1" lang="ko-KR" altLang="en-US" sz="1050" b="1" dirty="0" smtClean="0">
+                <a:rPr kumimoji="1" lang="ko-KR" altLang="en-US" sz="1050" b="1" dirty="0">
                   <a:solidFill>
                     <a:schemeClr val="tx1"/>
                   </a:solidFill>
                 </a:rPr>
                 <a:t>배달취소됨</a:t>
               </a:r>
-              <a:endParaRPr kumimoji="1" lang="ko-KR" altLang="en-US" sz="1050" b="1" dirty="0">
-                <a:solidFill>
-                  <a:schemeClr val="tx1"/>
-                </a:solidFill>
-              </a:endParaRPr>
             </a:p>
           </p:txBody>
         </p:sp>
@@ -7587,18 +7399,13 @@
             <a:p>
               <a:pPr algn="ctr"/>
               <a:r>
-                <a:rPr kumimoji="1" lang="ko-KR" altLang="en-US" sz="1050" b="1" dirty="0" smtClean="0">
+                <a:rPr kumimoji="1" lang="ko-KR" altLang="en-US" sz="1050" b="1" dirty="0">
                   <a:solidFill>
                     <a:schemeClr val="tx1"/>
                   </a:solidFill>
                 </a:rPr>
                 <a:t>배달시작</a:t>
               </a:r>
-              <a:endParaRPr kumimoji="1" lang="ko-KR" altLang="en-US" sz="1050" b="1" dirty="0">
-                <a:solidFill>
-                  <a:schemeClr val="tx1"/>
-                </a:solidFill>
-              </a:endParaRPr>
             </a:p>
           </p:txBody>
         </p:sp>
@@ -7659,18 +7466,13 @@
               <a:p>
                 <a:pPr algn="ctr"/>
                 <a:r>
-                  <a:rPr kumimoji="1" lang="ko-KR" altLang="en-US" sz="1050" b="1" dirty="0" smtClean="0">
+                  <a:rPr kumimoji="1" lang="ko-KR" altLang="en-US" sz="1050" b="1" dirty="0">
                     <a:solidFill>
                       <a:schemeClr val="tx1"/>
                     </a:solidFill>
                   </a:rPr>
                   <a:t>점주</a:t>
                 </a:r>
-                <a:endParaRPr kumimoji="1" lang="ko-KR" altLang="en-US" sz="1050" b="1" dirty="0">
-                  <a:solidFill>
-                    <a:schemeClr val="tx1"/>
-                  </a:solidFill>
-                </a:endParaRPr>
               </a:p>
             </p:txBody>
           </p:sp>
@@ -7906,18 +7708,13 @@
             <a:p>
               <a:pPr algn="ctr"/>
               <a:r>
-                <a:rPr kumimoji="1" lang="ko-KR" altLang="en-US" sz="1400" dirty="0" smtClean="0">
+                <a:rPr kumimoji="1" lang="ko-KR" altLang="en-US" sz="1400" dirty="0">
                   <a:solidFill>
                     <a:sysClr val="windowText" lastClr="000000"/>
                   </a:solidFill>
                 </a:rPr>
                 <a:t>주문처리</a:t>
               </a:r>
-              <a:endParaRPr kumimoji="1" lang="ko-KR" altLang="en-US" sz="1400" dirty="0">
-                <a:solidFill>
-                  <a:sysClr val="windowText" lastClr="000000"/>
-                </a:solidFill>
-              </a:endParaRPr>
             </a:p>
           </p:txBody>
         </p:sp>
@@ -7965,7 +7762,7 @@
             <a:p>
               <a:pPr algn="ctr"/>
               <a:r>
-                <a:rPr kumimoji="1" lang="en-US" altLang="ko-KR" sz="1400" dirty="0" smtClean="0">
+                <a:rPr kumimoji="1" lang="en-US" altLang="ko-KR" sz="1400" dirty="0">
                   <a:solidFill>
                     <a:schemeClr val="tx1"/>
                   </a:solidFill>
@@ -8024,14 +7821,14 @@
           <a:p>
             <a:pPr algn="ctr"/>
             <a:r>
-              <a:rPr kumimoji="1" lang="ko-KR" altLang="en-US" sz="1050" b="1" dirty="0" smtClean="0">
+              <a:rPr kumimoji="1" lang="ko-KR" altLang="en-US" sz="1050" b="1" dirty="0">
                 <a:solidFill>
                   <a:schemeClr val="tx1"/>
                 </a:solidFill>
               </a:rPr>
               <a:t>결제요청</a:t>
             </a:r>
-            <a:endParaRPr kumimoji="1" lang="en-US" altLang="ko-KR" sz="1050" b="1" dirty="0" smtClean="0">
+            <a:endParaRPr kumimoji="1" lang="en-US" altLang="ko-KR" sz="1050" b="1" dirty="0">
               <a:solidFill>
                 <a:schemeClr val="tx1"/>
               </a:solidFill>
@@ -8082,14 +7879,14 @@
           <a:p>
             <a:pPr algn="ctr"/>
             <a:r>
-              <a:rPr kumimoji="1" lang="ko-KR" altLang="en-US" sz="1050" b="1" dirty="0" smtClean="0">
+              <a:rPr kumimoji="1" lang="ko-KR" altLang="en-US" sz="1050" b="1" dirty="0">
                 <a:solidFill>
                   <a:schemeClr val="tx1"/>
                 </a:solidFill>
               </a:rPr>
               <a:t>요리시작</a:t>
             </a:r>
-            <a:endParaRPr kumimoji="1" lang="en-US" altLang="ko-KR" sz="1050" b="1" dirty="0" smtClean="0">
+            <a:endParaRPr kumimoji="1" lang="en-US" altLang="ko-KR" sz="1050" b="1" dirty="0">
               <a:solidFill>
                 <a:schemeClr val="tx1"/>
               </a:solidFill>
@@ -8140,14 +7937,14 @@
           <a:p>
             <a:pPr algn="ctr"/>
             <a:r>
-              <a:rPr kumimoji="1" lang="ko-KR" altLang="en-US" sz="1050" b="1" dirty="0" smtClean="0">
+              <a:rPr kumimoji="1" lang="ko-KR" altLang="en-US" sz="1050" b="1" dirty="0">
                 <a:solidFill>
                   <a:schemeClr val="tx1"/>
                 </a:solidFill>
               </a:rPr>
               <a:t>배달취소</a:t>
             </a:r>
-            <a:endParaRPr kumimoji="1" lang="en-US" altLang="ko-KR" sz="1050" b="1" dirty="0" smtClean="0">
+            <a:endParaRPr kumimoji="1" lang="en-US" altLang="ko-KR" sz="1050" b="1" dirty="0">
               <a:solidFill>
                 <a:schemeClr val="tx1"/>
               </a:solidFill>
@@ -8198,14 +7995,14 @@
           <a:p>
             <a:pPr algn="ctr"/>
             <a:r>
-              <a:rPr kumimoji="1" lang="ko-KR" altLang="en-US" sz="1050" b="1" dirty="0" smtClean="0">
+              <a:rPr kumimoji="1" lang="ko-KR" altLang="en-US" sz="1050" b="1" dirty="0">
                 <a:solidFill>
                   <a:schemeClr val="tx1"/>
                 </a:solidFill>
               </a:rPr>
               <a:t>주문상태변경</a:t>
             </a:r>
-            <a:endParaRPr kumimoji="1" lang="en-US" altLang="ko-KR" sz="1050" b="1" dirty="0" smtClean="0">
+            <a:endParaRPr kumimoji="1" lang="en-US" altLang="ko-KR" sz="1050" b="1" dirty="0">
               <a:solidFill>
                 <a:schemeClr val="tx1"/>
               </a:solidFill>
@@ -8492,11 +8289,11 @@
           </a:lstStyle>
           <a:p>
             <a:r>
-              <a:rPr kumimoji="1" lang="ko-KR" altLang="en-US" dirty="0" smtClean="0"/>
+              <a:rPr kumimoji="1" lang="ko-KR" altLang="en-US" dirty="0"/>
               <a:t>기능 요구사항 </a:t>
             </a:r>
             <a:r>
-              <a:rPr kumimoji="1" lang="en-US" altLang="ko-KR" dirty="0" smtClean="0"/>
+              <a:rPr kumimoji="1" lang="en-US" altLang="ko-KR" dirty="0"/>
               <a:t>coverage</a:t>
             </a:r>
             <a:endParaRPr kumimoji="1" lang="ko-KR" altLang="en-US" dirty="0"/>
@@ -8556,10 +8353,10 @@
               <a:buAutoNum type="arabicPeriod"/>
             </a:pPr>
             <a:r>
-              <a:rPr kumimoji="1" lang="ko-KR" altLang="en-US" dirty="0" smtClean="0"/>
+              <a:rPr kumimoji="1" lang="ko-KR" altLang="en-US" dirty="0"/>
               <a:t>요구사항별로 모든 나래이션이 가능한지 검증함</a:t>
             </a:r>
-            <a:endParaRPr kumimoji="1" lang="en-US" altLang="ko-KR" dirty="0" smtClean="0"/>
+            <a:endParaRPr kumimoji="1" lang="en-US" altLang="ko-KR" dirty="0"/>
           </a:p>
           <a:p>
             <a:pPr marL="342900" indent="-342900">
@@ -8567,10 +8364,10 @@
               <a:buAutoNum type="arabicPeriod"/>
             </a:pPr>
             <a:r>
-              <a:rPr kumimoji="1" lang="ko-KR" altLang="en-US" dirty="0" smtClean="0"/>
+              <a:rPr kumimoji="1" lang="ko-KR" altLang="en-US" dirty="0"/>
               <a:t>기능 요구사항별로 패스 표시</a:t>
             </a:r>
-            <a:endParaRPr kumimoji="1" lang="en-US" altLang="ko-KR" dirty="0" smtClean="0"/>
+            <a:endParaRPr kumimoji="1" lang="en-US" altLang="ko-KR" dirty="0"/>
           </a:p>
         </p:txBody>
       </p:sp>
@@ -8644,11 +8441,11 @@
           <a:lstStyle/>
           <a:p>
             <a:r>
-              <a:rPr kumimoji="1" lang="ko-KR" altLang="en-US" dirty="0" smtClean="0"/>
+              <a:rPr kumimoji="1" lang="ko-KR" altLang="en-US" dirty="0"/>
               <a:t>시나리오 </a:t>
             </a:r>
             <a:r>
-              <a:rPr kumimoji="1" lang="en-US" altLang="ko-KR" dirty="0" smtClean="0"/>
+              <a:rPr kumimoji="1" lang="en-US" altLang="ko-KR" dirty="0"/>
               <a:t>Coverage Check (1)</a:t>
             </a:r>
             <a:endParaRPr kumimoji="1" lang="ko-KR" altLang="en-US" dirty="0"/>
@@ -8680,10 +8477,10 @@
               <a:buAutoNum type="arabicPeriod"/>
             </a:pPr>
             <a:r>
-              <a:rPr kumimoji="1" lang="ko-KR" altLang="en-US" dirty="0" smtClean="0"/>
+              <a:rPr kumimoji="1" lang="ko-KR" altLang="en-US" dirty="0"/>
               <a:t>고객이 메뉴를 선택하여 주문한다</a:t>
             </a:r>
-            <a:endParaRPr kumimoji="1" lang="en-US" altLang="ko-KR" dirty="0" smtClean="0"/>
+            <a:endParaRPr kumimoji="1" lang="en-US" altLang="ko-KR" dirty="0"/>
           </a:p>
           <a:p>
             <a:pPr marL="514350" indent="-514350">
@@ -8691,10 +8488,10 @@
               <a:buAutoNum type="arabicPeriod"/>
             </a:pPr>
             <a:r>
-              <a:rPr kumimoji="1" lang="ko-KR" altLang="en-US" dirty="0" smtClean="0"/>
+              <a:rPr kumimoji="1" lang="ko-KR" altLang="en-US" dirty="0"/>
               <a:t>고객이 결제한다</a:t>
             </a:r>
-            <a:endParaRPr kumimoji="1" lang="en-US" altLang="ko-KR" dirty="0" smtClean="0"/>
+            <a:endParaRPr kumimoji="1" lang="en-US" altLang="ko-KR" dirty="0"/>
           </a:p>
           <a:p>
             <a:pPr marL="514350" indent="-514350">
@@ -8702,10 +8499,10 @@
               <a:buAutoNum type="arabicPeriod"/>
             </a:pPr>
             <a:r>
-              <a:rPr kumimoji="1" lang="ko-KR" altLang="en-US" dirty="0" smtClean="0"/>
+              <a:rPr kumimoji="1" lang="ko-KR" altLang="en-US" dirty="0"/>
               <a:t>주문이 되면 주문 내역이 입점상점주인에게 전달된다</a:t>
             </a:r>
-            <a:endParaRPr kumimoji="1" lang="en-US" altLang="ko-KR" dirty="0" smtClean="0"/>
+            <a:endParaRPr kumimoji="1" lang="en-US" altLang="ko-KR" dirty="0"/>
           </a:p>
           <a:p>
             <a:pPr marL="514350" indent="-514350">
@@ -8723,14 +8520,14 @@
               <a:buFont typeface="+mj-lt"/>
               <a:buAutoNum type="arabicPeriod"/>
             </a:pPr>
-            <a:endParaRPr kumimoji="1" lang="en-US" altLang="ko-KR" dirty="0" smtClean="0"/>
+            <a:endParaRPr kumimoji="1" lang="en-US" altLang="ko-KR" dirty="0"/>
           </a:p>
           <a:p>
             <a:pPr marL="514350" indent="-514350">
               <a:buFont typeface="+mj-lt"/>
               <a:buAutoNum type="arabicPeriod"/>
             </a:pPr>
-            <a:endParaRPr kumimoji="1" lang="en-US" altLang="ko-KR" dirty="0" smtClean="0"/>
+            <a:endParaRPr kumimoji="1" lang="en-US" altLang="ko-KR" dirty="0"/>
           </a:p>
         </p:txBody>
       </p:sp>
@@ -9860,11 +9657,11 @@
           <a:lstStyle/>
           <a:p>
             <a:r>
-              <a:rPr kumimoji="1" lang="ko-KR" altLang="en-US" dirty="0" smtClean="0"/>
+              <a:rPr kumimoji="1" lang="ko-KR" altLang="en-US" dirty="0"/>
               <a:t>시나리오 </a:t>
             </a:r>
             <a:r>
-              <a:rPr kumimoji="1" lang="en-US" altLang="ko-KR" dirty="0" smtClean="0"/>
+              <a:rPr kumimoji="1" lang="en-US" altLang="ko-KR" dirty="0"/>
               <a:t>Coverage Check (2)</a:t>
             </a:r>
             <a:endParaRPr kumimoji="1" lang="ko-KR" altLang="en-US" dirty="0"/>
@@ -10062,10 +9859,10 @@
               <a:buAutoNum type="arabicPeriod" startAt="5"/>
             </a:pPr>
             <a:r>
-              <a:rPr kumimoji="1" lang="ko-KR" altLang="en-US" dirty="0" smtClean="0"/>
+              <a:rPr kumimoji="1" lang="ko-KR" altLang="en-US" dirty="0"/>
               <a:t>고객이 주문을 취소할 수 있다</a:t>
             </a:r>
-            <a:endParaRPr kumimoji="1" lang="en-US" altLang="ko-KR" dirty="0" smtClean="0"/>
+            <a:endParaRPr kumimoji="1" lang="en-US" altLang="ko-KR" dirty="0"/>
           </a:p>
           <a:p>
             <a:pPr marL="514350" indent="-514350">
@@ -10073,7 +9870,7 @@
               <a:buAutoNum type="arabicPeriod" startAt="5"/>
             </a:pPr>
             <a:r>
-              <a:rPr kumimoji="1" lang="ko-KR" altLang="en-US" dirty="0" smtClean="0">
+              <a:rPr kumimoji="1" lang="ko-KR" altLang="en-US" dirty="0">
                 <a:solidFill>
                   <a:srgbClr val="C00000"/>
                 </a:solidFill>
@@ -10081,7 +9878,7 @@
               <a:t>주문이 취소되면 배달이 취소된다 </a:t>
             </a:r>
             <a:r>
-              <a:rPr kumimoji="1" lang="ko-KR" altLang="en-US" dirty="0" smtClean="0">
+              <a:rPr kumimoji="1" lang="ko-KR" altLang="en-US" dirty="0">
                 <a:solidFill>
                   <a:srgbClr val="C00000"/>
                 </a:solidFill>
@@ -10090,7 +9887,7 @@
               <a:t> 배달취소는</a:t>
             </a:r>
             <a:r>
-              <a:rPr kumimoji="1" lang="en-US" altLang="ko-KR" dirty="0" smtClean="0">
+              <a:rPr kumimoji="1" lang="en-US" altLang="ko-KR" dirty="0">
                 <a:solidFill>
                   <a:srgbClr val="C00000"/>
                 </a:solidFill>
@@ -10098,7 +9895,7 @@
               </a:rPr>
               <a:t>?</a:t>
             </a:r>
-            <a:endParaRPr kumimoji="1" lang="en-US" altLang="ko-KR" dirty="0" smtClean="0">
+            <a:endParaRPr kumimoji="1" lang="en-US" altLang="ko-KR" dirty="0">
               <a:solidFill>
                 <a:srgbClr val="C00000"/>
               </a:solidFill>
@@ -10110,10 +9907,10 @@
               <a:buAutoNum type="arabicPeriod" startAt="5"/>
             </a:pPr>
             <a:r>
-              <a:rPr kumimoji="1" lang="ko-KR" altLang="en-US" dirty="0" smtClean="0"/>
+              <a:rPr kumimoji="1" lang="ko-KR" altLang="en-US" dirty="0"/>
               <a:t>고객이 주문상태를 중간중간 조회한다 </a:t>
             </a:r>
-            <a:endParaRPr kumimoji="1" lang="en-US" altLang="ko-KR" dirty="0" smtClean="0"/>
+            <a:endParaRPr kumimoji="1" lang="en-US" altLang="ko-KR" dirty="0"/>
           </a:p>
           <a:p>
             <a:pPr marL="514350" indent="-514350">
@@ -10121,7 +9918,7 @@
               <a:buAutoNum type="arabicPeriod" startAt="5"/>
             </a:pPr>
             <a:r>
-              <a:rPr kumimoji="1" lang="ko-KR" altLang="en-US" dirty="0" smtClean="0">
+              <a:rPr kumimoji="1" lang="ko-KR" altLang="en-US" dirty="0">
                 <a:solidFill>
                   <a:srgbClr val="C00000"/>
                 </a:solidFill>
@@ -10129,7 +9926,7 @@
               <a:t>주문상태가 바뀔 때 마다 카톡으로 알림을 보낸다</a:t>
             </a:r>
             <a:r>
-              <a:rPr kumimoji="1" lang="en-US" altLang="ko-KR" dirty="0" smtClean="0">
+              <a:rPr kumimoji="1" lang="en-US" altLang="ko-KR" dirty="0">
                 <a:solidFill>
                   <a:srgbClr val="C00000"/>
                 </a:solidFill>
@@ -10137,7 +9934,7 @@
               <a:t>  </a:t>
             </a:r>
             <a:r>
-              <a:rPr kumimoji="1" lang="en-US" altLang="ko-KR" dirty="0" smtClean="0">
+              <a:rPr kumimoji="1" lang="en-US" altLang="ko-KR" dirty="0">
                 <a:solidFill>
                   <a:srgbClr val="C00000"/>
                 </a:solidFill>
@@ -10145,7 +9942,7 @@
               </a:rPr>
               <a:t> ?</a:t>
             </a:r>
-            <a:endParaRPr kumimoji="1" lang="en-US" altLang="ko-KR" dirty="0" smtClean="0">
+            <a:endParaRPr kumimoji="1" lang="en-US" altLang="ko-KR" dirty="0">
               <a:solidFill>
                 <a:srgbClr val="C00000"/>
               </a:solidFill>
@@ -10156,7 +9953,7 @@
               <a:buFont typeface="+mj-lt"/>
               <a:buAutoNum type="arabicPeriod" startAt="5"/>
             </a:pPr>
-            <a:endParaRPr kumimoji="1" lang="en-US" altLang="ko-KR" dirty="0" smtClean="0"/>
+            <a:endParaRPr kumimoji="1" lang="en-US" altLang="ko-KR" dirty="0"/>
           </a:p>
         </p:txBody>
       </p:sp>
@@ -10749,7 +10546,7 @@
           <a:lstStyle/>
           <a:p>
             <a:r>
-              <a:rPr kumimoji="1" lang="en-US" altLang="ko-KR" sz="4400" smtClean="0">
+              <a:rPr kumimoji="1" lang="en-US" altLang="ko-KR" sz="4400">
                 <a:solidFill>
                   <a:srgbClr val="FF0000"/>
                 </a:solidFill>
@@ -10810,18 +10607,17 @@
           <a:lstStyle/>
           <a:p>
             <a:r>
-              <a:rPr kumimoji="1" lang="ko-KR" altLang="en-US" dirty="0" smtClean="0"/>
+              <a:rPr kumimoji="1" lang="ko-KR" altLang="en-US" dirty="0"/>
               <a:t>모델 업그래이드 </a:t>
             </a:r>
             <a:r>
-              <a:rPr kumimoji="1" lang="en-US" altLang="ko-KR" dirty="0" smtClean="0"/>
+              <a:rPr kumimoji="1" lang="en-US" altLang="ko-KR" dirty="0"/>
               <a:t>–</a:t>
             </a:r>
             <a:r>
-              <a:rPr kumimoji="1" lang="ko-KR" altLang="en-US" dirty="0" smtClean="0"/>
+              <a:rPr kumimoji="1" lang="ko-KR" altLang="en-US" dirty="0"/>
               <a:t> 요구사항 커버 확인</a:t>
             </a:r>
-            <a:endParaRPr kumimoji="1" lang="ko-KR" altLang="en-US" dirty="0"/>
           </a:p>
         </p:txBody>
       </p:sp>
@@ -11040,10 +10836,10 @@
               <a:buAutoNum type="arabicPeriod" startAt="5"/>
             </a:pPr>
             <a:r>
-              <a:rPr kumimoji="1" lang="ko-KR" altLang="en-US" dirty="0" smtClean="0"/>
+              <a:rPr kumimoji="1" lang="ko-KR" altLang="en-US" dirty="0"/>
               <a:t>고객이 주문을 취소할 수 있다</a:t>
             </a:r>
-            <a:endParaRPr kumimoji="1" lang="en-US" altLang="ko-KR" dirty="0" smtClean="0"/>
+            <a:endParaRPr kumimoji="1" lang="en-US" altLang="ko-KR" dirty="0"/>
           </a:p>
           <a:p>
             <a:pPr marL="514350" indent="-514350">
@@ -11051,14 +10847,14 @@
               <a:buAutoNum type="arabicPeriod" startAt="5"/>
             </a:pPr>
             <a:r>
-              <a:rPr kumimoji="1" lang="ko-KR" altLang="en-US" dirty="0" smtClean="0">
+              <a:rPr kumimoji="1" lang="ko-KR" altLang="en-US" dirty="0">
                 <a:solidFill>
                   <a:schemeClr val="accent5"/>
                 </a:solidFill>
               </a:rPr>
               <a:t>주문이 취소되면 배달이 취소된다 </a:t>
             </a:r>
-            <a:endParaRPr kumimoji="1" lang="en-US" altLang="ko-KR" dirty="0" smtClean="0">
+            <a:endParaRPr kumimoji="1" lang="en-US" altLang="ko-KR" dirty="0">
               <a:solidFill>
                 <a:schemeClr val="accent5"/>
               </a:solidFill>
@@ -11070,10 +10866,10 @@
               <a:buAutoNum type="arabicPeriod" startAt="5"/>
             </a:pPr>
             <a:r>
-              <a:rPr kumimoji="1" lang="ko-KR" altLang="en-US" dirty="0" smtClean="0"/>
+              <a:rPr kumimoji="1" lang="ko-KR" altLang="en-US" dirty="0"/>
               <a:t>고객이 주문상태를 중간중간 조회한다 </a:t>
             </a:r>
-            <a:endParaRPr kumimoji="1" lang="en-US" altLang="ko-KR" dirty="0" smtClean="0"/>
+            <a:endParaRPr kumimoji="1" lang="en-US" altLang="ko-KR" dirty="0"/>
           </a:p>
           <a:p>
             <a:pPr marL="514350" indent="-514350">
@@ -11081,14 +10877,14 @@
               <a:buAutoNum type="arabicPeriod" startAt="5"/>
             </a:pPr>
             <a:r>
-              <a:rPr kumimoji="1" lang="ko-KR" altLang="en-US" dirty="0" smtClean="0">
+              <a:rPr kumimoji="1" lang="ko-KR" altLang="en-US" dirty="0">
                 <a:solidFill>
                   <a:srgbClr val="00B050"/>
                 </a:solidFill>
               </a:rPr>
               <a:t>주문상태가 바뀔 때 마다 카톡으로 알림을 보낸다</a:t>
             </a:r>
-            <a:endParaRPr kumimoji="1" lang="en-US" altLang="ko-KR" dirty="0" smtClean="0">
+            <a:endParaRPr kumimoji="1" lang="en-US" altLang="ko-KR" dirty="0">
               <a:solidFill>
                 <a:srgbClr val="00B050"/>
               </a:solidFill>
@@ -13435,11 +13231,11 @@
           </a:lstStyle>
           <a:p>
             <a:r>
-              <a:rPr kumimoji="1" lang="ko-KR" altLang="en-US" dirty="0" smtClean="0"/>
+              <a:rPr kumimoji="1" lang="ko-KR" altLang="en-US" dirty="0"/>
               <a:t>비기능 요구사항 </a:t>
             </a:r>
             <a:r>
-              <a:rPr kumimoji="1" lang="en-US" altLang="ko-KR" dirty="0" smtClean="0"/>
+              <a:rPr kumimoji="1" lang="en-US" altLang="ko-KR" dirty="0"/>
               <a:t>coverage</a:t>
             </a:r>
             <a:endParaRPr kumimoji="1" lang="ko-KR" altLang="en-US" dirty="0"/>
@@ -13486,7 +13282,7 @@
           <a:p>
             <a:pPr algn="ctr"/>
             <a:r>
-              <a:rPr kumimoji="1" lang="en-US" altLang="ko-KR" dirty="0" smtClean="0"/>
+              <a:rPr kumimoji="1" lang="en-US" altLang="ko-KR" dirty="0"/>
               <a:t>1</a:t>
             </a:r>
             <a:endParaRPr kumimoji="1" lang="ko-KR" altLang="en-US" dirty="0"/>
@@ -13533,7 +13329,7 @@
           <a:p>
             <a:pPr algn="ctr"/>
             <a:r>
-              <a:rPr kumimoji="1" lang="en-US" altLang="ko-KR" dirty="0" smtClean="0"/>
+              <a:rPr kumimoji="1" lang="en-US" altLang="ko-KR" dirty="0"/>
               <a:t>2</a:t>
             </a:r>
             <a:endParaRPr kumimoji="1" lang="ko-KR" altLang="en-US" dirty="0"/>
@@ -13580,7 +13376,7 @@
           <a:p>
             <a:pPr algn="ctr"/>
             <a:r>
-              <a:rPr kumimoji="1" lang="en-US" altLang="ko-KR" dirty="0" smtClean="0"/>
+              <a:rPr kumimoji="1" lang="en-US" altLang="ko-KR" dirty="0"/>
               <a:t>3</a:t>
             </a:r>
             <a:endParaRPr kumimoji="1" lang="ko-KR" altLang="en-US" dirty="0"/>
@@ -13615,26 +13411,22 @@
             </a:pPr>
             <a:r>
               <a:rPr kumimoji="1" lang="ko-KR" altLang="en-US" dirty="0"/>
-              <a:t>주문에 대해서는 결제가 처리되어야만 </a:t>
-            </a:r>
-            <a:r>
-              <a:rPr kumimoji="1" lang="ko-KR" altLang="en-US" dirty="0" smtClean="0"/>
-              <a:t>주문 처리하고 장애격리를 위해 </a:t>
-            </a:r>
-            <a:r>
-              <a:rPr kumimoji="1" lang="en-US" altLang="ko-KR" dirty="0" smtClean="0"/>
+              <a:t>주문에 대해서는 결제가 처리되어야만 주문 처리하고 장애격리를 위해 </a:t>
+            </a:r>
+            <a:r>
+              <a:rPr kumimoji="1" lang="en-US" altLang="ko-KR" dirty="0"/>
               <a:t>CB</a:t>
             </a:r>
             <a:r>
-              <a:rPr kumimoji="1" lang="ko-KR" altLang="en-US" dirty="0" smtClean="0"/>
+              <a:rPr kumimoji="1" lang="ko-KR" altLang="en-US" dirty="0"/>
               <a:t>를 설치함 </a:t>
             </a:r>
             <a:r>
-              <a:rPr kumimoji="1" lang="en-US" altLang="ko-KR" dirty="0" smtClean="0"/>
+              <a:rPr kumimoji="1" lang="en-US" altLang="ko-KR" dirty="0"/>
               <a:t>(</a:t>
             </a:r>
             <a:r>
-              <a:rPr kumimoji="1" lang="ko-KR" altLang="en-US" dirty="0" smtClean="0"/>
+              <a:rPr kumimoji="1" lang="ko-KR" altLang="en-US" dirty="0"/>
               <a:t>트랜잭션 </a:t>
             </a:r>
             <a:r>
@@ -13646,23 +13438,23 @@
               <a:t> </a:t>
             </a:r>
             <a:r>
-              <a:rPr kumimoji="1" lang="en-US" altLang="ko-KR" dirty="0" smtClean="0"/>
+              <a:rPr kumimoji="1" lang="en-US" altLang="ko-KR" dirty="0"/>
               <a:t>1,</a:t>
             </a:r>
             <a:r>
-              <a:rPr kumimoji="1" lang="ko-KR" altLang="en-US" dirty="0" smtClean="0"/>
+              <a:rPr kumimoji="1" lang="ko-KR" altLang="en-US" dirty="0"/>
               <a:t> 장애격리 </a:t>
             </a:r>
             <a:r>
-              <a:rPr kumimoji="1" lang="en-US" altLang="ko-KR" dirty="0" smtClean="0"/>
+              <a:rPr kumimoji="1" lang="en-US" altLang="ko-KR" dirty="0"/>
               <a:t>&gt;</a:t>
             </a:r>
             <a:r>
-              <a:rPr kumimoji="1" lang="ko-KR" altLang="en-US" dirty="0" smtClean="0"/>
+              <a:rPr kumimoji="1" lang="ko-KR" altLang="en-US" dirty="0"/>
               <a:t> </a:t>
             </a:r>
             <a:r>
-              <a:rPr kumimoji="1" lang="en-US" altLang="ko-KR" dirty="0" smtClean="0"/>
+              <a:rPr kumimoji="1" lang="en-US" altLang="ko-KR" dirty="0"/>
               <a:t>2)</a:t>
             </a:r>
             <a:endParaRPr kumimoji="1" lang="ko-KR" altLang="en-US" dirty="0"/>
@@ -13671,93 +13463,85 @@
             <a:pPr marL="342900" indent="-342900">
               <a:buAutoNum type="arabicPeriod"/>
             </a:pPr>
-            <a:endParaRPr kumimoji="1" lang="en-US" altLang="ko-KR" dirty="0" smtClean="0"/>
+            <a:endParaRPr kumimoji="1" lang="en-US" altLang="ko-KR" dirty="0"/>
           </a:p>
           <a:p>
             <a:pPr marL="342900" indent="-342900">
               <a:buAutoNum type="arabicPeriod"/>
             </a:pPr>
             <a:r>
-              <a:rPr kumimoji="1" lang="ko-KR" altLang="en-US" dirty="0" smtClean="0"/>
+              <a:rPr kumimoji="1" lang="ko-KR" altLang="en-US" dirty="0"/>
               <a:t>결제승인 이벤트를 수신하여 상점의 주문정보 변경을 수행함</a:t>
             </a:r>
-            <a:r>
-              <a:rPr kumimoji="1" lang="en-US" altLang="ko-KR" dirty="0" smtClean="0"/>
-              <a:t/>
-            </a:r>
             <a:br>
-              <a:rPr kumimoji="1" lang="en-US" altLang="ko-KR" dirty="0" smtClean="0"/>
+              <a:rPr kumimoji="1" lang="en-US" altLang="ko-KR" dirty="0"/>
             </a:br>
             <a:r>
-              <a:rPr kumimoji="1" lang="en-US" altLang="ko-KR" dirty="0" smtClean="0"/>
+              <a:rPr kumimoji="1" lang="en-US" altLang="ko-KR" dirty="0"/>
               <a:t>(</a:t>
             </a:r>
             <a:r>
-              <a:rPr kumimoji="1" lang="ko-KR" altLang="en-US" dirty="0" smtClean="0"/>
+              <a:rPr kumimoji="1" lang="ko-KR" altLang="en-US" dirty="0"/>
               <a:t>장애전파 </a:t>
             </a:r>
             <a:r>
-              <a:rPr kumimoji="1" lang="en-US" altLang="ko-KR" dirty="0" smtClean="0"/>
+              <a:rPr kumimoji="1" lang="en-US" altLang="ko-KR" dirty="0"/>
               <a:t>&gt;</a:t>
             </a:r>
             <a:r>
-              <a:rPr kumimoji="1" lang="ko-KR" altLang="en-US" dirty="0" smtClean="0"/>
+              <a:rPr kumimoji="1" lang="ko-KR" altLang="en-US" dirty="0"/>
               <a:t> </a:t>
             </a:r>
             <a:r>
-              <a:rPr kumimoji="1" lang="en-US" altLang="ko-KR" dirty="0" smtClean="0"/>
+              <a:rPr kumimoji="1" lang="en-US" altLang="ko-KR" dirty="0"/>
               <a:t>1)</a:t>
             </a:r>
             <a:br>
-              <a:rPr kumimoji="1" lang="en-US" altLang="ko-KR" dirty="0" smtClean="0"/>
+              <a:rPr kumimoji="1" lang="en-US" altLang="ko-KR" dirty="0"/>
             </a:br>
-            <a:endParaRPr kumimoji="1" lang="en-US" altLang="ko-KR" dirty="0" smtClean="0"/>
+            <a:endParaRPr kumimoji="1" lang="en-US" altLang="ko-KR" dirty="0"/>
           </a:p>
           <a:p>
             <a:pPr marL="342900" indent="-342900">
               <a:buAutoNum type="arabicPeriod"/>
             </a:pPr>
             <a:r>
-              <a:rPr kumimoji="1" lang="ko-KR" altLang="en-US" dirty="0" smtClean="0"/>
+              <a:rPr kumimoji="1" lang="ko-KR" altLang="en-US" dirty="0"/>
               <a:t>상점의 배달관련 이벤트를 주문에서 수신하여 </a:t>
             </a:r>
             <a:r>
-              <a:rPr kumimoji="1" lang="en-US" altLang="ko-KR" dirty="0" smtClean="0"/>
+              <a:rPr kumimoji="1" lang="en-US" altLang="ko-KR" dirty="0"/>
               <a:t>View Table </a:t>
             </a:r>
             <a:r>
-              <a:rPr kumimoji="1" lang="ko-KR" altLang="en-US" dirty="0" smtClean="0"/>
+              <a:rPr kumimoji="1" lang="ko-KR" altLang="en-US" dirty="0"/>
               <a:t>을 구성 </a:t>
             </a:r>
             <a:r>
-              <a:rPr kumimoji="1" lang="en-US" altLang="ko-KR" dirty="0" smtClean="0"/>
+              <a:rPr kumimoji="1" lang="en-US" altLang="ko-KR" dirty="0"/>
               <a:t>(CQRS)</a:t>
-            </a:r>
-            <a:r>
-              <a:rPr kumimoji="1" lang="en-US" altLang="ko-KR" dirty="0"/>
-              <a:t/>
             </a:r>
             <a:br>
               <a:rPr kumimoji="1" lang="en-US" altLang="ko-KR" dirty="0"/>
             </a:br>
             <a:r>
-              <a:rPr kumimoji="1" lang="en-US" altLang="ko-KR" dirty="0" smtClean="0"/>
+              <a:rPr kumimoji="1" lang="en-US" altLang="ko-KR" dirty="0"/>
               <a:t>(</a:t>
             </a:r>
             <a:r>
-              <a:rPr kumimoji="1" lang="ko-KR" altLang="en-US" dirty="0" smtClean="0"/>
+              <a:rPr kumimoji="1" lang="ko-KR" altLang="en-US" dirty="0"/>
               <a:t>성능 </a:t>
             </a:r>
             <a:r>
-              <a:rPr kumimoji="1" lang="en-US" altLang="ko-KR" dirty="0" smtClean="0"/>
+              <a:rPr kumimoji="1" lang="en-US" altLang="ko-KR" dirty="0"/>
               <a:t>&gt;</a:t>
             </a:r>
             <a:r>
-              <a:rPr kumimoji="1" lang="ko-KR" altLang="en-US" dirty="0" smtClean="0"/>
+              <a:rPr kumimoji="1" lang="ko-KR" altLang="en-US" dirty="0"/>
               <a:t> </a:t>
             </a:r>
             <a:r>
-              <a:rPr kumimoji="1" lang="en-US" altLang="ko-KR" dirty="0" smtClean="0"/>
+              <a:rPr kumimoji="1" lang="en-US" altLang="ko-KR" dirty="0"/>
               <a:t>1)</a:t>
             </a:r>
           </a:p>
@@ -13765,7 +13549,7 @@
             <a:pPr marL="342900" indent="-342900">
               <a:buAutoNum type="arabicPeriod"/>
             </a:pPr>
-            <a:endParaRPr kumimoji="1" lang="en-US" altLang="ko-KR" dirty="0" smtClean="0"/>
+            <a:endParaRPr kumimoji="1" lang="en-US" altLang="ko-KR" dirty="0"/>
           </a:p>
         </p:txBody>
       </p:sp>
@@ -13815,10 +13599,9 @@
           <a:lstStyle/>
           <a:p>
             <a:r>
-              <a:rPr kumimoji="1" lang="ko-KR" altLang="en-US" dirty="0" smtClean="0"/>
+              <a:rPr kumimoji="1" lang="ko-KR" altLang="en-US" dirty="0"/>
               <a:t>헥사고날 아키텍처 </a:t>
             </a:r>
-            <a:endParaRPr kumimoji="1" lang="ko-KR" altLang="en-US" dirty="0"/>
           </a:p>
         </p:txBody>
       </p:sp>
@@ -13885,7 +13668,7 @@
           <a:lstStyle/>
           <a:p>
             <a:r>
-              <a:rPr kumimoji="1" lang="ko-KR" altLang="en-US" dirty="0" smtClean="0">
+              <a:rPr kumimoji="1" lang="ko-KR" altLang="en-US" dirty="0">
                 <a:solidFill>
                   <a:schemeClr val="bg1"/>
                 </a:solidFill>
@@ -13893,7 +13676,7 @@
               <a:t>분산 이벤트 스트림</a:t>
             </a:r>
             <a:r>
-              <a:rPr kumimoji="1" lang="en-US" altLang="ko-KR" dirty="0" smtClean="0">
+              <a:rPr kumimoji="1" lang="en-US" altLang="ko-KR" dirty="0">
                 <a:solidFill>
                   <a:schemeClr val="bg1"/>
                 </a:solidFill>
@@ -13962,7 +13745,7 @@
             <a:p>
               <a:pPr algn="ctr"/>
               <a:r>
-                <a:rPr kumimoji="1" lang="en-US" altLang="ko-KR" dirty="0" smtClean="0"/>
+                <a:rPr kumimoji="1" lang="en-US" altLang="ko-KR" dirty="0"/>
                 <a:t>pay</a:t>
               </a:r>
               <a:endParaRPr kumimoji="1" lang="ko-KR" altLang="en-US" dirty="0"/>
@@ -14009,7 +13792,7 @@
             <a:p>
               <a:pPr algn="ctr"/>
               <a:r>
-                <a:rPr kumimoji="1" lang="en-US" altLang="ko-KR" dirty="0" smtClean="0">
+                <a:rPr kumimoji="1" lang="en-US" altLang="ko-KR" dirty="0">
                   <a:solidFill>
                     <a:schemeClr val="tx1"/>
                   </a:solidFill>
@@ -14061,7 +13844,7 @@
             <a:p>
               <a:pPr algn="ctr"/>
               <a:r>
-                <a:rPr kumimoji="1" lang="en-US" altLang="ko-KR" sz="1050" smtClean="0"/>
+                <a:rPr kumimoji="1" lang="en-US" altLang="ko-KR" sz="1050"/>
                 <a:t>REST Adaptor</a:t>
               </a:r>
               <a:endParaRPr kumimoji="1" lang="ko-KR" altLang="en-US" sz="1050" dirty="0"/>
@@ -14108,7 +13891,7 @@
             <a:p>
               <a:pPr algn="ctr"/>
               <a:r>
-                <a:rPr kumimoji="1" lang="en-US" altLang="ko-KR" sz="1200" smtClean="0">
+                <a:rPr kumimoji="1" lang="en-US" altLang="ko-KR" sz="1200">
                   <a:solidFill>
                     <a:schemeClr val="tx1"/>
                   </a:solidFill>
@@ -14164,7 +13947,7 @@
           <a:p>
             <a:pPr algn="ctr"/>
             <a:r>
-              <a:rPr kumimoji="1" lang="en-US" altLang="ko-KR" sz="1200" dirty="0" smtClean="0"/>
+              <a:rPr kumimoji="1" lang="en-US" altLang="ko-KR" sz="1200" dirty="0"/>
               <a:t>app</a:t>
             </a:r>
             <a:endParaRPr kumimoji="1" lang="ko-KR" altLang="en-US" sz="1200" dirty="0"/>
@@ -14211,7 +13994,7 @@
           <a:p>
             <a:pPr algn="ctr"/>
             <a:r>
-              <a:rPr kumimoji="1" lang="en-US" altLang="ko-KR" sz="2000" dirty="0" smtClean="0">
+              <a:rPr kumimoji="1" lang="en-US" altLang="ko-KR" sz="2000" dirty="0">
                 <a:solidFill>
                   <a:schemeClr val="tx1"/>
                 </a:solidFill>
@@ -14263,14 +14046,13 @@
           <a:p>
             <a:pPr algn="ctr"/>
             <a:r>
-              <a:rPr kumimoji="1" lang="en-US" altLang="ko-KR" sz="1000" dirty="0" smtClean="0"/>
+              <a:rPr kumimoji="1" lang="en-US" altLang="ko-KR" sz="1000" dirty="0"/>
               <a:t>REST Adaptor</a:t>
             </a:r>
             <a:r>
-              <a:rPr kumimoji="1" lang="ko-KR" altLang="en-US" sz="1000" dirty="0" smtClean="0"/>
+              <a:rPr kumimoji="1" lang="ko-KR" altLang="en-US" sz="1000" dirty="0"/>
               <a:t> </a:t>
             </a:r>
-            <a:endParaRPr kumimoji="1" lang="ko-KR" altLang="en-US" sz="1000" dirty="0"/>
           </a:p>
         </p:txBody>
       </p:sp>
@@ -14314,7 +14096,7 @@
           <a:p>
             <a:pPr algn="ctr"/>
             <a:r>
-              <a:rPr kumimoji="1" lang="en-US" altLang="ko-KR" sz="1000" dirty="0" smtClean="0">
+              <a:rPr kumimoji="1" lang="en-US" altLang="ko-KR" sz="1000" dirty="0">
                 <a:solidFill>
                   <a:schemeClr val="tx1"/>
                 </a:solidFill>
@@ -14364,7 +14146,7 @@
           <a:p>
             <a:pPr algn="ctr"/>
             <a:r>
-              <a:rPr kumimoji="1" lang="en-US" altLang="ko-KR" sz="1000" dirty="0" smtClean="0">
+              <a:rPr kumimoji="1" lang="en-US" altLang="ko-KR" sz="1000" dirty="0">
                 <a:solidFill>
                   <a:schemeClr val="tx1"/>
                 </a:solidFill>
@@ -14372,7 +14154,7 @@
               <a:t>Kafka </a:t>
             </a:r>
             <a:r>
-              <a:rPr kumimoji="1" lang="en-US" altLang="ko-KR" sz="1000" dirty="0" err="1" smtClean="0">
+              <a:rPr kumimoji="1" lang="en-US" altLang="ko-KR" sz="1000" dirty="0" err="1">
                 <a:solidFill>
                   <a:schemeClr val="tx1"/>
                 </a:solidFill>
@@ -14519,7 +14301,7 @@
             <a:p>
               <a:pPr algn="ctr"/>
               <a:r>
-                <a:rPr kumimoji="1" lang="en-US" altLang="ko-KR" dirty="0" smtClean="0"/>
+                <a:rPr kumimoji="1" lang="en-US" altLang="ko-KR" dirty="0"/>
                 <a:t>customer</a:t>
               </a:r>
               <a:endParaRPr kumimoji="1" lang="ko-KR" altLang="en-US" dirty="0"/>
@@ -14571,21 +14353,13 @@
                     <a:schemeClr val="tx1"/>
                   </a:solidFill>
                 </a:rPr>
-                <a:t>c</a:t>
-              </a:r>
-              <a:r>
-                <a:rPr kumimoji="1" lang="en-US" altLang="ko-KR" sz="1400" dirty="0" smtClean="0">
-                  <a:solidFill>
-                    <a:schemeClr val="tx1"/>
-                  </a:solidFill>
-                </a:rPr>
-                <a:t>ustomer</a:t>
+                <a:t>customer</a:t>
               </a:r>
             </a:p>
             <a:p>
               <a:pPr algn="ctr"/>
               <a:r>
-                <a:rPr kumimoji="1" lang="en-US" altLang="ko-KR" sz="1400" dirty="0" smtClean="0">
+                <a:rPr kumimoji="1" lang="en-US" altLang="ko-KR" sz="1400" dirty="0">
                   <a:solidFill>
                     <a:schemeClr val="tx1"/>
                   </a:solidFill>
@@ -14640,14 +14414,14 @@
             <a:p>
               <a:pPr algn="ctr"/>
               <a:r>
-                <a:rPr kumimoji="1" lang="ko-KR" altLang="en-US" sz="1200" dirty="0" smtClean="0">
+                <a:rPr kumimoji="1" lang="ko-KR" altLang="en-US" sz="1200" dirty="0">
                   <a:solidFill>
                     <a:schemeClr val="tx1"/>
                   </a:solidFill>
                 </a:rPr>
                 <a:t>이벤트 </a:t>
               </a:r>
-              <a:endParaRPr kumimoji="1" lang="en-US" altLang="ko-KR" sz="1200" dirty="0" smtClean="0">
+              <a:endParaRPr kumimoji="1" lang="en-US" altLang="ko-KR" sz="1200" dirty="0">
                 <a:solidFill>
                   <a:schemeClr val="tx1"/>
                 </a:solidFill>
@@ -14656,18 +14430,13 @@
             <a:p>
               <a:pPr algn="ctr"/>
               <a:r>
-                <a:rPr kumimoji="1" lang="ko-KR" altLang="en-US" sz="1200" dirty="0" smtClean="0">
+                <a:rPr kumimoji="1" lang="ko-KR" altLang="en-US" sz="1200" dirty="0">
                   <a:solidFill>
                     <a:schemeClr val="tx1"/>
                   </a:solidFill>
                 </a:rPr>
                 <a:t>리스너</a:t>
               </a:r>
-              <a:endParaRPr kumimoji="1" lang="ko-KR" altLang="en-US" sz="1200" dirty="0">
-                <a:solidFill>
-                  <a:schemeClr val="tx1"/>
-                </a:solidFill>
-              </a:endParaRPr>
             </a:p>
           </p:txBody>
         </p:sp>
@@ -14726,7 +14495,7 @@
             <a:p>
               <a:pPr algn="ctr"/>
               <a:r>
-                <a:rPr kumimoji="1" lang="en-US" altLang="ko-KR" sz="1400" dirty="0" smtClean="0"/>
+                <a:rPr kumimoji="1" lang="en-US" altLang="ko-KR" sz="1400" dirty="0"/>
                 <a:t>store</a:t>
               </a:r>
               <a:endParaRPr kumimoji="1" lang="ko-KR" altLang="en-US" sz="1400" dirty="0"/>
@@ -14773,7 +14542,7 @@
             <a:p>
               <a:pPr algn="ctr"/>
               <a:r>
-                <a:rPr kumimoji="1" lang="en-US" altLang="ko-KR" dirty="0" smtClean="0">
+                <a:rPr kumimoji="1" lang="en-US" altLang="ko-KR" dirty="0">
                   <a:solidFill>
                     <a:schemeClr val="tx1"/>
                   </a:solidFill>
@@ -14828,7 +14597,7 @@
             <a:p>
               <a:pPr algn="ctr"/>
               <a:r>
-                <a:rPr kumimoji="1" lang="en-US" altLang="ko-KR" sz="1050" dirty="0" smtClean="0">
+                <a:rPr kumimoji="1" lang="en-US" altLang="ko-KR" sz="1050" dirty="0">
                   <a:solidFill>
                     <a:schemeClr val="tx1"/>
                   </a:solidFill>
@@ -14878,7 +14647,7 @@
             <a:p>
               <a:pPr algn="ctr"/>
               <a:r>
-                <a:rPr kumimoji="1" lang="en-US" altLang="ko-KR" sz="1050" dirty="0" smtClean="0">
+                <a:rPr kumimoji="1" lang="en-US" altLang="ko-KR" sz="1050" dirty="0">
                   <a:solidFill>
                     <a:schemeClr val="tx1"/>
                   </a:solidFill>
@@ -14975,18 +14744,13 @@
           <a:p>
             <a:pPr algn="ctr"/>
             <a:r>
-              <a:rPr kumimoji="1" lang="en-US" altLang="ko-KR" sz="1000" dirty="0" smtClean="0">
+              <a:rPr kumimoji="1" lang="en-US" altLang="ko-KR" sz="1000" dirty="0">
                 <a:solidFill>
                   <a:schemeClr val="tx1"/>
                 </a:solidFill>
               </a:rPr>
               <a:t>REST Invoker</a:t>
             </a:r>
-            <a:endParaRPr kumimoji="1" lang="en-US" altLang="ko-KR" sz="1000" dirty="0">
-              <a:solidFill>
-                <a:schemeClr val="tx1"/>
-              </a:solidFill>
-            </a:endParaRPr>
           </a:p>
         </p:txBody>
       </p:sp>
@@ -15183,7 +14947,7 @@
           <a:p>
             <a:pPr algn="ctr"/>
             <a:r>
-              <a:rPr kumimoji="1" lang="en-US" altLang="ko-KR" sz="1200" smtClean="0"/>
+              <a:rPr kumimoji="1" lang="en-US" altLang="ko-KR" sz="1200"/>
               <a:t>mongo</a:t>
             </a:r>
             <a:endParaRPr kumimoji="1" lang="ko-KR" altLang="en-US" sz="1200" dirty="0"/>
@@ -15227,7 +14991,7 @@
           <a:p>
             <a:pPr algn="ctr"/>
             <a:r>
-              <a:rPr kumimoji="1" lang="en-US" altLang="ko-KR" sz="1200" dirty="0" err="1" smtClean="0"/>
+              <a:rPr kumimoji="1" lang="en-US" altLang="ko-KR" sz="1200" dirty="0" err="1"/>
               <a:t>mysql</a:t>
             </a:r>
             <a:endParaRPr kumimoji="1" lang="ko-KR" altLang="en-US" sz="1200" dirty="0"/>
@@ -15271,7 +15035,7 @@
           <a:p>
             <a:pPr algn="ctr"/>
             <a:r>
-              <a:rPr kumimoji="1" lang="en-US" altLang="ko-KR" dirty="0" err="1" smtClean="0"/>
+              <a:rPr kumimoji="1" lang="en-US" altLang="ko-KR" dirty="0" err="1"/>
               <a:t>mysql</a:t>
             </a:r>
             <a:endParaRPr kumimoji="1" lang="ko-KR" altLang="en-US" dirty="0"/>
@@ -15318,7 +15082,7 @@
           <a:p>
             <a:pPr algn="ctr"/>
             <a:r>
-              <a:rPr kumimoji="1" lang="en-US" altLang="ko-KR" sz="1000" smtClean="0"/>
+              <a:rPr kumimoji="1" lang="en-US" altLang="ko-KR" sz="1000"/>
               <a:t>JPA</a:t>
             </a:r>
             <a:endParaRPr kumimoji="1" lang="ko-KR" altLang="en-US" sz="1000" dirty="0"/>
@@ -15406,7 +15170,7 @@
           <a:p>
             <a:pPr algn="ctr"/>
             <a:r>
-              <a:rPr kumimoji="1" lang="en-US" altLang="ko-KR" sz="1000" smtClean="0"/>
+              <a:rPr kumimoji="1" lang="en-US" altLang="ko-KR" sz="1000"/>
               <a:t>JPA</a:t>
             </a:r>
             <a:endParaRPr kumimoji="1" lang="ko-KR" altLang="en-US" sz="1000" dirty="0"/>
@@ -15491,7 +15255,7 @@
           <a:p>
             <a:pPr algn="ctr"/>
             <a:r>
-              <a:rPr kumimoji="1" lang="en-US" altLang="ko-KR" sz="1000" smtClean="0"/>
+              <a:rPr kumimoji="1" lang="en-US" altLang="ko-KR" sz="1000"/>
               <a:t>JPA</a:t>
             </a:r>
             <a:endParaRPr kumimoji="1" lang="ko-KR" altLang="en-US" sz="1000" dirty="0"/>
@@ -15568,12 +15332,12 @@
       </p:grpSpPr>
       <p:sp>
         <p:nvSpPr>
-          <p:cNvPr id="4" name="제목 3"/>
+          <p:cNvPr id="2" name="제목 1"/>
           <p:cNvSpPr>
             <a:spLocks noGrp="1"/>
           </p:cNvSpPr>
           <p:nvPr>
-            <p:ph type="ctrTitle"/>
+            <p:ph type="title"/>
           </p:nvPr>
         </p:nvSpPr>
         <p:spPr/>
@@ -15582,36 +15346,1733 @@
           <a:lstStyle/>
           <a:p>
             <a:r>
-              <a:rPr kumimoji="1" lang="ko-KR" altLang="en-US" dirty="0" smtClean="0"/>
-              <a:t>구현</a:t>
-            </a:r>
-            <a:endParaRPr kumimoji="1" lang="ko-KR" altLang="en-US" dirty="0"/>
+              <a:rPr kumimoji="1" lang="ko-KR" altLang="en-US" dirty="0"/>
+              <a:t>헥사고날 아키텍처 </a:t>
+            </a:r>
           </a:p>
         </p:txBody>
       </p:sp>
       <p:sp>
         <p:nvSpPr>
-          <p:cNvPr id="5" name="부제 4"/>
-          <p:cNvSpPr>
-            <a:spLocks noGrp="1"/>
-          </p:cNvSpPr>
-          <p:nvPr>
-            <p:ph type="subTitle" idx="1"/>
-          </p:nvPr>
+          <p:cNvPr id="4" name="원통[C] 3"/>
+          <p:cNvSpPr/>
+          <p:nvPr/>
         </p:nvSpPr>
-        <p:spPr/>
+        <p:spPr>
+          <a:xfrm rot="5400000">
+            <a:off x="5843828" y="-3904684"/>
+            <a:ext cx="481263" cy="11190744"/>
+          </a:xfrm>
+          <a:prstGeom prst="can">
+            <a:avLst/>
+          </a:prstGeom>
+        </p:spPr>
+        <p:style>
+          <a:lnRef idx="2">
+            <a:schemeClr val="accent1">
+              <a:shade val="50000"/>
+            </a:schemeClr>
+          </a:lnRef>
+          <a:fillRef idx="1">
+            <a:schemeClr val="accent1"/>
+          </a:fillRef>
+          <a:effectRef idx="0">
+            <a:schemeClr val="accent1"/>
+          </a:effectRef>
+          <a:fontRef idx="minor">
+            <a:schemeClr val="lt1"/>
+          </a:fontRef>
+        </p:style>
         <p:txBody>
-          <a:bodyPr/>
+          <a:bodyPr rtlCol="0" anchor="ctr"/>
           <a:lstStyle/>
           <a:p>
+            <a:pPr algn="ctr"/>
             <a:endParaRPr kumimoji="1" lang="ko-KR" altLang="en-US" dirty="0"/>
           </a:p>
         </p:txBody>
       </p:sp>
+      <p:sp>
+        <p:nvSpPr>
+          <p:cNvPr id="5" name="TextBox 4"/>
+          <p:cNvSpPr txBox="1"/>
+          <p:nvPr/>
+        </p:nvSpPr>
+        <p:spPr>
+          <a:xfrm>
+            <a:off x="4392636" y="1488434"/>
+            <a:ext cx="3414567" cy="369332"/>
+          </a:xfrm>
+          <a:prstGeom prst="rect">
+            <a:avLst/>
+          </a:prstGeom>
+          <a:noFill/>
+        </p:spPr>
+        <p:txBody>
+          <a:bodyPr wrap="square" rtlCol="0">
+            <a:spAutoFit/>
+          </a:bodyPr>
+          <a:lstStyle/>
+          <a:p>
+            <a:r>
+              <a:rPr kumimoji="1" lang="ko-KR" altLang="en-US" dirty="0">
+                <a:solidFill>
+                  <a:schemeClr val="bg1"/>
+                </a:solidFill>
+              </a:rPr>
+              <a:t>분산 이벤트 스트림</a:t>
+            </a:r>
+            <a:r>
+              <a:rPr kumimoji="1" lang="en-US" altLang="ko-KR" dirty="0">
+                <a:solidFill>
+                  <a:schemeClr val="bg1"/>
+                </a:solidFill>
+              </a:rPr>
+              <a:t> (Kafka)</a:t>
+            </a:r>
+            <a:endParaRPr kumimoji="1" lang="ko-KR" altLang="en-US" dirty="0">
+              <a:solidFill>
+                <a:schemeClr val="bg1"/>
+              </a:solidFill>
+            </a:endParaRPr>
+          </a:p>
+        </p:txBody>
+      </p:sp>
+      <p:grpSp>
+        <p:nvGrpSpPr>
+          <p:cNvPr id="43" name="그룹 42"/>
+          <p:cNvGrpSpPr/>
+          <p:nvPr/>
+        </p:nvGrpSpPr>
+        <p:grpSpPr>
+          <a:xfrm>
+            <a:off x="3504708" y="2529224"/>
+            <a:ext cx="2708548" cy="1663247"/>
+            <a:chOff x="3680661" y="2117559"/>
+            <a:chExt cx="3218594" cy="1941094"/>
+          </a:xfrm>
+        </p:grpSpPr>
+        <p:sp>
+          <p:nvSpPr>
+            <p:cNvPr id="7" name="육각형[H] 6"/>
+            <p:cNvSpPr/>
+            <p:nvPr/>
+          </p:nvSpPr>
+          <p:spPr>
+            <a:xfrm>
+              <a:off x="4134852" y="2117559"/>
+              <a:ext cx="2294022" cy="1941094"/>
+            </a:xfrm>
+            <a:prstGeom prst="hexagon">
+              <a:avLst/>
+            </a:prstGeom>
+            <a:solidFill>
+              <a:schemeClr val="accent6"/>
+            </a:solidFill>
+          </p:spPr>
+          <p:style>
+            <a:lnRef idx="2">
+              <a:schemeClr val="accent1">
+                <a:shade val="50000"/>
+              </a:schemeClr>
+            </a:lnRef>
+            <a:fillRef idx="1">
+              <a:schemeClr val="accent1"/>
+            </a:fillRef>
+            <a:effectRef idx="0">
+              <a:schemeClr val="accent1"/>
+            </a:effectRef>
+            <a:fontRef idx="minor">
+              <a:schemeClr val="lt1"/>
+            </a:fontRef>
+          </p:style>
+          <p:txBody>
+            <a:bodyPr rtlCol="0" anchor="ctr"/>
+            <a:lstStyle/>
+            <a:p>
+              <a:pPr algn="ctr"/>
+              <a:r>
+                <a:rPr kumimoji="1" lang="en-US" altLang="ko-KR" dirty="0"/>
+                <a:t>pay</a:t>
+              </a:r>
+              <a:endParaRPr kumimoji="1" lang="ko-KR" altLang="en-US" dirty="0"/>
+            </a:p>
+          </p:txBody>
+        </p:sp>
+        <p:sp>
+          <p:nvSpPr>
+            <p:cNvPr id="11" name="육각형[H] 10"/>
+            <p:cNvSpPr/>
+            <p:nvPr/>
+          </p:nvSpPr>
+          <p:spPr>
+            <a:xfrm>
+              <a:off x="4639176" y="2512596"/>
+              <a:ext cx="1285374" cy="1151020"/>
+            </a:xfrm>
+            <a:prstGeom prst="hexagon">
+              <a:avLst/>
+            </a:prstGeom>
+            <a:solidFill>
+              <a:srgbClr val="FFFF00"/>
+            </a:solidFill>
+          </p:spPr>
+          <p:style>
+            <a:lnRef idx="2">
+              <a:schemeClr val="accent1">
+                <a:shade val="50000"/>
+              </a:schemeClr>
+            </a:lnRef>
+            <a:fillRef idx="1">
+              <a:schemeClr val="accent1"/>
+            </a:fillRef>
+            <a:effectRef idx="0">
+              <a:schemeClr val="accent1"/>
+            </a:effectRef>
+            <a:fontRef idx="minor">
+              <a:schemeClr val="lt1"/>
+            </a:fontRef>
+          </p:style>
+          <p:txBody>
+            <a:bodyPr rtlCol="0" anchor="ctr"/>
+            <a:lstStyle/>
+            <a:p>
+              <a:pPr algn="ctr"/>
+              <a:r>
+                <a:rPr kumimoji="1" lang="en-US" altLang="ko-KR" dirty="0">
+                  <a:solidFill>
+                    <a:schemeClr val="tx1"/>
+                  </a:solidFill>
+                </a:rPr>
+                <a:t>pay</a:t>
+              </a:r>
+              <a:endParaRPr kumimoji="1" lang="ko-KR" altLang="en-US" dirty="0">
+                <a:solidFill>
+                  <a:schemeClr val="tx1"/>
+                </a:solidFill>
+              </a:endParaRPr>
+            </a:p>
+          </p:txBody>
+        </p:sp>
+        <p:sp>
+          <p:nvSpPr>
+            <p:cNvPr id="16" name="직사각형 15"/>
+            <p:cNvSpPr/>
+            <p:nvPr/>
+          </p:nvSpPr>
+          <p:spPr>
+            <a:xfrm>
+              <a:off x="3680661" y="2326103"/>
+              <a:ext cx="1269834" cy="356939"/>
+            </a:xfrm>
+            <a:prstGeom prst="rect">
+              <a:avLst/>
+            </a:prstGeom>
+          </p:spPr>
+          <p:style>
+            <a:lnRef idx="2">
+              <a:schemeClr val="accent1">
+                <a:shade val="50000"/>
+              </a:schemeClr>
+            </a:lnRef>
+            <a:fillRef idx="1">
+              <a:schemeClr val="accent1"/>
+            </a:fillRef>
+            <a:effectRef idx="0">
+              <a:schemeClr val="accent1"/>
+            </a:effectRef>
+            <a:fontRef idx="minor">
+              <a:schemeClr val="lt1"/>
+            </a:fontRef>
+          </p:style>
+          <p:txBody>
+            <a:bodyPr rtlCol="0" anchor="ctr"/>
+            <a:lstStyle/>
+            <a:p>
+              <a:pPr algn="ctr"/>
+              <a:r>
+                <a:rPr kumimoji="1" lang="en-US" altLang="ko-KR" sz="1050"/>
+                <a:t>REST Adaptor</a:t>
+              </a:r>
+              <a:endParaRPr kumimoji="1" lang="ko-KR" altLang="en-US" sz="1050" dirty="0"/>
+            </a:p>
+          </p:txBody>
+        </p:sp>
+        <p:sp>
+          <p:nvSpPr>
+            <p:cNvPr id="19" name="직사각형 18"/>
+            <p:cNvSpPr/>
+            <p:nvPr/>
+          </p:nvSpPr>
+          <p:spPr>
+            <a:xfrm>
+              <a:off x="5864038" y="2821465"/>
+              <a:ext cx="1035217" cy="502193"/>
+            </a:xfrm>
+            <a:prstGeom prst="rect">
+              <a:avLst/>
+            </a:prstGeom>
+            <a:solidFill>
+              <a:srgbClr val="FFC000"/>
+            </a:solidFill>
+          </p:spPr>
+          <p:style>
+            <a:lnRef idx="2">
+              <a:schemeClr val="accent1">
+                <a:shade val="50000"/>
+              </a:schemeClr>
+            </a:lnRef>
+            <a:fillRef idx="1">
+              <a:schemeClr val="accent1"/>
+            </a:fillRef>
+            <a:effectRef idx="0">
+              <a:schemeClr val="accent1"/>
+            </a:effectRef>
+            <a:fontRef idx="minor">
+              <a:schemeClr val="lt1"/>
+            </a:fontRef>
+          </p:style>
+          <p:txBody>
+            <a:bodyPr rtlCol="0" anchor="ctr"/>
+            <a:lstStyle/>
+            <a:p>
+              <a:pPr algn="ctr"/>
+              <a:r>
+                <a:rPr kumimoji="1" lang="en-US" altLang="ko-KR" sz="1200">
+                  <a:solidFill>
+                    <a:schemeClr val="tx1"/>
+                  </a:solidFill>
+                </a:rPr>
+                <a:t>Kafka Publisher</a:t>
+              </a:r>
+              <a:endParaRPr kumimoji="1" lang="ko-KR" altLang="en-US" sz="1200" dirty="0">
+                <a:solidFill>
+                  <a:schemeClr val="tx1"/>
+                </a:solidFill>
+              </a:endParaRPr>
+            </a:p>
+          </p:txBody>
+        </p:sp>
+      </p:grpSp>
+      <p:sp>
+        <p:nvSpPr>
+          <p:cNvPr id="6" name="육각형[H] 5"/>
+          <p:cNvSpPr/>
+          <p:nvPr/>
+        </p:nvSpPr>
+        <p:spPr>
+          <a:xfrm>
+            <a:off x="897233" y="2568904"/>
+            <a:ext cx="1916663" cy="1623567"/>
+          </a:xfrm>
+          <a:prstGeom prst="hexagon">
+            <a:avLst/>
+          </a:prstGeom>
+          <a:solidFill>
+            <a:schemeClr val="accent6"/>
+          </a:solidFill>
+        </p:spPr>
+        <p:style>
+          <a:lnRef idx="2">
+            <a:schemeClr val="accent1">
+              <a:shade val="50000"/>
+            </a:schemeClr>
+          </a:lnRef>
+          <a:fillRef idx="1">
+            <a:schemeClr val="accent1"/>
+          </a:fillRef>
+          <a:effectRef idx="0">
+            <a:schemeClr val="accent1"/>
+          </a:effectRef>
+          <a:fontRef idx="minor">
+            <a:schemeClr val="lt1"/>
+          </a:fontRef>
+        </p:style>
+        <p:txBody>
+          <a:bodyPr rtlCol="0" anchor="ctr"/>
+          <a:lstStyle/>
+          <a:p>
+            <a:pPr algn="ctr"/>
+            <a:r>
+              <a:rPr kumimoji="1" lang="en-US" altLang="ko-KR" sz="1200" dirty="0"/>
+              <a:t>app</a:t>
+            </a:r>
+            <a:endParaRPr kumimoji="1" lang="ko-KR" altLang="en-US" sz="1200" dirty="0"/>
+          </a:p>
+        </p:txBody>
+      </p:sp>
+      <p:sp>
+        <p:nvSpPr>
+          <p:cNvPr id="10" name="육각형[H] 9"/>
+          <p:cNvSpPr/>
+          <p:nvPr/>
+        </p:nvSpPr>
+        <p:spPr>
+          <a:xfrm>
+            <a:off x="1322786" y="2904352"/>
+            <a:ext cx="1073934" cy="962735"/>
+          </a:xfrm>
+          <a:prstGeom prst="hexagon">
+            <a:avLst/>
+          </a:prstGeom>
+          <a:solidFill>
+            <a:srgbClr val="FFFF00"/>
+          </a:solidFill>
+        </p:spPr>
+        <p:style>
+          <a:lnRef idx="2">
+            <a:schemeClr val="accent1">
+              <a:shade val="50000"/>
+            </a:schemeClr>
+          </a:lnRef>
+          <a:fillRef idx="1">
+            <a:schemeClr val="accent1"/>
+          </a:fillRef>
+          <a:effectRef idx="0">
+            <a:schemeClr val="accent1"/>
+          </a:effectRef>
+          <a:fontRef idx="minor">
+            <a:schemeClr val="lt1"/>
+          </a:fontRef>
+        </p:style>
+        <p:txBody>
+          <a:bodyPr rtlCol="0" anchor="ctr"/>
+          <a:lstStyle/>
+          <a:p>
+            <a:pPr algn="ctr"/>
+            <a:r>
+              <a:rPr kumimoji="1" lang="en-US" altLang="ko-KR" sz="1200" dirty="0">
+                <a:solidFill>
+                  <a:schemeClr val="tx1"/>
+                </a:solidFill>
+              </a:rPr>
+              <a:t>app</a:t>
+            </a:r>
+          </a:p>
+          <a:p>
+            <a:pPr algn="ctr"/>
+            <a:r>
+              <a:rPr kumimoji="1" lang="en-US" altLang="ko-KR" sz="1200" dirty="0">
+                <a:solidFill>
+                  <a:schemeClr val="tx1"/>
+                </a:solidFill>
+              </a:rPr>
+              <a:t>mongo</a:t>
+            </a:r>
+            <a:endParaRPr kumimoji="1" lang="ko-KR" altLang="en-US" sz="1200" dirty="0">
+              <a:solidFill>
+                <a:schemeClr val="tx1"/>
+              </a:solidFill>
+            </a:endParaRPr>
+          </a:p>
+        </p:txBody>
+      </p:sp>
+      <p:sp>
+        <p:nvSpPr>
+          <p:cNvPr id="14" name="직사각형 13"/>
+          <p:cNvSpPr/>
+          <p:nvPr/>
+        </p:nvSpPr>
+        <p:spPr>
+          <a:xfrm>
+            <a:off x="281794" y="3155096"/>
+            <a:ext cx="1025768" cy="295194"/>
+          </a:xfrm>
+          <a:prstGeom prst="rect">
+            <a:avLst/>
+          </a:prstGeom>
+        </p:spPr>
+        <p:style>
+          <a:lnRef idx="2">
+            <a:schemeClr val="accent1">
+              <a:shade val="50000"/>
+            </a:schemeClr>
+          </a:lnRef>
+          <a:fillRef idx="1">
+            <a:schemeClr val="accent1"/>
+          </a:fillRef>
+          <a:effectRef idx="0">
+            <a:schemeClr val="accent1"/>
+          </a:effectRef>
+          <a:fontRef idx="minor">
+            <a:schemeClr val="lt1"/>
+          </a:fontRef>
+        </p:style>
+        <p:txBody>
+          <a:bodyPr rtlCol="0" anchor="ctr"/>
+          <a:lstStyle/>
+          <a:p>
+            <a:pPr algn="ctr"/>
+            <a:r>
+              <a:rPr kumimoji="1" lang="en-US" altLang="ko-KR" sz="1000" dirty="0"/>
+              <a:t>REST Adaptor</a:t>
+            </a:r>
+            <a:r>
+              <a:rPr kumimoji="1" lang="ko-KR" altLang="en-US" sz="1000" dirty="0"/>
+              <a:t> </a:t>
+            </a:r>
+          </a:p>
+        </p:txBody>
+      </p:sp>
+      <p:sp>
+        <p:nvSpPr>
+          <p:cNvPr id="24" name="직사각형 23"/>
+          <p:cNvSpPr/>
+          <p:nvPr/>
+        </p:nvSpPr>
+        <p:spPr>
+          <a:xfrm>
+            <a:off x="332313" y="2707200"/>
+            <a:ext cx="1067859" cy="343835"/>
+          </a:xfrm>
+          <a:prstGeom prst="rect">
+            <a:avLst/>
+          </a:prstGeom>
+          <a:solidFill>
+            <a:srgbClr val="D4A2C1"/>
+          </a:solidFill>
+        </p:spPr>
+        <p:style>
+          <a:lnRef idx="2">
+            <a:schemeClr val="accent1">
+              <a:shade val="50000"/>
+            </a:schemeClr>
+          </a:lnRef>
+          <a:fillRef idx="1">
+            <a:schemeClr val="accent1"/>
+          </a:fillRef>
+          <a:effectRef idx="0">
+            <a:schemeClr val="accent1"/>
+          </a:effectRef>
+          <a:fontRef idx="minor">
+            <a:schemeClr val="lt1"/>
+          </a:fontRef>
+        </p:style>
+        <p:txBody>
+          <a:bodyPr rtlCol="0" anchor="ctr"/>
+          <a:lstStyle/>
+          <a:p>
+            <a:pPr algn="ctr"/>
+            <a:r>
+              <a:rPr kumimoji="1" lang="en-US" altLang="ko-KR" sz="1000" dirty="0">
+                <a:solidFill>
+                  <a:schemeClr val="tx1"/>
+                </a:solidFill>
+              </a:rPr>
+              <a:t>Kafka Listener</a:t>
+            </a:r>
+          </a:p>
+        </p:txBody>
+      </p:sp>
+      <p:sp>
+        <p:nvSpPr>
+          <p:cNvPr id="25" name="직사각형 24"/>
+          <p:cNvSpPr/>
+          <p:nvPr/>
+        </p:nvSpPr>
+        <p:spPr>
+          <a:xfrm>
+            <a:off x="2293987" y="3217846"/>
+            <a:ext cx="864927" cy="420044"/>
+          </a:xfrm>
+          <a:prstGeom prst="rect">
+            <a:avLst/>
+          </a:prstGeom>
+          <a:solidFill>
+            <a:srgbClr val="FFC000"/>
+          </a:solidFill>
+        </p:spPr>
+        <p:style>
+          <a:lnRef idx="2">
+            <a:schemeClr val="accent1">
+              <a:shade val="50000"/>
+            </a:schemeClr>
+          </a:lnRef>
+          <a:fillRef idx="1">
+            <a:schemeClr val="accent1"/>
+          </a:fillRef>
+          <a:effectRef idx="0">
+            <a:schemeClr val="accent1"/>
+          </a:effectRef>
+          <a:fontRef idx="minor">
+            <a:schemeClr val="lt1"/>
+          </a:fontRef>
+        </p:style>
+        <p:txBody>
+          <a:bodyPr rtlCol="0" anchor="ctr"/>
+          <a:lstStyle/>
+          <a:p>
+            <a:pPr algn="ctr"/>
+            <a:r>
+              <a:rPr kumimoji="1" lang="en-US" altLang="ko-KR" sz="1000" dirty="0">
+                <a:solidFill>
+                  <a:schemeClr val="tx1"/>
+                </a:solidFill>
+              </a:rPr>
+              <a:t>Kafka </a:t>
+            </a:r>
+            <a:r>
+              <a:rPr kumimoji="1" lang="en-US" altLang="ko-KR" sz="1000" dirty="0" err="1">
+                <a:solidFill>
+                  <a:schemeClr val="tx1"/>
+                </a:solidFill>
+              </a:rPr>
+              <a:t>publiser</a:t>
+            </a:r>
+            <a:endParaRPr kumimoji="1" lang="en-US" altLang="ko-KR" sz="1000" dirty="0">
+              <a:solidFill>
+                <a:schemeClr val="tx1"/>
+              </a:solidFill>
+            </a:endParaRPr>
+          </a:p>
+        </p:txBody>
+      </p:sp>
+      <p:cxnSp>
+        <p:nvCxnSpPr>
+          <p:cNvPr id="27" name="직선 화살표 연결선 26"/>
+          <p:cNvCxnSpPr>
+            <a:stCxn id="25" idx="0"/>
+          </p:cNvCxnSpPr>
+          <p:nvPr/>
+        </p:nvCxnSpPr>
+        <p:spPr>
+          <a:xfrm flipH="1" flipV="1">
+            <a:off x="2716789" y="1931200"/>
+            <a:ext cx="9662" cy="1286646"/>
+          </a:xfrm>
+          <a:prstGeom prst="straightConnector1">
+            <a:avLst/>
+          </a:prstGeom>
+          <a:ln w="38100">
+            <a:solidFill>
+              <a:schemeClr val="tx1"/>
+            </a:solidFill>
+            <a:prstDash val="sysDash"/>
+            <a:tailEnd type="triangle"/>
+          </a:ln>
+        </p:spPr>
+        <p:style>
+          <a:lnRef idx="1">
+            <a:schemeClr val="accent1"/>
+          </a:lnRef>
+          <a:fillRef idx="0">
+            <a:schemeClr val="accent1"/>
+          </a:fillRef>
+          <a:effectRef idx="0">
+            <a:schemeClr val="accent1"/>
+          </a:effectRef>
+          <a:fontRef idx="minor">
+            <a:schemeClr val="tx1"/>
+          </a:fontRef>
+        </p:style>
+      </p:cxnSp>
+      <p:cxnSp>
+        <p:nvCxnSpPr>
+          <p:cNvPr id="35" name="직선 화살표 연결선 34"/>
+          <p:cNvCxnSpPr>
+            <a:endCxn id="24" idx="0"/>
+          </p:cNvCxnSpPr>
+          <p:nvPr/>
+        </p:nvCxnSpPr>
+        <p:spPr>
+          <a:xfrm flipH="1">
+            <a:off x="866243" y="1949213"/>
+            <a:ext cx="16718" cy="757987"/>
+          </a:xfrm>
+          <a:prstGeom prst="straightConnector1">
+            <a:avLst/>
+          </a:prstGeom>
+          <a:ln w="38100">
+            <a:solidFill>
+              <a:schemeClr val="tx1"/>
+            </a:solidFill>
+            <a:prstDash val="sysDash"/>
+            <a:tailEnd type="triangle"/>
+          </a:ln>
+        </p:spPr>
+        <p:style>
+          <a:lnRef idx="1">
+            <a:schemeClr val="accent1"/>
+          </a:lnRef>
+          <a:fillRef idx="0">
+            <a:schemeClr val="accent1"/>
+          </a:fillRef>
+          <a:effectRef idx="0">
+            <a:schemeClr val="accent1"/>
+          </a:effectRef>
+          <a:fontRef idx="minor">
+            <a:schemeClr val="tx1"/>
+          </a:fontRef>
+        </p:style>
+      </p:cxnSp>
+      <p:grpSp>
+        <p:nvGrpSpPr>
+          <p:cNvPr id="45" name="그룹 44"/>
+          <p:cNvGrpSpPr/>
+          <p:nvPr/>
+        </p:nvGrpSpPr>
+        <p:grpSpPr>
+          <a:xfrm>
+            <a:off x="9631535" y="2789744"/>
+            <a:ext cx="2197219" cy="1650927"/>
+            <a:chOff x="9621288" y="2336911"/>
+            <a:chExt cx="2570747" cy="1941094"/>
+          </a:xfrm>
+        </p:grpSpPr>
+        <p:sp>
+          <p:nvSpPr>
+            <p:cNvPr id="9" name="육각형[H] 8"/>
+            <p:cNvSpPr/>
+            <p:nvPr/>
+          </p:nvSpPr>
+          <p:spPr>
+            <a:xfrm>
+              <a:off x="9898013" y="2336911"/>
+              <a:ext cx="2294022" cy="1941094"/>
+            </a:xfrm>
+            <a:prstGeom prst="hexagon">
+              <a:avLst/>
+            </a:prstGeom>
+            <a:solidFill>
+              <a:schemeClr val="accent6"/>
+            </a:solidFill>
+          </p:spPr>
+          <p:style>
+            <a:lnRef idx="2">
+              <a:schemeClr val="accent1">
+                <a:shade val="50000"/>
+              </a:schemeClr>
+            </a:lnRef>
+            <a:fillRef idx="1">
+              <a:schemeClr val="accent1"/>
+            </a:fillRef>
+            <a:effectRef idx="0">
+              <a:schemeClr val="accent1"/>
+            </a:effectRef>
+            <a:fontRef idx="minor">
+              <a:schemeClr val="lt1"/>
+            </a:fontRef>
+          </p:style>
+          <p:txBody>
+            <a:bodyPr rtlCol="0" anchor="ctr"/>
+            <a:lstStyle/>
+            <a:p>
+              <a:pPr algn="ctr"/>
+              <a:r>
+                <a:rPr kumimoji="1" lang="en-US" altLang="ko-KR" dirty="0"/>
+                <a:t>customer</a:t>
+              </a:r>
+              <a:endParaRPr kumimoji="1" lang="ko-KR" altLang="en-US" dirty="0"/>
+            </a:p>
+          </p:txBody>
+        </p:sp>
+        <p:sp>
+          <p:nvSpPr>
+            <p:cNvPr id="13" name="육각형[H] 12"/>
+            <p:cNvSpPr/>
+            <p:nvPr/>
+          </p:nvSpPr>
+          <p:spPr>
+            <a:xfrm>
+              <a:off x="10402337" y="2731948"/>
+              <a:ext cx="1285374" cy="1151020"/>
+            </a:xfrm>
+            <a:prstGeom prst="hexagon">
+              <a:avLst/>
+            </a:prstGeom>
+            <a:solidFill>
+              <a:srgbClr val="FFFF00"/>
+            </a:solidFill>
+          </p:spPr>
+          <p:style>
+            <a:lnRef idx="2">
+              <a:schemeClr val="accent1">
+                <a:shade val="50000"/>
+              </a:schemeClr>
+            </a:lnRef>
+            <a:fillRef idx="1">
+              <a:schemeClr val="accent1"/>
+            </a:fillRef>
+            <a:effectRef idx="0">
+              <a:schemeClr val="accent1"/>
+            </a:effectRef>
+            <a:fontRef idx="minor">
+              <a:schemeClr val="lt1"/>
+            </a:fontRef>
+          </p:style>
+          <p:txBody>
+            <a:bodyPr lIns="0" rIns="0" rtlCol="0" anchor="ctr"/>
+            <a:lstStyle/>
+            <a:p>
+              <a:pPr algn="ctr"/>
+              <a:r>
+                <a:rPr kumimoji="1" lang="en-US" altLang="ko-KR" sz="1400" dirty="0">
+                  <a:solidFill>
+                    <a:schemeClr val="tx1"/>
+                  </a:solidFill>
+                </a:rPr>
+                <a:t>customer</a:t>
+              </a:r>
+            </a:p>
+            <a:p>
+              <a:pPr algn="ctr"/>
+              <a:r>
+                <a:rPr kumimoji="1" lang="en-US" altLang="ko-KR" sz="1400" dirty="0">
+                  <a:solidFill>
+                    <a:schemeClr val="tx1"/>
+                  </a:solidFill>
+                </a:rPr>
+                <a:t>(python)</a:t>
+              </a:r>
+              <a:endParaRPr kumimoji="1" lang="ko-KR" altLang="en-US" sz="1400" dirty="0">
+                <a:solidFill>
+                  <a:schemeClr val="tx1"/>
+                </a:solidFill>
+              </a:endParaRPr>
+            </a:p>
+          </p:txBody>
+        </p:sp>
+        <p:sp>
+          <p:nvSpPr>
+            <p:cNvPr id="40" name="직사각형 39"/>
+            <p:cNvSpPr/>
+            <p:nvPr/>
+          </p:nvSpPr>
+          <p:spPr>
+            <a:xfrm>
+              <a:off x="9621288" y="2515941"/>
+              <a:ext cx="1035217" cy="411080"/>
+            </a:xfrm>
+            <a:prstGeom prst="rect">
+              <a:avLst/>
+            </a:prstGeom>
+            <a:solidFill>
+              <a:srgbClr val="D4A2C1"/>
+            </a:solidFill>
+          </p:spPr>
+          <p:style>
+            <a:lnRef idx="2">
+              <a:schemeClr val="accent1">
+                <a:shade val="50000"/>
+              </a:schemeClr>
+            </a:lnRef>
+            <a:fillRef idx="1">
+              <a:schemeClr val="accent1"/>
+            </a:fillRef>
+            <a:effectRef idx="0">
+              <a:schemeClr val="accent1"/>
+            </a:effectRef>
+            <a:fontRef idx="minor">
+              <a:schemeClr val="lt1"/>
+            </a:fontRef>
+          </p:style>
+          <p:txBody>
+            <a:bodyPr rtlCol="0" anchor="ctr"/>
+            <a:lstStyle/>
+            <a:p>
+              <a:pPr algn="ctr"/>
+              <a:r>
+                <a:rPr kumimoji="1" lang="ko-KR" altLang="en-US" sz="1200" dirty="0">
+                  <a:solidFill>
+                    <a:schemeClr val="tx1"/>
+                  </a:solidFill>
+                </a:rPr>
+                <a:t>이벤트 </a:t>
+              </a:r>
+              <a:endParaRPr kumimoji="1" lang="en-US" altLang="ko-KR" sz="1200" dirty="0">
+                <a:solidFill>
+                  <a:schemeClr val="tx1"/>
+                </a:solidFill>
+              </a:endParaRPr>
+            </a:p>
+            <a:p>
+              <a:pPr algn="ctr"/>
+              <a:r>
+                <a:rPr kumimoji="1" lang="ko-KR" altLang="en-US" sz="1200" dirty="0">
+                  <a:solidFill>
+                    <a:schemeClr val="tx1"/>
+                  </a:solidFill>
+                </a:rPr>
+                <a:t>리스너</a:t>
+              </a:r>
+            </a:p>
+          </p:txBody>
+        </p:sp>
+      </p:grpSp>
+      <p:grpSp>
+        <p:nvGrpSpPr>
+          <p:cNvPr id="44" name="그룹 43"/>
+          <p:cNvGrpSpPr/>
+          <p:nvPr/>
+        </p:nvGrpSpPr>
+        <p:grpSpPr>
+          <a:xfrm>
+            <a:off x="6770788" y="2529224"/>
+            <a:ext cx="2484059" cy="1719275"/>
+            <a:chOff x="6635414" y="2117559"/>
+            <a:chExt cx="2986061" cy="1941094"/>
+          </a:xfrm>
+        </p:grpSpPr>
+        <p:sp>
+          <p:nvSpPr>
+            <p:cNvPr id="8" name="육각형[H] 7"/>
+            <p:cNvSpPr/>
+            <p:nvPr/>
+          </p:nvSpPr>
+          <p:spPr>
+            <a:xfrm>
+              <a:off x="6902115" y="2117559"/>
+              <a:ext cx="2294022" cy="1941094"/>
+            </a:xfrm>
+            <a:prstGeom prst="hexagon">
+              <a:avLst/>
+            </a:prstGeom>
+            <a:solidFill>
+              <a:schemeClr val="accent6"/>
+            </a:solidFill>
+          </p:spPr>
+          <p:style>
+            <a:lnRef idx="2">
+              <a:schemeClr val="accent1">
+                <a:shade val="50000"/>
+              </a:schemeClr>
+            </a:lnRef>
+            <a:fillRef idx="1">
+              <a:schemeClr val="accent1"/>
+            </a:fillRef>
+            <a:effectRef idx="0">
+              <a:schemeClr val="accent1"/>
+            </a:effectRef>
+            <a:fontRef idx="minor">
+              <a:schemeClr val="lt1"/>
+            </a:fontRef>
+          </p:style>
+          <p:txBody>
+            <a:bodyPr rtlCol="0" anchor="ctr"/>
+            <a:lstStyle/>
+            <a:p>
+              <a:pPr algn="ctr"/>
+              <a:r>
+                <a:rPr kumimoji="1" lang="en-US" altLang="ko-KR" sz="1400" dirty="0"/>
+                <a:t>store</a:t>
+              </a:r>
+              <a:endParaRPr kumimoji="1" lang="ko-KR" altLang="en-US" sz="1400" dirty="0"/>
+            </a:p>
+          </p:txBody>
+        </p:sp>
+        <p:sp>
+          <p:nvSpPr>
+            <p:cNvPr id="12" name="육각형[H] 11"/>
+            <p:cNvSpPr/>
+            <p:nvPr/>
+          </p:nvSpPr>
+          <p:spPr>
+            <a:xfrm>
+              <a:off x="7420476" y="2512596"/>
+              <a:ext cx="1285374" cy="1151020"/>
+            </a:xfrm>
+            <a:prstGeom prst="hexagon">
+              <a:avLst/>
+            </a:prstGeom>
+            <a:solidFill>
+              <a:srgbClr val="FFFF00"/>
+            </a:solidFill>
+          </p:spPr>
+          <p:style>
+            <a:lnRef idx="2">
+              <a:schemeClr val="accent1">
+                <a:shade val="50000"/>
+              </a:schemeClr>
+            </a:lnRef>
+            <a:fillRef idx="1">
+              <a:schemeClr val="accent1"/>
+            </a:fillRef>
+            <a:effectRef idx="0">
+              <a:schemeClr val="accent1"/>
+            </a:effectRef>
+            <a:fontRef idx="minor">
+              <a:schemeClr val="lt1"/>
+            </a:fontRef>
+          </p:style>
+          <p:txBody>
+            <a:bodyPr rtlCol="0" anchor="ctr"/>
+            <a:lstStyle/>
+            <a:p>
+              <a:pPr algn="ctr"/>
+              <a:r>
+                <a:rPr kumimoji="1" lang="en-US" altLang="ko-KR" sz="1200" dirty="0">
+                  <a:solidFill>
+                    <a:schemeClr val="tx1"/>
+                  </a:solidFill>
+                </a:rPr>
+                <a:t>store</a:t>
+              </a:r>
+            </a:p>
+            <a:p>
+              <a:pPr algn="ctr"/>
+              <a:r>
+                <a:rPr kumimoji="1" lang="en-US" altLang="ko-KR" sz="1200" dirty="0">
+                  <a:solidFill>
+                    <a:schemeClr val="tx1"/>
+                  </a:solidFill>
+                </a:rPr>
+                <a:t>maria</a:t>
+              </a:r>
+              <a:endParaRPr kumimoji="1" lang="ko-KR" altLang="en-US" sz="1200" dirty="0">
+                <a:solidFill>
+                  <a:schemeClr val="tx1"/>
+                </a:solidFill>
+              </a:endParaRPr>
+            </a:p>
+          </p:txBody>
+        </p:sp>
+        <p:sp>
+          <p:nvSpPr>
+            <p:cNvPr id="22" name="직사각형 21"/>
+            <p:cNvSpPr/>
+            <p:nvPr/>
+          </p:nvSpPr>
+          <p:spPr>
+            <a:xfrm>
+              <a:off x="6635414" y="2337257"/>
+              <a:ext cx="1035217" cy="411080"/>
+            </a:xfrm>
+            <a:prstGeom prst="rect">
+              <a:avLst/>
+            </a:prstGeom>
+            <a:solidFill>
+              <a:srgbClr val="D4A2C1"/>
+            </a:solidFill>
+          </p:spPr>
+          <p:style>
+            <a:lnRef idx="2">
+              <a:schemeClr val="accent1">
+                <a:shade val="50000"/>
+              </a:schemeClr>
+            </a:lnRef>
+            <a:fillRef idx="1">
+              <a:schemeClr val="accent1"/>
+            </a:fillRef>
+            <a:effectRef idx="0">
+              <a:schemeClr val="accent1"/>
+            </a:effectRef>
+            <a:fontRef idx="minor">
+              <a:schemeClr val="lt1"/>
+            </a:fontRef>
+          </p:style>
+          <p:txBody>
+            <a:bodyPr rtlCol="0" anchor="ctr"/>
+            <a:lstStyle/>
+            <a:p>
+              <a:pPr algn="ctr"/>
+              <a:r>
+                <a:rPr kumimoji="1" lang="en-US" altLang="ko-KR" sz="1050" dirty="0">
+                  <a:solidFill>
+                    <a:schemeClr val="tx1"/>
+                  </a:solidFill>
+                </a:rPr>
+                <a:t>Kafka Listener</a:t>
+              </a:r>
+            </a:p>
+          </p:txBody>
+        </p:sp>
+        <p:sp>
+          <p:nvSpPr>
+            <p:cNvPr id="41" name="직사각형 40"/>
+            <p:cNvSpPr/>
+            <p:nvPr/>
+          </p:nvSpPr>
+          <p:spPr>
+            <a:xfrm>
+              <a:off x="8586258" y="2739723"/>
+              <a:ext cx="1035217" cy="502193"/>
+            </a:xfrm>
+            <a:prstGeom prst="rect">
+              <a:avLst/>
+            </a:prstGeom>
+            <a:solidFill>
+              <a:srgbClr val="FFC000"/>
+            </a:solidFill>
+          </p:spPr>
+          <p:style>
+            <a:lnRef idx="2">
+              <a:schemeClr val="accent1">
+                <a:shade val="50000"/>
+              </a:schemeClr>
+            </a:lnRef>
+            <a:fillRef idx="1">
+              <a:schemeClr val="accent1"/>
+            </a:fillRef>
+            <a:effectRef idx="0">
+              <a:schemeClr val="accent1"/>
+            </a:effectRef>
+            <a:fontRef idx="minor">
+              <a:schemeClr val="lt1"/>
+            </a:fontRef>
+          </p:style>
+          <p:txBody>
+            <a:bodyPr rtlCol="0" anchor="ctr"/>
+            <a:lstStyle/>
+            <a:p>
+              <a:pPr algn="ctr"/>
+              <a:r>
+                <a:rPr kumimoji="1" lang="en-US" altLang="ko-KR" sz="1050" dirty="0">
+                  <a:solidFill>
+                    <a:schemeClr val="tx1"/>
+                  </a:solidFill>
+                </a:rPr>
+                <a:t>Kafka Publisher</a:t>
+              </a:r>
+              <a:endParaRPr kumimoji="1" lang="ko-KR" altLang="en-US" sz="1050" dirty="0">
+                <a:solidFill>
+                  <a:schemeClr val="tx1"/>
+                </a:solidFill>
+              </a:endParaRPr>
+            </a:p>
+          </p:txBody>
+        </p:sp>
+      </p:grpSp>
+      <p:cxnSp>
+        <p:nvCxnSpPr>
+          <p:cNvPr id="47" name="꺾인 연결선[E] 46"/>
+          <p:cNvCxnSpPr>
+            <a:stCxn id="53" idx="3"/>
+            <a:endCxn id="16" idx="1"/>
+          </p:cNvCxnSpPr>
+          <p:nvPr/>
+        </p:nvCxnSpPr>
+        <p:spPr>
+          <a:xfrm flipV="1">
+            <a:off x="3127585" y="2860841"/>
+            <a:ext cx="377123" cy="1068091"/>
+          </a:xfrm>
+          <a:prstGeom prst="bentConnector3">
+            <a:avLst>
+              <a:gd name="adj1" fmla="val 50000"/>
+            </a:avLst>
+          </a:prstGeom>
+          <a:ln w="28575">
+            <a:solidFill>
+              <a:schemeClr val="tx1"/>
+            </a:solidFill>
+            <a:tailEnd type="triangle"/>
+          </a:ln>
+        </p:spPr>
+        <p:style>
+          <a:lnRef idx="1">
+            <a:schemeClr val="accent1"/>
+          </a:lnRef>
+          <a:fillRef idx="0">
+            <a:schemeClr val="accent1"/>
+          </a:fillRef>
+          <a:effectRef idx="0">
+            <a:schemeClr val="accent1"/>
+          </a:effectRef>
+          <a:fontRef idx="minor">
+            <a:schemeClr val="tx1"/>
+          </a:fontRef>
+        </p:style>
+      </p:cxnSp>
+      <p:sp>
+        <p:nvSpPr>
+          <p:cNvPr id="53" name="직사각형 52"/>
+          <p:cNvSpPr/>
+          <p:nvPr/>
+        </p:nvSpPr>
+        <p:spPr>
+          <a:xfrm>
+            <a:off x="2262658" y="3718910"/>
+            <a:ext cx="864927" cy="420044"/>
+          </a:xfrm>
+          <a:prstGeom prst="rect">
+            <a:avLst/>
+          </a:prstGeom>
+          <a:solidFill>
+            <a:schemeClr val="accent1"/>
+          </a:solidFill>
+        </p:spPr>
+        <p:style>
+          <a:lnRef idx="2">
+            <a:schemeClr val="accent1">
+              <a:shade val="50000"/>
+            </a:schemeClr>
+          </a:lnRef>
+          <a:fillRef idx="1">
+            <a:schemeClr val="accent1"/>
+          </a:fillRef>
+          <a:effectRef idx="0">
+            <a:schemeClr val="accent1"/>
+          </a:effectRef>
+          <a:fontRef idx="minor">
+            <a:schemeClr val="lt1"/>
+          </a:fontRef>
+        </p:style>
+        <p:txBody>
+          <a:bodyPr rtlCol="0" anchor="ctr"/>
+          <a:lstStyle/>
+          <a:p>
+            <a:pPr algn="ctr"/>
+            <a:r>
+              <a:rPr kumimoji="1" lang="en-US" altLang="ko-KR" sz="1000" dirty="0">
+                <a:solidFill>
+                  <a:schemeClr val="tx1"/>
+                </a:solidFill>
+              </a:rPr>
+              <a:t>REST Invoker</a:t>
+            </a:r>
+          </a:p>
+        </p:txBody>
+      </p:sp>
+      <p:cxnSp>
+        <p:nvCxnSpPr>
+          <p:cNvPr id="56" name="직선 화살표 연결선 55"/>
+          <p:cNvCxnSpPr>
+            <a:stCxn id="19" idx="0"/>
+          </p:cNvCxnSpPr>
+          <p:nvPr/>
+        </p:nvCxnSpPr>
+        <p:spPr>
+          <a:xfrm flipH="1" flipV="1">
+            <a:off x="5773036" y="1949213"/>
+            <a:ext cx="4636" cy="1183160"/>
+          </a:xfrm>
+          <a:prstGeom prst="straightConnector1">
+            <a:avLst/>
+          </a:prstGeom>
+          <a:ln w="38100">
+            <a:solidFill>
+              <a:schemeClr val="tx1"/>
+            </a:solidFill>
+            <a:prstDash val="sysDash"/>
+            <a:tailEnd type="triangle"/>
+          </a:ln>
+        </p:spPr>
+        <p:style>
+          <a:lnRef idx="1">
+            <a:schemeClr val="accent1"/>
+          </a:lnRef>
+          <a:fillRef idx="0">
+            <a:schemeClr val="accent1"/>
+          </a:fillRef>
+          <a:effectRef idx="0">
+            <a:schemeClr val="accent1"/>
+          </a:effectRef>
+          <a:fontRef idx="minor">
+            <a:schemeClr val="tx1"/>
+          </a:fontRef>
+        </p:style>
+      </p:cxnSp>
+      <p:cxnSp>
+        <p:nvCxnSpPr>
+          <p:cNvPr id="60" name="직선 화살표 연결선 59"/>
+          <p:cNvCxnSpPr>
+            <a:endCxn id="22" idx="0"/>
+          </p:cNvCxnSpPr>
+          <p:nvPr/>
+        </p:nvCxnSpPr>
+        <p:spPr>
+          <a:xfrm>
+            <a:off x="7182549" y="1931320"/>
+            <a:ext cx="18830" cy="792496"/>
+          </a:xfrm>
+          <a:prstGeom prst="straightConnector1">
+            <a:avLst/>
+          </a:prstGeom>
+          <a:ln w="38100">
+            <a:solidFill>
+              <a:schemeClr val="tx1"/>
+            </a:solidFill>
+            <a:prstDash val="sysDash"/>
+            <a:tailEnd type="triangle"/>
+          </a:ln>
+        </p:spPr>
+        <p:style>
+          <a:lnRef idx="1">
+            <a:schemeClr val="accent1"/>
+          </a:lnRef>
+          <a:fillRef idx="0">
+            <a:schemeClr val="accent1"/>
+          </a:fillRef>
+          <a:effectRef idx="0">
+            <a:schemeClr val="accent1"/>
+          </a:effectRef>
+          <a:fontRef idx="minor">
+            <a:schemeClr val="tx1"/>
+          </a:fontRef>
+        </p:style>
+      </p:cxnSp>
+      <p:cxnSp>
+        <p:nvCxnSpPr>
+          <p:cNvPr id="63" name="직선 화살표 연결선 62"/>
+          <p:cNvCxnSpPr>
+            <a:endCxn id="40" idx="0"/>
+          </p:cNvCxnSpPr>
+          <p:nvPr/>
+        </p:nvCxnSpPr>
+        <p:spPr>
+          <a:xfrm flipH="1">
+            <a:off x="10073936" y="1946153"/>
+            <a:ext cx="2316" cy="995858"/>
+          </a:xfrm>
+          <a:prstGeom prst="straightConnector1">
+            <a:avLst/>
+          </a:prstGeom>
+          <a:ln w="38100">
+            <a:solidFill>
+              <a:schemeClr val="tx1"/>
+            </a:solidFill>
+            <a:prstDash val="sysDash"/>
+            <a:tailEnd type="triangle"/>
+          </a:ln>
+        </p:spPr>
+        <p:style>
+          <a:lnRef idx="1">
+            <a:schemeClr val="accent1"/>
+          </a:lnRef>
+          <a:fillRef idx="0">
+            <a:schemeClr val="accent1"/>
+          </a:fillRef>
+          <a:effectRef idx="0">
+            <a:schemeClr val="accent1"/>
+          </a:effectRef>
+          <a:fontRef idx="minor">
+            <a:schemeClr val="tx1"/>
+          </a:fontRef>
+        </p:style>
+      </p:cxnSp>
+      <p:cxnSp>
+        <p:nvCxnSpPr>
+          <p:cNvPr id="64" name="직선 화살표 연결선 63"/>
+          <p:cNvCxnSpPr>
+            <a:stCxn id="41" idx="0"/>
+          </p:cNvCxnSpPr>
+          <p:nvPr/>
+        </p:nvCxnSpPr>
+        <p:spPr>
+          <a:xfrm flipH="1" flipV="1">
+            <a:off x="8821379" y="1966308"/>
+            <a:ext cx="2878" cy="1113982"/>
+          </a:xfrm>
+          <a:prstGeom prst="straightConnector1">
+            <a:avLst/>
+          </a:prstGeom>
+          <a:ln w="38100">
+            <a:solidFill>
+              <a:schemeClr val="tx1"/>
+            </a:solidFill>
+            <a:prstDash val="sysDash"/>
+            <a:tailEnd type="triangle"/>
+          </a:ln>
+        </p:spPr>
+        <p:style>
+          <a:lnRef idx="1">
+            <a:schemeClr val="accent1"/>
+          </a:lnRef>
+          <a:fillRef idx="0">
+            <a:schemeClr val="accent1"/>
+          </a:fillRef>
+          <a:effectRef idx="0">
+            <a:schemeClr val="accent1"/>
+          </a:effectRef>
+          <a:fontRef idx="minor">
+            <a:schemeClr val="tx1"/>
+          </a:fontRef>
+        </p:style>
+      </p:cxnSp>
+      <p:sp>
+        <p:nvSpPr>
+          <p:cNvPr id="68" name="원통[C] 67"/>
+          <p:cNvSpPr/>
+          <p:nvPr/>
+        </p:nvSpPr>
+        <p:spPr>
+          <a:xfrm>
+            <a:off x="1368088" y="4465700"/>
+            <a:ext cx="996548" cy="449179"/>
+          </a:xfrm>
+          <a:prstGeom prst="can">
+            <a:avLst/>
+          </a:prstGeom>
+        </p:spPr>
+        <p:style>
+          <a:lnRef idx="2">
+            <a:schemeClr val="accent1">
+              <a:shade val="50000"/>
+            </a:schemeClr>
+          </a:lnRef>
+          <a:fillRef idx="1">
+            <a:schemeClr val="accent1"/>
+          </a:fillRef>
+          <a:effectRef idx="0">
+            <a:schemeClr val="accent1"/>
+          </a:effectRef>
+          <a:fontRef idx="minor">
+            <a:schemeClr val="lt1"/>
+          </a:fontRef>
+        </p:style>
+        <p:txBody>
+          <a:bodyPr rtlCol="0" anchor="ctr"/>
+          <a:lstStyle/>
+          <a:p>
+            <a:pPr algn="ctr"/>
+            <a:r>
+              <a:rPr kumimoji="1" lang="en-US" altLang="ko-KR" sz="1200"/>
+              <a:t>mongo</a:t>
+            </a:r>
+            <a:endParaRPr kumimoji="1" lang="ko-KR" altLang="en-US" sz="1200" dirty="0"/>
+          </a:p>
+        </p:txBody>
+      </p:sp>
+      <p:sp>
+        <p:nvSpPr>
+          <p:cNvPr id="69" name="원통[C] 68"/>
+          <p:cNvSpPr/>
+          <p:nvPr/>
+        </p:nvSpPr>
+        <p:spPr>
+          <a:xfrm>
+            <a:off x="4353896" y="4465700"/>
+            <a:ext cx="996548" cy="449179"/>
+          </a:xfrm>
+          <a:prstGeom prst="can">
+            <a:avLst/>
+          </a:prstGeom>
+        </p:spPr>
+        <p:style>
+          <a:lnRef idx="2">
+            <a:schemeClr val="accent1">
+              <a:shade val="50000"/>
+            </a:schemeClr>
+          </a:lnRef>
+          <a:fillRef idx="1">
+            <a:schemeClr val="accent1"/>
+          </a:fillRef>
+          <a:effectRef idx="0">
+            <a:schemeClr val="accent1"/>
+          </a:effectRef>
+          <a:fontRef idx="minor">
+            <a:schemeClr val="lt1"/>
+          </a:fontRef>
+        </p:style>
+        <p:txBody>
+          <a:bodyPr rtlCol="0" anchor="ctr"/>
+          <a:lstStyle/>
+          <a:p>
+            <a:pPr algn="ctr"/>
+            <a:r>
+              <a:rPr kumimoji="1" lang="en-US" altLang="ko-KR" sz="1200" dirty="0"/>
+              <a:t>H2</a:t>
+            </a:r>
+            <a:endParaRPr kumimoji="1" lang="ko-KR" altLang="en-US" sz="1200" dirty="0"/>
+          </a:p>
+        </p:txBody>
+      </p:sp>
+      <p:sp>
+        <p:nvSpPr>
+          <p:cNvPr id="70" name="원통[C] 69"/>
+          <p:cNvSpPr/>
+          <p:nvPr/>
+        </p:nvSpPr>
+        <p:spPr>
+          <a:xfrm>
+            <a:off x="7460236" y="4465700"/>
+            <a:ext cx="996548" cy="449179"/>
+          </a:xfrm>
+          <a:prstGeom prst="can">
+            <a:avLst/>
+          </a:prstGeom>
+        </p:spPr>
+        <p:style>
+          <a:lnRef idx="2">
+            <a:schemeClr val="accent1">
+              <a:shade val="50000"/>
+            </a:schemeClr>
+          </a:lnRef>
+          <a:fillRef idx="1">
+            <a:schemeClr val="accent1"/>
+          </a:fillRef>
+          <a:effectRef idx="0">
+            <a:schemeClr val="accent1"/>
+          </a:effectRef>
+          <a:fontRef idx="minor">
+            <a:schemeClr val="lt1"/>
+          </a:fontRef>
+        </p:style>
+        <p:txBody>
+          <a:bodyPr rtlCol="0" anchor="ctr"/>
+          <a:lstStyle/>
+          <a:p>
+            <a:pPr algn="ctr"/>
+            <a:r>
+              <a:rPr kumimoji="1" lang="en-US" altLang="ko-KR" sz="1600" dirty="0" err="1"/>
+              <a:t>mariadb</a:t>
+            </a:r>
+            <a:endParaRPr kumimoji="1" lang="ko-KR" altLang="en-US" dirty="0"/>
+          </a:p>
+        </p:txBody>
+      </p:sp>
+      <p:sp>
+        <p:nvSpPr>
+          <p:cNvPr id="71" name="직사각형 70"/>
+          <p:cNvSpPr/>
+          <p:nvPr/>
+        </p:nvSpPr>
+        <p:spPr>
+          <a:xfrm>
+            <a:off x="1524002" y="4064239"/>
+            <a:ext cx="686239" cy="259312"/>
+          </a:xfrm>
+          <a:prstGeom prst="rect">
+            <a:avLst/>
+          </a:prstGeom>
+          <a:solidFill>
+            <a:schemeClr val="tx1"/>
+          </a:solidFill>
+        </p:spPr>
+        <p:style>
+          <a:lnRef idx="2">
+            <a:schemeClr val="accent1">
+              <a:shade val="50000"/>
+            </a:schemeClr>
+          </a:lnRef>
+          <a:fillRef idx="1">
+            <a:schemeClr val="accent1"/>
+          </a:fillRef>
+          <a:effectRef idx="0">
+            <a:schemeClr val="accent1"/>
+          </a:effectRef>
+          <a:fontRef idx="minor">
+            <a:schemeClr val="lt1"/>
+          </a:fontRef>
+        </p:style>
+        <p:txBody>
+          <a:bodyPr rtlCol="0" anchor="ctr"/>
+          <a:lstStyle/>
+          <a:p>
+            <a:pPr algn="ctr"/>
+            <a:r>
+              <a:rPr kumimoji="1" lang="en-US" altLang="ko-KR" sz="1000"/>
+              <a:t>JPA</a:t>
+            </a:r>
+            <a:endParaRPr kumimoji="1" lang="ko-KR" altLang="en-US" sz="1000" dirty="0"/>
+          </a:p>
+        </p:txBody>
+      </p:sp>
+      <p:cxnSp>
+        <p:nvCxnSpPr>
+          <p:cNvPr id="72" name="꺾인 연결선[E] 71"/>
+          <p:cNvCxnSpPr>
+            <a:stCxn id="71" idx="2"/>
+            <a:endCxn id="68" idx="0"/>
+          </p:cNvCxnSpPr>
+          <p:nvPr/>
+        </p:nvCxnSpPr>
+        <p:spPr>
+          <a:xfrm rot="5400000">
+            <a:off x="1739520" y="4450393"/>
+            <a:ext cx="254444" cy="760"/>
+          </a:xfrm>
+          <a:prstGeom prst="bentConnector3">
+            <a:avLst>
+              <a:gd name="adj1" fmla="val 50000"/>
+            </a:avLst>
+          </a:prstGeom>
+          <a:ln w="28575">
+            <a:solidFill>
+              <a:schemeClr val="tx1"/>
+            </a:solidFill>
+            <a:tailEnd type="triangle"/>
+          </a:ln>
+        </p:spPr>
+        <p:style>
+          <a:lnRef idx="1">
+            <a:schemeClr val="accent1"/>
+          </a:lnRef>
+          <a:fillRef idx="0">
+            <a:schemeClr val="accent1"/>
+          </a:fillRef>
+          <a:effectRef idx="0">
+            <a:schemeClr val="accent1"/>
+          </a:effectRef>
+          <a:fontRef idx="minor">
+            <a:schemeClr val="tx1"/>
+          </a:fontRef>
+        </p:style>
+      </p:cxnSp>
+      <p:sp>
+        <p:nvSpPr>
+          <p:cNvPr id="75" name="직사각형 74"/>
+          <p:cNvSpPr/>
+          <p:nvPr/>
+        </p:nvSpPr>
+        <p:spPr>
+          <a:xfrm>
+            <a:off x="4515856" y="4056219"/>
+            <a:ext cx="686239" cy="259312"/>
+          </a:xfrm>
+          <a:prstGeom prst="rect">
+            <a:avLst/>
+          </a:prstGeom>
+          <a:solidFill>
+            <a:schemeClr val="tx1"/>
+          </a:solidFill>
+        </p:spPr>
+        <p:style>
+          <a:lnRef idx="2">
+            <a:schemeClr val="accent1">
+              <a:shade val="50000"/>
+            </a:schemeClr>
+          </a:lnRef>
+          <a:fillRef idx="1">
+            <a:schemeClr val="accent1"/>
+          </a:fillRef>
+          <a:effectRef idx="0">
+            <a:schemeClr val="accent1"/>
+          </a:effectRef>
+          <a:fontRef idx="minor">
+            <a:schemeClr val="lt1"/>
+          </a:fontRef>
+        </p:style>
+        <p:txBody>
+          <a:bodyPr rtlCol="0" anchor="ctr"/>
+          <a:lstStyle/>
+          <a:p>
+            <a:pPr algn="ctr"/>
+            <a:r>
+              <a:rPr kumimoji="1" lang="en-US" altLang="ko-KR" sz="1000"/>
+              <a:t>JPA</a:t>
+            </a:r>
+            <a:endParaRPr kumimoji="1" lang="ko-KR" altLang="en-US" sz="1000" dirty="0"/>
+          </a:p>
+        </p:txBody>
+      </p:sp>
+      <p:cxnSp>
+        <p:nvCxnSpPr>
+          <p:cNvPr id="76" name="꺾인 연결선[E] 75"/>
+          <p:cNvCxnSpPr/>
+          <p:nvPr/>
+        </p:nvCxnSpPr>
+        <p:spPr>
+          <a:xfrm rot="5400000">
+            <a:off x="4731374" y="4442373"/>
+            <a:ext cx="254444" cy="760"/>
+          </a:xfrm>
+          <a:prstGeom prst="bentConnector3">
+            <a:avLst>
+              <a:gd name="adj1" fmla="val 50000"/>
+            </a:avLst>
+          </a:prstGeom>
+          <a:ln w="28575">
+            <a:solidFill>
+              <a:schemeClr val="tx1"/>
+            </a:solidFill>
+            <a:tailEnd type="triangle"/>
+          </a:ln>
+        </p:spPr>
+        <p:style>
+          <a:lnRef idx="1">
+            <a:schemeClr val="accent1"/>
+          </a:lnRef>
+          <a:fillRef idx="0">
+            <a:schemeClr val="accent1"/>
+          </a:fillRef>
+          <a:effectRef idx="0">
+            <a:schemeClr val="accent1"/>
+          </a:effectRef>
+          <a:fontRef idx="minor">
+            <a:schemeClr val="tx1"/>
+          </a:fontRef>
+        </p:style>
+      </p:cxnSp>
+      <p:sp>
+        <p:nvSpPr>
+          <p:cNvPr id="78" name="직사각형 77"/>
+          <p:cNvSpPr/>
+          <p:nvPr/>
+        </p:nvSpPr>
+        <p:spPr>
+          <a:xfrm>
+            <a:off x="7644062" y="4024135"/>
+            <a:ext cx="686239" cy="259312"/>
+          </a:xfrm>
+          <a:prstGeom prst="rect">
+            <a:avLst/>
+          </a:prstGeom>
+          <a:solidFill>
+            <a:schemeClr val="tx1"/>
+          </a:solidFill>
+        </p:spPr>
+        <p:style>
+          <a:lnRef idx="2">
+            <a:schemeClr val="accent1">
+              <a:shade val="50000"/>
+            </a:schemeClr>
+          </a:lnRef>
+          <a:fillRef idx="1">
+            <a:schemeClr val="accent1"/>
+          </a:fillRef>
+          <a:effectRef idx="0">
+            <a:schemeClr val="accent1"/>
+          </a:effectRef>
+          <a:fontRef idx="minor">
+            <a:schemeClr val="lt1"/>
+          </a:fontRef>
+        </p:style>
+        <p:txBody>
+          <a:bodyPr rtlCol="0" anchor="ctr"/>
+          <a:lstStyle/>
+          <a:p>
+            <a:pPr algn="ctr"/>
+            <a:r>
+              <a:rPr kumimoji="1" lang="en-US" altLang="ko-KR" sz="1000"/>
+              <a:t>JPA</a:t>
+            </a:r>
+            <a:endParaRPr kumimoji="1" lang="ko-KR" altLang="en-US" sz="1000" dirty="0"/>
+          </a:p>
+        </p:txBody>
+      </p:sp>
+      <p:cxnSp>
+        <p:nvCxnSpPr>
+          <p:cNvPr id="79" name="꺾인 연결선[E] 78"/>
+          <p:cNvCxnSpPr/>
+          <p:nvPr/>
+        </p:nvCxnSpPr>
+        <p:spPr>
+          <a:xfrm rot="5400000">
+            <a:off x="7859580" y="4410289"/>
+            <a:ext cx="254444" cy="760"/>
+          </a:xfrm>
+          <a:prstGeom prst="bentConnector3">
+            <a:avLst>
+              <a:gd name="adj1" fmla="val 50000"/>
+            </a:avLst>
+          </a:prstGeom>
+          <a:ln w="28575">
+            <a:solidFill>
+              <a:schemeClr val="tx1"/>
+            </a:solidFill>
+            <a:tailEnd type="triangle"/>
+          </a:ln>
+        </p:spPr>
+        <p:style>
+          <a:lnRef idx="1">
+            <a:schemeClr val="accent1"/>
+          </a:lnRef>
+          <a:fillRef idx="0">
+            <a:schemeClr val="accent1"/>
+          </a:fillRef>
+          <a:effectRef idx="0">
+            <a:schemeClr val="accent1"/>
+          </a:effectRef>
+          <a:fontRef idx="minor">
+            <a:schemeClr val="tx1"/>
+          </a:fontRef>
+        </p:style>
+      </p:cxnSp>
     </p:spTree>
     <p:extLst>
       <p:ext uri="{BB962C8B-B14F-4D97-AF65-F5344CB8AC3E}">
-        <p14:creationId xmlns:p14="http://schemas.microsoft.com/office/powerpoint/2010/main" val="851915668"/>
+        <p14:creationId xmlns:p14="http://schemas.microsoft.com/office/powerpoint/2010/main" val="764818281"/>
       </p:ext>
     </p:extLst>
   </p:cSld>
@@ -15654,10 +17115,9 @@
           <a:lstStyle/>
           <a:p>
             <a:r>
-              <a:rPr kumimoji="1" lang="ko-KR" altLang="en-US" dirty="0" smtClean="0"/>
+              <a:rPr kumimoji="1" lang="ko-KR" altLang="en-US" dirty="0"/>
               <a:t>시나리오</a:t>
             </a:r>
-            <a:endParaRPr kumimoji="1" lang="ko-KR" altLang="en-US" dirty="0"/>
           </a:p>
         </p:txBody>
       </p:sp>
@@ -15681,10 +17141,10 @@
               <a:buAutoNum type="arabicPeriod"/>
             </a:pPr>
             <a:r>
-              <a:rPr kumimoji="1" lang="ko-KR" altLang="en-US" dirty="0" smtClean="0"/>
+              <a:rPr kumimoji="1" lang="ko-KR" altLang="en-US" dirty="0"/>
               <a:t>고객이 메뉴를 선택하여 주문한다</a:t>
             </a:r>
-            <a:endParaRPr kumimoji="1" lang="en-US" altLang="ko-KR" dirty="0" smtClean="0"/>
+            <a:endParaRPr kumimoji="1" lang="en-US" altLang="ko-KR" dirty="0"/>
           </a:p>
           <a:p>
             <a:pPr marL="514350" indent="-514350">
@@ -15692,10 +17152,10 @@
               <a:buAutoNum type="arabicPeriod"/>
             </a:pPr>
             <a:r>
-              <a:rPr kumimoji="1" lang="ko-KR" altLang="en-US" dirty="0" smtClean="0"/>
+              <a:rPr kumimoji="1" lang="ko-KR" altLang="en-US" dirty="0"/>
               <a:t>고객이 결제한다</a:t>
             </a:r>
-            <a:endParaRPr kumimoji="1" lang="en-US" altLang="ko-KR" dirty="0" smtClean="0"/>
+            <a:endParaRPr kumimoji="1" lang="en-US" altLang="ko-KR" dirty="0"/>
           </a:p>
           <a:p>
             <a:pPr marL="514350" indent="-514350">
@@ -15703,10 +17163,10 @@
               <a:buAutoNum type="arabicPeriod"/>
             </a:pPr>
             <a:r>
-              <a:rPr kumimoji="1" lang="ko-KR" altLang="en-US" dirty="0" smtClean="0"/>
+              <a:rPr kumimoji="1" lang="ko-KR" altLang="en-US" dirty="0"/>
               <a:t>주문이 되면 주문 내역이 입점상점주인에게 전달된다</a:t>
             </a:r>
-            <a:endParaRPr kumimoji="1" lang="en-US" altLang="ko-KR" dirty="0" smtClean="0"/>
+            <a:endParaRPr kumimoji="1" lang="en-US" altLang="ko-KR" dirty="0"/>
           </a:p>
           <a:p>
             <a:pPr marL="514350" indent="-514350">
@@ -15714,10 +17174,10 @@
               <a:buAutoNum type="arabicPeriod"/>
             </a:pPr>
             <a:r>
-              <a:rPr kumimoji="1" lang="ko-KR" altLang="en-US" dirty="0" smtClean="0"/>
+              <a:rPr kumimoji="1" lang="ko-KR" altLang="en-US" dirty="0"/>
               <a:t>상점주인이 확인하여 요리해서 배달 출발한다</a:t>
             </a:r>
-            <a:endParaRPr kumimoji="1" lang="en-US" altLang="ko-KR" dirty="0" smtClean="0"/>
+            <a:endParaRPr kumimoji="1" lang="en-US" altLang="ko-KR" dirty="0"/>
           </a:p>
           <a:p>
             <a:pPr marL="514350" indent="-514350">
@@ -15725,10 +17185,10 @@
               <a:buAutoNum type="arabicPeriod"/>
             </a:pPr>
             <a:r>
-              <a:rPr kumimoji="1" lang="ko-KR" altLang="en-US" dirty="0" smtClean="0"/>
+              <a:rPr kumimoji="1" lang="ko-KR" altLang="en-US" dirty="0"/>
               <a:t>고객이 주문을 취소할 수 있다</a:t>
             </a:r>
-            <a:endParaRPr kumimoji="1" lang="en-US" altLang="ko-KR" dirty="0" smtClean="0"/>
+            <a:endParaRPr kumimoji="1" lang="en-US" altLang="ko-KR" dirty="0"/>
           </a:p>
           <a:p>
             <a:pPr marL="514350" indent="-514350">
@@ -15736,10 +17196,10 @@
               <a:buAutoNum type="arabicPeriod"/>
             </a:pPr>
             <a:r>
-              <a:rPr kumimoji="1" lang="ko-KR" altLang="en-US" dirty="0" smtClean="0"/>
+              <a:rPr kumimoji="1" lang="ko-KR" altLang="en-US" dirty="0"/>
               <a:t>주문이 취소되면 배달이 취소된다</a:t>
             </a:r>
-            <a:endParaRPr kumimoji="1" lang="en-US" altLang="ko-KR" dirty="0" smtClean="0"/>
+            <a:endParaRPr kumimoji="1" lang="en-US" altLang="ko-KR" dirty="0"/>
           </a:p>
           <a:p>
             <a:pPr marL="514350" indent="-514350">
@@ -15747,10 +17207,10 @@
               <a:buAutoNum type="arabicPeriod"/>
             </a:pPr>
             <a:r>
-              <a:rPr kumimoji="1" lang="ko-KR" altLang="en-US" dirty="0" smtClean="0"/>
+              <a:rPr kumimoji="1" lang="ko-KR" altLang="en-US" dirty="0"/>
               <a:t>고객이 주문상태를 중간중간 조회한다</a:t>
             </a:r>
-            <a:endParaRPr kumimoji="1" lang="en-US" altLang="ko-KR" dirty="0" smtClean="0"/>
+            <a:endParaRPr kumimoji="1" lang="en-US" altLang="ko-KR" dirty="0"/>
           </a:p>
           <a:p>
             <a:pPr marL="514350" indent="-514350">
@@ -15758,17 +17218,17 @@
               <a:buAutoNum type="arabicPeriod"/>
             </a:pPr>
             <a:r>
-              <a:rPr kumimoji="1" lang="ko-KR" altLang="en-US" dirty="0" smtClean="0"/>
+              <a:rPr kumimoji="1" lang="ko-KR" altLang="en-US" dirty="0"/>
               <a:t>주문상태가 바뀔 때 마다 카톡으로 알림을 보낸다</a:t>
             </a:r>
-            <a:endParaRPr kumimoji="1" lang="en-US" altLang="ko-KR" dirty="0" smtClean="0"/>
+            <a:endParaRPr kumimoji="1" lang="en-US" altLang="ko-KR" dirty="0"/>
           </a:p>
           <a:p>
             <a:pPr marL="514350" indent="-514350">
               <a:buFont typeface="+mj-lt"/>
               <a:buAutoNum type="arabicPeriod"/>
             </a:pPr>
-            <a:endParaRPr kumimoji="1" lang="en-US" altLang="ko-KR" dirty="0" smtClean="0"/>
+            <a:endParaRPr kumimoji="1" lang="en-US" altLang="ko-KR" dirty="0"/>
           </a:p>
         </p:txBody>
       </p:sp>
@@ -15786,6 +17246,77 @@
 </file>
 
 <file path=ppt/slides/slide20.xml><?xml version="1.0" encoding="utf-8"?>
+<p:sld xmlns:a="http://schemas.openxmlformats.org/drawingml/2006/main" xmlns:r="http://schemas.openxmlformats.org/officeDocument/2006/relationships" xmlns:p="http://schemas.openxmlformats.org/presentationml/2006/main">
+  <p:cSld>
+    <p:spTree>
+      <p:nvGrpSpPr>
+        <p:cNvPr id="1" name=""/>
+        <p:cNvGrpSpPr/>
+        <p:nvPr/>
+      </p:nvGrpSpPr>
+      <p:grpSpPr>
+        <a:xfrm>
+          <a:off x="0" y="0"/>
+          <a:ext cx="0" cy="0"/>
+          <a:chOff x="0" y="0"/>
+          <a:chExt cx="0" cy="0"/>
+        </a:xfrm>
+      </p:grpSpPr>
+      <p:sp>
+        <p:nvSpPr>
+          <p:cNvPr id="4" name="제목 3"/>
+          <p:cNvSpPr>
+            <a:spLocks noGrp="1"/>
+          </p:cNvSpPr>
+          <p:nvPr>
+            <p:ph type="ctrTitle"/>
+          </p:nvPr>
+        </p:nvSpPr>
+        <p:spPr/>
+        <p:txBody>
+          <a:bodyPr/>
+          <a:lstStyle/>
+          <a:p>
+            <a:r>
+              <a:rPr kumimoji="1" lang="ko-KR" altLang="en-US" dirty="0"/>
+              <a:t>구현</a:t>
+            </a:r>
+          </a:p>
+        </p:txBody>
+      </p:sp>
+      <p:sp>
+        <p:nvSpPr>
+          <p:cNvPr id="5" name="부제 4"/>
+          <p:cNvSpPr>
+            <a:spLocks noGrp="1"/>
+          </p:cNvSpPr>
+          <p:nvPr>
+            <p:ph type="subTitle" idx="1"/>
+          </p:nvPr>
+        </p:nvSpPr>
+        <p:spPr/>
+        <p:txBody>
+          <a:bodyPr/>
+          <a:lstStyle/>
+          <a:p>
+            <a:endParaRPr kumimoji="1" lang="ko-KR" altLang="en-US" dirty="0"/>
+          </a:p>
+        </p:txBody>
+      </p:sp>
+    </p:spTree>
+    <p:extLst>
+      <p:ext uri="{BB962C8B-B14F-4D97-AF65-F5344CB8AC3E}">
+        <p14:creationId xmlns:p14="http://schemas.microsoft.com/office/powerpoint/2010/main" val="851915668"/>
+      </p:ext>
+    </p:extLst>
+  </p:cSld>
+  <p:clrMapOvr>
+    <a:masterClrMapping/>
+  </p:clrMapOvr>
+</p:sld>
+</file>
+
+<file path=ppt/slides/slide21.xml><?xml version="1.0" encoding="utf-8"?>
 <p:sld xmlns:a="http://schemas.openxmlformats.org/drawingml/2006/main" xmlns:r="http://schemas.openxmlformats.org/officeDocument/2006/relationships" xmlns:p="http://schemas.openxmlformats.org/presentationml/2006/main">
   <p:cSld>
     <p:spTree>
@@ -15845,18 +17376,17 @@
           <a:p>
             <a:pPr algn="l"/>
             <a:r>
-              <a:rPr kumimoji="1" lang="ko-KR" altLang="en-US" dirty="0" smtClean="0"/>
+              <a:rPr kumimoji="1" lang="ko-KR" altLang="en-US" dirty="0"/>
               <a:t>구현</a:t>
             </a:r>
             <a:r>
-              <a:rPr kumimoji="1" lang="en-US" altLang="ko-KR" dirty="0" smtClean="0"/>
+              <a:rPr kumimoji="1" lang="en-US" altLang="ko-KR" dirty="0"/>
               <a:t>:</a:t>
             </a:r>
             <a:r>
-              <a:rPr kumimoji="1" lang="ko-KR" altLang="en-US" dirty="0" smtClean="0"/>
+              <a:rPr kumimoji="1" lang="ko-KR" altLang="en-US" dirty="0"/>
               <a:t> 장애의 격리</a:t>
             </a:r>
-            <a:endParaRPr kumimoji="1" lang="ko-KR" altLang="en-US" dirty="0"/>
           </a:p>
         </p:txBody>
       </p:sp>
@@ -15873,7 +17403,7 @@
 </p:sld>
 </file>
 
-<file path=ppt/slides/slide21.xml><?xml version="1.0" encoding="utf-8"?>
+<file path=ppt/slides/slide22.xml><?xml version="1.0" encoding="utf-8"?>
 <p:sld xmlns:a="http://schemas.openxmlformats.org/drawingml/2006/main" xmlns:r="http://schemas.openxmlformats.org/officeDocument/2006/relationships" xmlns:p="http://schemas.openxmlformats.org/presentationml/2006/main">
   <p:cSld>
     <p:spTree>
@@ -15906,10 +17436,9 @@
           <a:lstStyle/>
           <a:p>
             <a:r>
-              <a:rPr kumimoji="1" lang="ko-KR" altLang="en-US" dirty="0" smtClean="0"/>
+              <a:rPr kumimoji="1" lang="ko-KR" altLang="en-US" dirty="0"/>
               <a:t>지속적 개선</a:t>
             </a:r>
-            <a:endParaRPr kumimoji="1" lang="ko-KR" altLang="en-US" dirty="0"/>
           </a:p>
         </p:txBody>
       </p:sp>
@@ -15929,10 +17458,9 @@
           <a:lstStyle/>
           <a:p>
             <a:r>
-              <a:rPr kumimoji="1" lang="ko-KR" altLang="en-US" dirty="0" smtClean="0"/>
+              <a:rPr kumimoji="1" lang="ko-KR" altLang="en-US" dirty="0"/>
               <a:t>간섭없는 개발 조직의 추가</a:t>
             </a:r>
-            <a:endParaRPr kumimoji="1" lang="ko-KR" altLang="en-US" dirty="0"/>
           </a:p>
         </p:txBody>
       </p:sp>
@@ -15949,7 +17477,7 @@
 </p:sld>
 </file>
 
-<file path=ppt/slides/slide22.xml><?xml version="1.0" encoding="utf-8"?>
+<file path=ppt/slides/slide23.xml><?xml version="1.0" encoding="utf-8"?>
 <p:sld xmlns:a="http://schemas.openxmlformats.org/drawingml/2006/main" xmlns:r="http://schemas.openxmlformats.org/officeDocument/2006/relationships" xmlns:p="http://schemas.openxmlformats.org/presentationml/2006/main">
   <p:cSld>
     <p:spTree>
@@ -16009,14 +17537,13 @@
           <a:p>
             <a:pPr algn="l"/>
             <a:r>
-              <a:rPr kumimoji="1" lang="ko-KR" altLang="en-US" smtClean="0"/>
+              <a:rPr kumimoji="1" lang="ko-KR" altLang="en-US"/>
               <a:t>마케팅팀의 </a:t>
             </a:r>
             <a:r>
-              <a:rPr kumimoji="1" lang="ko-KR" altLang="en-US" dirty="0" smtClean="0"/>
+              <a:rPr kumimoji="1" lang="ko-KR" altLang="en-US" dirty="0"/>
               <a:t>추가 </a:t>
             </a:r>
-            <a:endParaRPr kumimoji="1" lang="ko-KR" altLang="en-US" dirty="0"/>
           </a:p>
         </p:txBody>
       </p:sp>
@@ -16057,10 +17584,9 @@
           <a:p>
             <a:pPr algn="ctr"/>
             <a:r>
-              <a:rPr kumimoji="1" lang="ko-KR" altLang="en-US" dirty="0" smtClean="0"/>
+              <a:rPr kumimoji="1" lang="ko-KR" altLang="en-US" dirty="0"/>
               <a:t>마케팅팀</a:t>
             </a:r>
-            <a:endParaRPr kumimoji="1" lang="ko-KR" altLang="en-US" dirty="0"/>
           </a:p>
         </p:txBody>
       </p:sp>
@@ -16107,7 +17633,7 @@
           <a:p>
             <a:pPr algn="ctr"/>
             <a:r>
-              <a:rPr kumimoji="1" lang="ko-KR" altLang="en-US" smtClean="0">
+              <a:rPr kumimoji="1" lang="ko-KR" altLang="en-US">
                 <a:solidFill>
                   <a:schemeClr val="accent1">
                     <a:lumMod val="75000"/>
@@ -16169,7 +17695,7 @@
           <a:p>
             <a:pPr algn="ctr"/>
             <a:r>
-              <a:rPr kumimoji="1" lang="ko-KR" altLang="en-US" dirty="0" smtClean="0">
+              <a:rPr kumimoji="1" lang="ko-KR" altLang="en-US" dirty="0">
                 <a:solidFill>
                   <a:schemeClr val="accent1">
                     <a:lumMod val="75000"/>
@@ -16178,13 +17704,6 @@
               </a:rPr>
               <a:t>주문결제팀</a:t>
             </a:r>
-            <a:endParaRPr kumimoji="1" lang="ko-KR" altLang="en-US" dirty="0">
-              <a:solidFill>
-                <a:schemeClr val="accent1">
-                  <a:lumMod val="75000"/>
-                </a:schemeClr>
-              </a:solidFill>
-            </a:endParaRPr>
           </a:p>
         </p:txBody>
       </p:sp>
@@ -16211,7 +17730,7 @@
           <a:lstStyle/>
           <a:p>
             <a:r>
-              <a:rPr kumimoji="1" lang="en-US" altLang="ko-KR" smtClean="0"/>
+              <a:rPr kumimoji="1" lang="en-US" altLang="ko-KR"/>
               <a:t>CEO</a:t>
             </a:r>
             <a:endParaRPr kumimoji="1" lang="ko-KR" altLang="en-US" dirty="0"/>
@@ -16269,7 +17788,7 @@
             <a:lstStyle/>
             <a:p>
               <a:r>
-                <a:rPr kumimoji="1" lang="en-US" altLang="ko-KR" dirty="0" smtClean="0">
+                <a:rPr kumimoji="1" lang="en-US" altLang="ko-KR" dirty="0">
                   <a:solidFill>
                     <a:schemeClr val="accent1">
                       <a:lumMod val="75000"/>
@@ -16325,7 +17844,7 @@
             <a:lstStyle/>
             <a:p>
               <a:r>
-                <a:rPr kumimoji="1" lang="en-US" altLang="ko-KR" dirty="0" smtClean="0">
+                <a:rPr kumimoji="1" lang="en-US" altLang="ko-KR" dirty="0">
                   <a:solidFill>
                     <a:schemeClr val="accent1">
                       <a:lumMod val="75000"/>
@@ -16381,7 +17900,7 @@
             <a:lstStyle/>
             <a:p>
               <a:r>
-                <a:rPr kumimoji="1" lang="en-US" altLang="ko-KR" dirty="0" smtClean="0">
+                <a:rPr kumimoji="1" lang="en-US" altLang="ko-KR" dirty="0">
                   <a:solidFill>
                     <a:schemeClr val="accent1">
                       <a:lumMod val="75000"/>
@@ -16725,7 +18244,7 @@
             <a:lstStyle/>
             <a:p>
               <a:r>
-                <a:rPr kumimoji="1" lang="en-US" altLang="ko-KR" dirty="0" smtClean="0">
+                <a:rPr kumimoji="1" lang="en-US" altLang="ko-KR" dirty="0">
                   <a:solidFill>
                     <a:schemeClr val="accent1">
                       <a:lumMod val="75000"/>
@@ -16792,7 +18311,7 @@
           <a:lstStyle/>
           <a:p>
             <a:r>
-              <a:rPr kumimoji="1" lang="en-US" altLang="ko-KR" dirty="0" smtClean="0"/>
+              <a:rPr kumimoji="1" lang="en-US" altLang="ko-KR" dirty="0"/>
               <a:t>CTO</a:t>
             </a:r>
             <a:endParaRPr kumimoji="1" lang="ko-KR" altLang="en-US" dirty="0"/>
@@ -16860,14 +18379,13 @@
           <a:p>
             <a:pPr algn="ctr"/>
             <a:r>
-              <a:rPr kumimoji="1" lang="en-US" altLang="ko-KR" dirty="0" smtClean="0"/>
+              <a:rPr kumimoji="1" lang="en-US" altLang="ko-KR" dirty="0"/>
               <a:t>KPI: </a:t>
             </a:r>
             <a:r>
-              <a:rPr kumimoji="1" lang="ko-KR" altLang="en-US" dirty="0" smtClean="0"/>
+              <a:rPr kumimoji="1" lang="ko-KR" altLang="en-US" dirty="0"/>
               <a:t>신규고객유입률</a:t>
             </a:r>
-            <a:endParaRPr kumimoji="1" lang="ko-KR" altLang="en-US" dirty="0"/>
           </a:p>
         </p:txBody>
       </p:sp>
@@ -16875,97 +18393,6 @@
     <p:extLst>
       <p:ext uri="{BB962C8B-B14F-4D97-AF65-F5344CB8AC3E}">
         <p14:creationId xmlns:p14="http://schemas.microsoft.com/office/powerpoint/2010/main" val="5846053"/>
-      </p:ext>
-    </p:extLst>
-  </p:cSld>
-  <p:clrMapOvr>
-    <a:masterClrMapping/>
-  </p:clrMapOvr>
-</p:sld>
-</file>
-
-<file path=ppt/slides/slide23.xml><?xml version="1.0" encoding="utf-8"?>
-<p:sld xmlns:a="http://schemas.openxmlformats.org/drawingml/2006/main" xmlns:r="http://schemas.openxmlformats.org/officeDocument/2006/relationships" xmlns:p="http://schemas.openxmlformats.org/presentationml/2006/main">
-  <p:cSld>
-    <p:spTree>
-      <p:nvGrpSpPr>
-        <p:cNvPr id="1" name=""/>
-        <p:cNvGrpSpPr/>
-        <p:nvPr/>
-      </p:nvGrpSpPr>
-      <p:grpSpPr>
-        <a:xfrm>
-          <a:off x="0" y="0"/>
-          <a:ext cx="0" cy="0"/>
-          <a:chOff x="0" y="0"/>
-          <a:chExt cx="0" cy="0"/>
-        </a:xfrm>
-      </p:grpSpPr>
-      <p:sp>
-        <p:nvSpPr>
-          <p:cNvPr id="2" name="제목 1"/>
-          <p:cNvSpPr>
-            <a:spLocks noGrp="1"/>
-          </p:cNvSpPr>
-          <p:nvPr>
-            <p:ph type="title"/>
-          </p:nvPr>
-        </p:nvSpPr>
-        <p:spPr/>
-        <p:txBody>
-          <a:bodyPr/>
-          <a:lstStyle/>
-          <a:p>
-            <a:r>
-              <a:rPr kumimoji="1" lang="ko-KR" altLang="en-US" dirty="0" smtClean="0"/>
-              <a:t>시나리오 </a:t>
-            </a:r>
-            <a:r>
-              <a:rPr kumimoji="1" lang="en-US" altLang="ko-KR" dirty="0" smtClean="0"/>
-              <a:t>–</a:t>
-            </a:r>
-            <a:r>
-              <a:rPr kumimoji="1" lang="ko-KR" altLang="en-US" dirty="0" smtClean="0"/>
-              <a:t> 마케팅 팀</a:t>
-            </a:r>
-            <a:endParaRPr kumimoji="1" lang="ko-KR" altLang="en-US" dirty="0"/>
-          </a:p>
-        </p:txBody>
-      </p:sp>
-      <p:sp>
-        <p:nvSpPr>
-          <p:cNvPr id="3" name="내용 개체 틀 2"/>
-          <p:cNvSpPr>
-            <a:spLocks noGrp="1"/>
-          </p:cNvSpPr>
-          <p:nvPr>
-            <p:ph idx="1"/>
-          </p:nvPr>
-        </p:nvSpPr>
-        <p:spPr/>
-        <p:txBody>
-          <a:bodyPr/>
-          <a:lstStyle/>
-          <a:p>
-            <a:r>
-              <a:rPr kumimoji="1" lang="ko-KR" altLang="en-US" dirty="0" smtClean="0"/>
-              <a:t>우수고객에게 쿠폰을 발행한다</a:t>
-            </a:r>
-            <a:endParaRPr kumimoji="1" lang="en-US" altLang="ko-KR" dirty="0" smtClean="0"/>
-          </a:p>
-          <a:p>
-            <a:r>
-              <a:rPr kumimoji="1" lang="ko-KR" altLang="en-US" dirty="0" smtClean="0"/>
-              <a:t>자주 주문하는 상품에 대한 유사 제품을 홍보한다</a:t>
-            </a:r>
-            <a:endParaRPr kumimoji="1" lang="en-US" altLang="ko-KR" dirty="0" smtClean="0"/>
-          </a:p>
-        </p:txBody>
-      </p:sp>
-    </p:spTree>
-    <p:extLst>
-      <p:ext uri="{BB962C8B-B14F-4D97-AF65-F5344CB8AC3E}">
-        <p14:creationId xmlns:p14="http://schemas.microsoft.com/office/powerpoint/2010/main" val="2104583519"/>
       </p:ext>
     </p:extLst>
   </p:cSld>
@@ -17007,7 +18434,18 @@
           <a:bodyPr/>
           <a:lstStyle/>
           <a:p>
-            <a:endParaRPr kumimoji="1" lang="ko-KR" altLang="en-US"/>
+            <a:r>
+              <a:rPr kumimoji="1" lang="ko-KR" altLang="en-US" dirty="0"/>
+              <a:t>시나리오 </a:t>
+            </a:r>
+            <a:r>
+              <a:rPr kumimoji="1" lang="en-US" altLang="ko-KR" dirty="0"/>
+              <a:t>–</a:t>
+            </a:r>
+            <a:r>
+              <a:rPr kumimoji="1" lang="ko-KR" altLang="en-US" dirty="0"/>
+              <a:t> 마케팅 팀</a:t>
+            </a:r>
           </a:p>
         </p:txBody>
       </p:sp>
@@ -17026,38 +18464,25 @@
           <a:bodyPr/>
           <a:lstStyle/>
           <a:p>
-            <a:endParaRPr kumimoji="1" lang="ko-KR" altLang="en-US"/>
+            <a:r>
+              <a:rPr kumimoji="1" lang="ko-KR" altLang="en-US" dirty="0"/>
+              <a:t>우수고객에게 쿠폰을 발행한다</a:t>
+            </a:r>
+            <a:endParaRPr kumimoji="1" lang="en-US" altLang="ko-KR" dirty="0"/>
+          </a:p>
+          <a:p>
+            <a:r>
+              <a:rPr kumimoji="1" lang="ko-KR" altLang="en-US" dirty="0"/>
+              <a:t>자주 주문하는 상품에 대한 유사 제품을 홍보한다</a:t>
+            </a:r>
+            <a:endParaRPr kumimoji="1" lang="en-US" altLang="ko-KR" dirty="0"/>
           </a:p>
         </p:txBody>
       </p:sp>
-      <p:pic>
-        <p:nvPicPr>
-          <p:cNvPr id="4" name="그림 3"/>
-          <p:cNvPicPr>
-            <a:picLocks noChangeAspect="1"/>
-          </p:cNvPicPr>
-          <p:nvPr/>
-        </p:nvPicPr>
-        <p:blipFill>
-          <a:blip r:embed="rId2"/>
-          <a:stretch>
-            <a:fillRect/>
-          </a:stretch>
-        </p:blipFill>
-        <p:spPr>
-          <a:xfrm>
-            <a:off x="576563" y="0"/>
-            <a:ext cx="11038874" cy="6858000"/>
-          </a:xfrm>
-          <a:prstGeom prst="rect">
-            <a:avLst/>
-          </a:prstGeom>
-        </p:spPr>
-      </p:pic>
     </p:spTree>
     <p:extLst>
       <p:ext uri="{BB962C8B-B14F-4D97-AF65-F5344CB8AC3E}">
-        <p14:creationId xmlns:p14="http://schemas.microsoft.com/office/powerpoint/2010/main" val="980054822"/>
+        <p14:creationId xmlns:p14="http://schemas.microsoft.com/office/powerpoint/2010/main" val="2104583519"/>
       </p:ext>
     </p:extLst>
   </p:cSld>
@@ -17099,11 +18524,102 @@
           <a:bodyPr/>
           <a:lstStyle/>
           <a:p>
-            <a:r>
-              <a:rPr kumimoji="1" lang="ko-KR" altLang="en-US" dirty="0" smtClean="0"/>
+            <a:endParaRPr kumimoji="1" lang="ko-KR" altLang="en-US"/>
+          </a:p>
+        </p:txBody>
+      </p:sp>
+      <p:sp>
+        <p:nvSpPr>
+          <p:cNvPr id="3" name="내용 개체 틀 2"/>
+          <p:cNvSpPr>
+            <a:spLocks noGrp="1"/>
+          </p:cNvSpPr>
+          <p:nvPr>
+            <p:ph idx="1"/>
+          </p:nvPr>
+        </p:nvSpPr>
+        <p:spPr/>
+        <p:txBody>
+          <a:bodyPr/>
+          <a:lstStyle/>
+          <a:p>
+            <a:endParaRPr kumimoji="1" lang="ko-KR" altLang="en-US"/>
+          </a:p>
+        </p:txBody>
+      </p:sp>
+      <p:pic>
+        <p:nvPicPr>
+          <p:cNvPr id="4" name="그림 3"/>
+          <p:cNvPicPr>
+            <a:picLocks noChangeAspect="1"/>
+          </p:cNvPicPr>
+          <p:nvPr/>
+        </p:nvPicPr>
+        <p:blipFill>
+          <a:blip r:embed="rId2"/>
+          <a:stretch>
+            <a:fillRect/>
+          </a:stretch>
+        </p:blipFill>
+        <p:spPr>
+          <a:xfrm>
+            <a:off x="576563" y="0"/>
+            <a:ext cx="11038874" cy="6858000"/>
+          </a:xfrm>
+          <a:prstGeom prst="rect">
+            <a:avLst/>
+          </a:prstGeom>
+        </p:spPr>
+      </p:pic>
+    </p:spTree>
+    <p:extLst>
+      <p:ext uri="{BB962C8B-B14F-4D97-AF65-F5344CB8AC3E}">
+        <p14:creationId xmlns:p14="http://schemas.microsoft.com/office/powerpoint/2010/main" val="980054822"/>
+      </p:ext>
+    </p:extLst>
+  </p:cSld>
+  <p:clrMapOvr>
+    <a:masterClrMapping/>
+  </p:clrMapOvr>
+</p:sld>
+</file>
+
+<file path=ppt/slides/slide26.xml><?xml version="1.0" encoding="utf-8"?>
+<p:sld xmlns:a="http://schemas.openxmlformats.org/drawingml/2006/main" xmlns:r="http://schemas.openxmlformats.org/officeDocument/2006/relationships" xmlns:p="http://schemas.openxmlformats.org/presentationml/2006/main">
+  <p:cSld>
+    <p:spTree>
+      <p:nvGrpSpPr>
+        <p:cNvPr id="1" name=""/>
+        <p:cNvGrpSpPr/>
+        <p:nvPr/>
+      </p:nvGrpSpPr>
+      <p:grpSpPr>
+        <a:xfrm>
+          <a:off x="0" y="0"/>
+          <a:ext cx="0" cy="0"/>
+          <a:chOff x="0" y="0"/>
+          <a:chExt cx="0" cy="0"/>
+        </a:xfrm>
+      </p:grpSpPr>
+      <p:sp>
+        <p:nvSpPr>
+          <p:cNvPr id="2" name="제목 1"/>
+          <p:cNvSpPr>
+            <a:spLocks noGrp="1"/>
+          </p:cNvSpPr>
+          <p:nvPr>
+            <p:ph type="title"/>
+          </p:nvPr>
+        </p:nvSpPr>
+        <p:spPr/>
+        <p:txBody>
+          <a:bodyPr/>
+          <a:lstStyle/>
+          <a:p>
+            <a:r>
+              <a:rPr kumimoji="1" lang="ko-KR" altLang="en-US" dirty="0"/>
               <a:t>헥사고날 아키텍처 </a:t>
             </a:r>
-            <a:endParaRPr kumimoji="1" lang="ko-KR" altLang="en-US" dirty="0"/>
           </a:p>
         </p:txBody>
       </p:sp>
@@ -17170,7 +18686,7 @@
           <a:lstStyle/>
           <a:p>
             <a:r>
-              <a:rPr kumimoji="1" lang="ko-KR" altLang="en-US" dirty="0" smtClean="0">
+              <a:rPr kumimoji="1" lang="ko-KR" altLang="en-US" dirty="0">
                 <a:solidFill>
                   <a:schemeClr val="bg1"/>
                 </a:solidFill>
@@ -17178,7 +18694,7 @@
               <a:t>분산 이벤트 스트림</a:t>
             </a:r>
             <a:r>
-              <a:rPr kumimoji="1" lang="en-US" altLang="ko-KR" dirty="0" smtClean="0">
+              <a:rPr kumimoji="1" lang="en-US" altLang="ko-KR" dirty="0">
                 <a:solidFill>
                   <a:schemeClr val="bg1"/>
                 </a:solidFill>
@@ -17247,7 +18763,7 @@
             <a:p>
               <a:pPr algn="ctr"/>
               <a:r>
-                <a:rPr kumimoji="1" lang="en-US" altLang="ko-KR" dirty="0" smtClean="0"/>
+                <a:rPr kumimoji="1" lang="en-US" altLang="ko-KR" dirty="0"/>
                 <a:t>pay</a:t>
               </a:r>
               <a:endParaRPr kumimoji="1" lang="ko-KR" altLang="en-US" dirty="0"/>
@@ -17294,7 +18810,7 @@
             <a:p>
               <a:pPr algn="ctr"/>
               <a:r>
-                <a:rPr kumimoji="1" lang="en-US" altLang="ko-KR" dirty="0" smtClean="0">
+                <a:rPr kumimoji="1" lang="en-US" altLang="ko-KR" dirty="0">
                   <a:solidFill>
                     <a:schemeClr val="tx1"/>
                   </a:solidFill>
@@ -17346,7 +18862,7 @@
             <a:p>
               <a:pPr algn="ctr"/>
               <a:r>
-                <a:rPr kumimoji="1" lang="en-US" altLang="ko-KR" sz="1050" smtClean="0"/>
+                <a:rPr kumimoji="1" lang="en-US" altLang="ko-KR" sz="1050"/>
                 <a:t>REST Adaptor</a:t>
               </a:r>
               <a:endParaRPr kumimoji="1" lang="ko-KR" altLang="en-US" sz="1050" dirty="0"/>
@@ -17393,7 +18909,7 @@
             <a:p>
               <a:pPr algn="ctr"/>
               <a:r>
-                <a:rPr kumimoji="1" lang="en-US" altLang="ko-KR" sz="1200" smtClean="0">
+                <a:rPr kumimoji="1" lang="en-US" altLang="ko-KR" sz="1200">
                   <a:solidFill>
                     <a:schemeClr val="tx1"/>
                   </a:solidFill>
@@ -17449,7 +18965,7 @@
           <a:p>
             <a:pPr algn="ctr"/>
             <a:r>
-              <a:rPr kumimoji="1" lang="en-US" altLang="ko-KR" sz="1200" dirty="0" smtClean="0"/>
+              <a:rPr kumimoji="1" lang="en-US" altLang="ko-KR" sz="1200" dirty="0"/>
               <a:t>app</a:t>
             </a:r>
             <a:endParaRPr kumimoji="1" lang="ko-KR" altLang="en-US" sz="1200" dirty="0"/>
@@ -17496,7 +19012,7 @@
           <a:p>
             <a:pPr algn="ctr"/>
             <a:r>
-              <a:rPr kumimoji="1" lang="en-US" altLang="ko-KR" sz="2000" dirty="0" smtClean="0">
+              <a:rPr kumimoji="1" lang="en-US" altLang="ko-KR" sz="2000" dirty="0">
                 <a:solidFill>
                   <a:schemeClr val="tx1"/>
                 </a:solidFill>
@@ -17548,14 +19064,13 @@
           <a:p>
             <a:pPr algn="ctr"/>
             <a:r>
-              <a:rPr kumimoji="1" lang="en-US" altLang="ko-KR" sz="1000" dirty="0" smtClean="0"/>
+              <a:rPr kumimoji="1" lang="en-US" altLang="ko-KR" sz="1000" dirty="0"/>
               <a:t>REST Adaptor</a:t>
             </a:r>
             <a:r>
-              <a:rPr kumimoji="1" lang="ko-KR" altLang="en-US" sz="1000" dirty="0" smtClean="0"/>
+              <a:rPr kumimoji="1" lang="ko-KR" altLang="en-US" sz="1000" dirty="0"/>
               <a:t> </a:t>
             </a:r>
-            <a:endParaRPr kumimoji="1" lang="ko-KR" altLang="en-US" sz="1000" dirty="0"/>
           </a:p>
         </p:txBody>
       </p:sp>
@@ -17599,7 +19114,7 @@
           <a:p>
             <a:pPr algn="ctr"/>
             <a:r>
-              <a:rPr kumimoji="1" lang="en-US" altLang="ko-KR" sz="1000" dirty="0" smtClean="0">
+              <a:rPr kumimoji="1" lang="en-US" altLang="ko-KR" sz="1000" dirty="0">
                 <a:solidFill>
                   <a:schemeClr val="tx1"/>
                 </a:solidFill>
@@ -17649,7 +19164,7 @@
           <a:p>
             <a:pPr algn="ctr"/>
             <a:r>
-              <a:rPr kumimoji="1" lang="en-US" altLang="ko-KR" sz="1000" dirty="0" smtClean="0">
+              <a:rPr kumimoji="1" lang="en-US" altLang="ko-KR" sz="1000" dirty="0">
                 <a:solidFill>
                   <a:schemeClr val="tx1"/>
                 </a:solidFill>
@@ -17657,7 +19172,7 @@
               <a:t>Kafka </a:t>
             </a:r>
             <a:r>
-              <a:rPr kumimoji="1" lang="en-US" altLang="ko-KR" sz="1000" dirty="0" err="1" smtClean="0">
+              <a:rPr kumimoji="1" lang="en-US" altLang="ko-KR" sz="1000" dirty="0" err="1">
                 <a:solidFill>
                   <a:schemeClr val="tx1"/>
                 </a:solidFill>
@@ -17804,7 +19319,7 @@
             <a:p>
               <a:pPr algn="ctr"/>
               <a:r>
-                <a:rPr kumimoji="1" lang="en-US" altLang="ko-KR" dirty="0" smtClean="0"/>
+                <a:rPr kumimoji="1" lang="en-US" altLang="ko-KR" dirty="0"/>
                 <a:t>customer</a:t>
               </a:r>
               <a:endParaRPr kumimoji="1" lang="ko-KR" altLang="en-US" dirty="0"/>
@@ -17856,21 +19371,13 @@
                     <a:schemeClr val="tx1"/>
                   </a:solidFill>
                 </a:rPr>
-                <a:t>c</a:t>
-              </a:r>
-              <a:r>
-                <a:rPr kumimoji="1" lang="en-US" altLang="ko-KR" sz="1400" dirty="0" smtClean="0">
-                  <a:solidFill>
-                    <a:schemeClr val="tx1"/>
-                  </a:solidFill>
-                </a:rPr>
-                <a:t>ustomer</a:t>
+                <a:t>customer</a:t>
               </a:r>
             </a:p>
             <a:p>
               <a:pPr algn="ctr"/>
               <a:r>
-                <a:rPr kumimoji="1" lang="en-US" altLang="ko-KR" sz="1400" dirty="0" smtClean="0">
+                <a:rPr kumimoji="1" lang="en-US" altLang="ko-KR" sz="1400" dirty="0">
                   <a:solidFill>
                     <a:schemeClr val="tx1"/>
                   </a:solidFill>
@@ -17925,14 +19432,14 @@
             <a:p>
               <a:pPr algn="ctr"/>
               <a:r>
-                <a:rPr kumimoji="1" lang="ko-KR" altLang="en-US" sz="1200" dirty="0" smtClean="0">
+                <a:rPr kumimoji="1" lang="ko-KR" altLang="en-US" sz="1200" dirty="0">
                   <a:solidFill>
                     <a:schemeClr val="tx1"/>
                   </a:solidFill>
                 </a:rPr>
                 <a:t>이벤트 </a:t>
               </a:r>
-              <a:endParaRPr kumimoji="1" lang="en-US" altLang="ko-KR" sz="1200" dirty="0" smtClean="0">
+              <a:endParaRPr kumimoji="1" lang="en-US" altLang="ko-KR" sz="1200" dirty="0">
                 <a:solidFill>
                   <a:schemeClr val="tx1"/>
                 </a:solidFill>
@@ -17941,18 +19448,13 @@
             <a:p>
               <a:pPr algn="ctr"/>
               <a:r>
-                <a:rPr kumimoji="1" lang="ko-KR" altLang="en-US" sz="1200" dirty="0" smtClean="0">
+                <a:rPr kumimoji="1" lang="ko-KR" altLang="en-US" sz="1200" dirty="0">
                   <a:solidFill>
                     <a:schemeClr val="tx1"/>
                   </a:solidFill>
                 </a:rPr>
                 <a:t>리스너</a:t>
               </a:r>
-              <a:endParaRPr kumimoji="1" lang="ko-KR" altLang="en-US" sz="1200" dirty="0">
-                <a:solidFill>
-                  <a:schemeClr val="tx1"/>
-                </a:solidFill>
-              </a:endParaRPr>
             </a:p>
           </p:txBody>
         </p:sp>
@@ -18011,7 +19513,7 @@
             <a:p>
               <a:pPr algn="ctr"/>
               <a:r>
-                <a:rPr kumimoji="1" lang="en-US" altLang="ko-KR" sz="1400" dirty="0" smtClean="0"/>
+                <a:rPr kumimoji="1" lang="en-US" altLang="ko-KR" sz="1400" dirty="0"/>
                 <a:t>store</a:t>
               </a:r>
               <a:endParaRPr kumimoji="1" lang="ko-KR" altLang="en-US" sz="1400" dirty="0"/>
@@ -18058,7 +19560,7 @@
             <a:p>
               <a:pPr algn="ctr"/>
               <a:r>
-                <a:rPr kumimoji="1" lang="en-US" altLang="ko-KR" dirty="0" smtClean="0">
+                <a:rPr kumimoji="1" lang="en-US" altLang="ko-KR" dirty="0">
                   <a:solidFill>
                     <a:schemeClr val="tx1"/>
                   </a:solidFill>
@@ -18113,7 +19615,7 @@
             <a:p>
               <a:pPr algn="ctr"/>
               <a:r>
-                <a:rPr kumimoji="1" lang="en-US" altLang="ko-KR" sz="1050" dirty="0" smtClean="0">
+                <a:rPr kumimoji="1" lang="en-US" altLang="ko-KR" sz="1050" dirty="0">
                   <a:solidFill>
                     <a:schemeClr val="tx1"/>
                   </a:solidFill>
@@ -18163,7 +19665,7 @@
             <a:p>
               <a:pPr algn="ctr"/>
               <a:r>
-                <a:rPr kumimoji="1" lang="en-US" altLang="ko-KR" sz="1050" dirty="0" smtClean="0">
+                <a:rPr kumimoji="1" lang="en-US" altLang="ko-KR" sz="1050" dirty="0">
                   <a:solidFill>
                     <a:schemeClr val="tx1"/>
                   </a:solidFill>
@@ -18260,18 +19762,13 @@
           <a:p>
             <a:pPr algn="ctr"/>
             <a:r>
-              <a:rPr kumimoji="1" lang="en-US" altLang="ko-KR" sz="1000" dirty="0" smtClean="0">
+              <a:rPr kumimoji="1" lang="en-US" altLang="ko-KR" sz="1000" dirty="0">
                 <a:solidFill>
                   <a:schemeClr val="tx1"/>
                 </a:solidFill>
               </a:rPr>
               <a:t>REST Invoker</a:t>
             </a:r>
-            <a:endParaRPr kumimoji="1" lang="en-US" altLang="ko-KR" sz="1000" dirty="0">
-              <a:solidFill>
-                <a:schemeClr val="tx1"/>
-              </a:solidFill>
-            </a:endParaRPr>
           </a:p>
         </p:txBody>
       </p:sp>
@@ -18468,7 +19965,7 @@
           <a:p>
             <a:pPr algn="ctr"/>
             <a:r>
-              <a:rPr kumimoji="1" lang="en-US" altLang="ko-KR" sz="1200" smtClean="0"/>
+              <a:rPr kumimoji="1" lang="en-US" altLang="ko-KR" sz="1200"/>
               <a:t>mongo</a:t>
             </a:r>
             <a:endParaRPr kumimoji="1" lang="ko-KR" altLang="en-US" sz="1200" dirty="0"/>
@@ -18512,7 +20009,7 @@
           <a:p>
             <a:pPr algn="ctr"/>
             <a:r>
-              <a:rPr kumimoji="1" lang="en-US" altLang="ko-KR" sz="1200" dirty="0" err="1" smtClean="0"/>
+              <a:rPr kumimoji="1" lang="en-US" altLang="ko-KR" sz="1200" dirty="0" err="1"/>
               <a:t>mysql</a:t>
             </a:r>
             <a:endParaRPr kumimoji="1" lang="ko-KR" altLang="en-US" sz="1200" dirty="0"/>
@@ -18556,7 +20053,7 @@
           <a:p>
             <a:pPr algn="ctr"/>
             <a:r>
-              <a:rPr kumimoji="1" lang="en-US" altLang="ko-KR" dirty="0" err="1" smtClean="0"/>
+              <a:rPr kumimoji="1" lang="en-US" altLang="ko-KR" dirty="0" err="1"/>
               <a:t>mysql</a:t>
             </a:r>
             <a:endParaRPr kumimoji="1" lang="ko-KR" altLang="en-US" dirty="0"/>
@@ -18603,7 +20100,7 @@
           <a:p>
             <a:pPr algn="ctr"/>
             <a:r>
-              <a:rPr kumimoji="1" lang="en-US" altLang="ko-KR" sz="1000" smtClean="0"/>
+              <a:rPr kumimoji="1" lang="en-US" altLang="ko-KR" sz="1000"/>
               <a:t>JPA</a:t>
             </a:r>
             <a:endParaRPr kumimoji="1" lang="ko-KR" altLang="en-US" sz="1000" dirty="0"/>
@@ -18691,7 +20188,7 @@
           <a:p>
             <a:pPr algn="ctr"/>
             <a:r>
-              <a:rPr kumimoji="1" lang="en-US" altLang="ko-KR" sz="1000" smtClean="0"/>
+              <a:rPr kumimoji="1" lang="en-US" altLang="ko-KR" sz="1000"/>
               <a:t>JPA</a:t>
             </a:r>
             <a:endParaRPr kumimoji="1" lang="ko-KR" altLang="en-US" sz="1000" dirty="0"/>
@@ -18776,7 +20273,7 @@
           <a:p>
             <a:pPr algn="ctr"/>
             <a:r>
-              <a:rPr kumimoji="1" lang="en-US" altLang="ko-KR" sz="1000" smtClean="0"/>
+              <a:rPr kumimoji="1" lang="en-US" altLang="ko-KR" sz="1000"/>
               <a:t>JPA</a:t>
             </a:r>
             <a:endParaRPr kumimoji="1" lang="ko-KR" altLang="en-US" sz="1000" dirty="0"/>
@@ -18875,7 +20372,7 @@
             <a:p>
               <a:pPr algn="ctr"/>
               <a:r>
-                <a:rPr kumimoji="1" lang="en-US" altLang="ko-KR" sz="1400" dirty="0" smtClean="0"/>
+                <a:rPr kumimoji="1" lang="en-US" altLang="ko-KR" sz="1400" dirty="0"/>
                 <a:t>store</a:t>
               </a:r>
               <a:endParaRPr kumimoji="1" lang="ko-KR" altLang="en-US" sz="1400" dirty="0"/>
@@ -18922,7 +20419,7 @@
             <a:p>
               <a:pPr algn="ctr"/>
               <a:r>
-                <a:rPr kumimoji="1" lang="en-US" altLang="ko-KR" sz="1400" dirty="0" smtClean="0">
+                <a:rPr kumimoji="1" lang="en-US" altLang="ko-KR" sz="1400" dirty="0">
                   <a:solidFill>
                     <a:schemeClr val="tx1"/>
                   </a:solidFill>
@@ -18933,7 +20430,7 @@
             <a:p>
               <a:pPr algn="ctr"/>
               <a:r>
-                <a:rPr kumimoji="1" lang="en-US" altLang="ko-KR" sz="1400" dirty="0" smtClean="0">
+                <a:rPr kumimoji="1" lang="en-US" altLang="ko-KR" sz="1400" dirty="0">
                   <a:solidFill>
                     <a:schemeClr val="tx1"/>
                   </a:solidFill>
@@ -18988,7 +20485,7 @@
             <a:p>
               <a:pPr algn="ctr"/>
               <a:r>
-                <a:rPr kumimoji="1" lang="en-US" altLang="ko-KR" sz="1050" dirty="0" smtClean="0">
+                <a:rPr kumimoji="1" lang="en-US" altLang="ko-KR" sz="1050" dirty="0">
                   <a:solidFill>
                     <a:schemeClr val="tx1"/>
                   </a:solidFill>
@@ -19038,7 +20535,7 @@
             <a:p>
               <a:pPr algn="ctr"/>
               <a:r>
-                <a:rPr kumimoji="1" lang="en-US" altLang="ko-KR" sz="1050" dirty="0" smtClean="0">
+                <a:rPr kumimoji="1" lang="en-US" altLang="ko-KR" sz="1050" dirty="0">
                   <a:solidFill>
                     <a:schemeClr val="tx1"/>
                   </a:solidFill>
@@ -19165,7 +20662,7 @@
           <a:p>
             <a:pPr algn="ctr"/>
             <a:r>
-              <a:rPr kumimoji="1" lang="en-US" altLang="ko-KR" sz="1200" dirty="0" smtClean="0"/>
+              <a:rPr kumimoji="1" lang="en-US" altLang="ko-KR" sz="1200" dirty="0"/>
               <a:t>Filesystem</a:t>
             </a:r>
             <a:endParaRPr kumimoji="1" lang="ko-KR" altLang="en-US" sz="1200" dirty="0"/>
@@ -19201,10 +20698,10 @@
           <a:p>
             <a:pPr algn="r"/>
             <a:r>
-              <a:rPr kumimoji="1" lang="ko-KR" altLang="en-US" dirty="0" smtClean="0"/>
+              <a:rPr kumimoji="1" lang="ko-KR" altLang="en-US" dirty="0"/>
               <a:t>마케팅팀</a:t>
             </a:r>
-            <a:endParaRPr kumimoji="1" lang="en-US" altLang="ko-KR" dirty="0" smtClean="0"/>
+            <a:endParaRPr kumimoji="1" lang="en-US" altLang="ko-KR" dirty="0"/>
           </a:p>
           <a:p>
             <a:pPr algn="r"/>
@@ -19212,7 +20709,7 @@
           </a:p>
           <a:p>
             <a:pPr algn="r"/>
-            <a:endParaRPr kumimoji="1" lang="en-US" altLang="ko-KR" dirty="0" smtClean="0"/>
+            <a:endParaRPr kumimoji="1" lang="en-US" altLang="ko-KR" dirty="0"/>
           </a:p>
           <a:p>
             <a:pPr algn="r"/>
@@ -19220,7 +20717,7 @@
           </a:p>
           <a:p>
             <a:pPr algn="r"/>
-            <a:endParaRPr kumimoji="1" lang="en-US" altLang="ko-KR" dirty="0" smtClean="0"/>
+            <a:endParaRPr kumimoji="1" lang="en-US" altLang="ko-KR" dirty="0"/>
           </a:p>
           <a:p>
             <a:pPr algn="r"/>
@@ -19228,7 +20725,7 @@
           </a:p>
           <a:p>
             <a:pPr algn="r"/>
-            <a:endParaRPr kumimoji="1" lang="en-US" altLang="ko-KR" dirty="0" smtClean="0"/>
+            <a:endParaRPr kumimoji="1" lang="en-US" altLang="ko-KR" dirty="0"/>
           </a:p>
           <a:p>
             <a:pPr algn="r"/>
@@ -19236,7 +20733,7 @@
           </a:p>
           <a:p>
             <a:pPr algn="r"/>
-            <a:endParaRPr kumimoji="1" lang="en-US" altLang="ko-KR" dirty="0" smtClean="0"/>
+            <a:endParaRPr kumimoji="1" lang="en-US" altLang="ko-KR" dirty="0"/>
           </a:p>
           <a:p>
             <a:pPr algn="r"/>
@@ -19244,7 +20741,7 @@
           </a:p>
           <a:p>
             <a:pPr algn="r"/>
-            <a:endParaRPr kumimoji="1" lang="en-US" altLang="ko-KR" dirty="0" smtClean="0"/>
+            <a:endParaRPr kumimoji="1" lang="en-US" altLang="ko-KR" dirty="0"/>
           </a:p>
           <a:p>
             <a:pPr algn="r"/>
@@ -19252,7 +20749,7 @@
           </a:p>
           <a:p>
             <a:pPr algn="r"/>
-            <a:endParaRPr kumimoji="1" lang="en-US" altLang="ko-KR" dirty="0" smtClean="0"/>
+            <a:endParaRPr kumimoji="1" lang="en-US" altLang="ko-KR" dirty="0"/>
           </a:p>
           <a:p>
             <a:pPr algn="r"/>
@@ -19260,7 +20757,7 @@
           </a:p>
           <a:p>
             <a:pPr algn="r"/>
-            <a:endParaRPr kumimoji="1" lang="en-US" altLang="ko-KR" dirty="0" smtClean="0"/>
+            <a:endParaRPr kumimoji="1" lang="en-US" altLang="ko-KR" dirty="0"/>
           </a:p>
           <a:p>
             <a:pPr algn="r"/>
@@ -19281,7 +20778,7 @@
 </p:sld>
 </file>
 
-<file path=ppt/slides/slide26.xml><?xml version="1.0" encoding="utf-8"?>
+<file path=ppt/slides/slide27.xml><?xml version="1.0" encoding="utf-8"?>
 <p:sld xmlns:a="http://schemas.openxmlformats.org/drawingml/2006/main" xmlns:r="http://schemas.openxmlformats.org/officeDocument/2006/relationships" xmlns:p="http://schemas.openxmlformats.org/presentationml/2006/main">
   <p:cSld>
     <p:spTree>
@@ -19341,26 +20838,25 @@
           <a:p>
             <a:pPr algn="l"/>
             <a:r>
-              <a:rPr kumimoji="1" lang="ko-KR" altLang="en-US" dirty="0" smtClean="0"/>
+              <a:rPr kumimoji="1" lang="ko-KR" altLang="en-US" dirty="0"/>
               <a:t>이벤트스토밍 </a:t>
             </a:r>
             <a:r>
-              <a:rPr kumimoji="1" lang="en-US" altLang="ko-KR" dirty="0" smtClean="0"/>
+              <a:rPr kumimoji="1" lang="en-US" altLang="ko-KR" dirty="0"/>
               <a:t>–</a:t>
             </a:r>
             <a:r>
-              <a:rPr kumimoji="1" lang="ko-KR" altLang="en-US" dirty="0" smtClean="0"/>
+              <a:rPr kumimoji="1" lang="ko-KR" altLang="en-US" dirty="0"/>
               <a:t> 마케팅 </a:t>
             </a:r>
             <a:r>
-              <a:rPr kumimoji="1" lang="en-US" altLang="ko-KR" dirty="0" smtClean="0"/>
+              <a:rPr kumimoji="1" lang="en-US" altLang="ko-KR" dirty="0"/>
               <a:t>BC </a:t>
             </a:r>
             <a:r>
-              <a:rPr kumimoji="1" lang="ko-KR" altLang="en-US" dirty="0" smtClean="0"/>
+              <a:rPr kumimoji="1" lang="ko-KR" altLang="en-US" dirty="0"/>
               <a:t>추가 </a:t>
             </a:r>
-            <a:endParaRPr kumimoji="1" lang="ko-KR" altLang="en-US" dirty="0"/>
           </a:p>
         </p:txBody>
       </p:sp>
@@ -19410,19 +20906,19 @@
           <a:lstStyle/>
           <a:p>
             <a:r>
-              <a:rPr kumimoji="1" lang="ko-KR" altLang="en-US" dirty="0" smtClean="0"/>
+              <a:rPr kumimoji="1" lang="ko-KR" altLang="en-US" dirty="0"/>
               <a:t>창업시기 조직구조 </a:t>
             </a:r>
             <a:r>
-              <a:rPr kumimoji="1" lang="en-US" altLang="ko-KR" dirty="0" smtClean="0"/>
+              <a:rPr kumimoji="1" lang="en-US" altLang="ko-KR" dirty="0"/>
               <a:t>–</a:t>
             </a:r>
             <a:r>
-              <a:rPr kumimoji="1" lang="ko-KR" altLang="en-US" dirty="0" smtClean="0"/>
+              <a:rPr kumimoji="1" lang="ko-KR" altLang="en-US" dirty="0"/>
               <a:t> </a:t>
             </a:r>
             <a:r>
-              <a:rPr kumimoji="1" lang="en-US" altLang="ko-KR" dirty="0" smtClean="0"/>
+              <a:rPr kumimoji="1" lang="en-US" altLang="ko-KR" dirty="0"/>
               <a:t>Horizontal </a:t>
             </a:r>
             <a:endParaRPr kumimoji="1" lang="ko-KR" altLang="en-US" dirty="0"/>
@@ -19479,7 +20975,7 @@
             <a:lstStyle/>
             <a:p>
               <a:r>
-                <a:rPr kumimoji="1" lang="en-US" altLang="ko-KR" smtClean="0"/>
+                <a:rPr kumimoji="1" lang="en-US" altLang="ko-KR"/>
                 <a:t>Business</a:t>
               </a:r>
               <a:endParaRPr kumimoji="1" lang="ko-KR" altLang="en-US" dirty="0"/>
@@ -19522,7 +21018,7 @@
             <a:lstStyle/>
             <a:p>
               <a:r>
-                <a:rPr kumimoji="1" lang="en-US" altLang="ko-KR" dirty="0" smtClean="0"/>
+                <a:rPr kumimoji="1" lang="en-US" altLang="ko-KR" dirty="0"/>
                 <a:t>DBA </a:t>
               </a:r>
               <a:endParaRPr kumimoji="1" lang="ko-KR" altLang="en-US" dirty="0"/>
@@ -19565,7 +21061,7 @@
             <a:lstStyle/>
             <a:p>
               <a:r>
-                <a:rPr kumimoji="1" lang="en-US" altLang="ko-KR" dirty="0" smtClean="0"/>
+                <a:rPr kumimoji="1" lang="en-US" altLang="ko-KR" dirty="0"/>
                 <a:t>Backend Developer</a:t>
               </a:r>
               <a:endParaRPr kumimoji="1" lang="ko-KR" altLang="en-US" dirty="0"/>
@@ -19608,7 +21104,7 @@
             <a:lstStyle/>
             <a:p>
               <a:r>
-                <a:rPr kumimoji="1" lang="en-US" altLang="ko-KR" dirty="0" smtClean="0"/>
+                <a:rPr kumimoji="1" lang="en-US" altLang="ko-KR" dirty="0"/>
                 <a:t>UI Developer</a:t>
               </a:r>
               <a:endParaRPr kumimoji="1" lang="ko-KR" altLang="en-US" dirty="0"/>
@@ -19686,7 +21182,7 @@
             <a:lstStyle/>
             <a:p>
               <a:r>
-                <a:rPr kumimoji="1" lang="en-US" altLang="ko-KR" smtClean="0"/>
+                <a:rPr kumimoji="1" lang="en-US" altLang="ko-KR"/>
                 <a:t>CEO</a:t>
               </a:r>
               <a:endParaRPr kumimoji="1" lang="ko-KR" altLang="en-US" dirty="0"/>
@@ -19806,38 +21302,33 @@
           <a:p>
             <a:pPr algn="ctr"/>
             <a:r>
-              <a:rPr kumimoji="1" lang="ko-KR" altLang="en-US" dirty="0" smtClean="0"/>
+              <a:rPr kumimoji="1" lang="ko-KR" altLang="en-US" dirty="0"/>
               <a:t>서비스 이익률</a:t>
             </a:r>
             <a:r>
-              <a:rPr kumimoji="1" lang="en-US" altLang="ko-KR" dirty="0" smtClean="0"/>
+              <a:rPr kumimoji="1" lang="en-US" altLang="ko-KR" dirty="0"/>
               <a:t>,</a:t>
             </a:r>
             <a:r>
-              <a:rPr kumimoji="1" lang="ko-KR" altLang="en-US" dirty="0" smtClean="0"/>
+              <a:rPr kumimoji="1" lang="ko-KR" altLang="en-US" dirty="0"/>
               <a:t> 신규고객창출</a:t>
             </a:r>
             <a:r>
-              <a:rPr kumimoji="1" lang="en-US" altLang="ko-KR" dirty="0" smtClean="0"/>
+              <a:rPr kumimoji="1" lang="en-US" altLang="ko-KR" dirty="0"/>
               <a:t>,</a:t>
             </a:r>
             <a:r>
-              <a:rPr kumimoji="1" lang="ko-KR" altLang="en-US" dirty="0" smtClean="0"/>
-              <a:t> 상점 친화 이미지</a:t>
+              <a:rPr kumimoji="1" lang="ko-KR" altLang="en-US" dirty="0"/>
+              <a:t> 상점 친화 이미지 </a:t>
+            </a:r>
+            <a:r>
+              <a:rPr kumimoji="1" lang="en-US" altLang="ko-KR" dirty="0"/>
+              <a:t>….</a:t>
             </a:r>
             <a:r>
               <a:rPr kumimoji="1" lang="ko-KR" altLang="en-US" dirty="0"/>
               <a:t> </a:t>
             </a:r>
-            <a:r>
-              <a:rPr kumimoji="1" lang="en-US" altLang="ko-KR" dirty="0" smtClean="0"/>
-              <a:t>….</a:t>
-            </a:r>
-            <a:r>
-              <a:rPr kumimoji="1" lang="ko-KR" altLang="en-US" dirty="0" smtClean="0"/>
-              <a:t> </a:t>
-            </a:r>
-            <a:endParaRPr kumimoji="1" lang="ko-KR" altLang="en-US" dirty="0"/>
           </a:p>
         </p:txBody>
       </p:sp>
@@ -19881,11 +21372,11 @@
           <a:p>
             <a:pPr algn="ctr"/>
             <a:r>
-              <a:rPr kumimoji="1" lang="ko-KR" altLang="en-US" dirty="0" smtClean="0"/>
+              <a:rPr kumimoji="1" lang="ko-KR" altLang="en-US" dirty="0"/>
               <a:t>예쁘고 편리한 </a:t>
             </a:r>
             <a:r>
-              <a:rPr kumimoji="1" lang="en-US" altLang="ko-KR" dirty="0" smtClean="0"/>
+              <a:rPr kumimoji="1" lang="en-US" altLang="ko-KR" dirty="0"/>
               <a:t>UI</a:t>
             </a:r>
             <a:endParaRPr kumimoji="1" lang="ko-KR" altLang="en-US" dirty="0"/>
@@ -19932,10 +21423,9 @@
           <a:p>
             <a:pPr algn="ctr"/>
             <a:r>
-              <a:rPr kumimoji="1" lang="ko-KR" altLang="en-US" dirty="0" smtClean="0"/>
+              <a:rPr kumimoji="1" lang="ko-KR" altLang="en-US" dirty="0"/>
               <a:t>안정된 서버 시스템</a:t>
             </a:r>
-            <a:endParaRPr kumimoji="1" lang="ko-KR" altLang="en-US" dirty="0"/>
           </a:p>
         </p:txBody>
       </p:sp>
@@ -19979,10 +21469,9 @@
           <a:p>
             <a:pPr algn="ctr"/>
             <a:r>
-              <a:rPr kumimoji="1" lang="ko-KR" altLang="en-US" dirty="0" smtClean="0"/>
+              <a:rPr kumimoji="1" lang="ko-KR" altLang="en-US" dirty="0"/>
               <a:t>안정된 데이터베이스 시스템</a:t>
             </a:r>
-            <a:endParaRPr kumimoji="1" lang="ko-KR" altLang="en-US" dirty="0"/>
           </a:p>
         </p:txBody>
       </p:sp>
@@ -20053,7 +21542,7 @@
           <a:p>
             <a:pPr algn="ctr"/>
             <a:r>
-              <a:rPr kumimoji="1" lang="ko-KR" altLang="en-US" smtClean="0"/>
+              <a:rPr kumimoji="1" lang="ko-KR" altLang="en-US"/>
               <a:t>상점시스템팀</a:t>
             </a:r>
             <a:endParaRPr kumimoji="1" lang="ko-KR" altLang="en-US" dirty="0"/>
@@ -20097,10 +21586,9 @@
           <a:p>
             <a:pPr algn="ctr"/>
             <a:r>
-              <a:rPr kumimoji="1" lang="ko-KR" altLang="en-US" dirty="0" smtClean="0"/>
+              <a:rPr kumimoji="1" lang="ko-KR" altLang="en-US" dirty="0"/>
               <a:t>주문결제팀</a:t>
             </a:r>
-            <a:endParaRPr kumimoji="1" lang="ko-KR" altLang="en-US" dirty="0"/>
           </a:p>
         </p:txBody>
       </p:sp>
@@ -20120,19 +21608,19 @@
           <a:lstStyle/>
           <a:p>
             <a:r>
-              <a:rPr kumimoji="1" lang="ko-KR" altLang="en-US" dirty="0" smtClean="0"/>
+              <a:rPr kumimoji="1" lang="ko-KR" altLang="en-US" dirty="0"/>
               <a:t>조직구조 </a:t>
             </a:r>
             <a:r>
-              <a:rPr kumimoji="1" lang="en-US" altLang="ko-KR" dirty="0" smtClean="0"/>
+              <a:rPr kumimoji="1" lang="en-US" altLang="ko-KR" dirty="0"/>
               <a:t>–</a:t>
             </a:r>
             <a:r>
-              <a:rPr kumimoji="1" lang="ko-KR" altLang="en-US" dirty="0" smtClean="0"/>
+              <a:rPr kumimoji="1" lang="ko-KR" altLang="en-US" dirty="0"/>
               <a:t> </a:t>
             </a:r>
             <a:r>
-              <a:rPr kumimoji="1" lang="en-US" altLang="ko-KR" dirty="0" smtClean="0"/>
+              <a:rPr kumimoji="1" lang="en-US" altLang="ko-KR" dirty="0"/>
               <a:t>Vertical</a:t>
             </a:r>
             <a:endParaRPr kumimoji="1" lang="ko-KR" altLang="en-US" dirty="0"/>
@@ -20162,7 +21650,7 @@
           <a:lstStyle/>
           <a:p>
             <a:r>
-              <a:rPr kumimoji="1" lang="en-US" altLang="ko-KR" smtClean="0"/>
+              <a:rPr kumimoji="1" lang="en-US" altLang="ko-KR"/>
               <a:t>CEO</a:t>
             </a:r>
             <a:endParaRPr kumimoji="1" lang="ko-KR" altLang="en-US" dirty="0"/>
@@ -20220,7 +21708,7 @@
             <a:lstStyle/>
             <a:p>
               <a:r>
-                <a:rPr kumimoji="1" lang="en-US" altLang="ko-KR" dirty="0" smtClean="0">
+                <a:rPr kumimoji="1" lang="en-US" altLang="ko-KR" dirty="0">
                   <a:solidFill>
                     <a:schemeClr val="accent1">
                       <a:lumMod val="75000"/>
@@ -20276,7 +21764,7 @@
             <a:lstStyle/>
             <a:p>
               <a:r>
-                <a:rPr kumimoji="1" lang="en-US" altLang="ko-KR" dirty="0" smtClean="0">
+                <a:rPr kumimoji="1" lang="en-US" altLang="ko-KR" dirty="0">
                   <a:solidFill>
                     <a:schemeClr val="accent1">
                       <a:lumMod val="75000"/>
@@ -20332,7 +21820,7 @@
             <a:lstStyle/>
             <a:p>
               <a:r>
-                <a:rPr kumimoji="1" lang="en-US" altLang="ko-KR" dirty="0" smtClean="0">
+                <a:rPr kumimoji="1" lang="en-US" altLang="ko-KR" dirty="0">
                   <a:solidFill>
                     <a:schemeClr val="accent1">
                       <a:lumMod val="75000"/>
@@ -20580,7 +22068,7 @@
             <a:lstStyle/>
             <a:p>
               <a:r>
-                <a:rPr kumimoji="1" lang="en-US" altLang="ko-KR" dirty="0" smtClean="0">
+                <a:rPr kumimoji="1" lang="en-US" altLang="ko-KR" dirty="0">
                   <a:solidFill>
                     <a:schemeClr val="accent1">
                       <a:lumMod val="75000"/>
@@ -20647,7 +22135,7 @@
           <a:lstStyle/>
           <a:p>
             <a:r>
-              <a:rPr kumimoji="1" lang="en-US" altLang="ko-KR" dirty="0" smtClean="0"/>
+              <a:rPr kumimoji="1" lang="en-US" altLang="ko-KR" dirty="0"/>
               <a:t>CTO</a:t>
             </a:r>
             <a:endParaRPr kumimoji="1" lang="ko-KR" altLang="en-US" dirty="0"/>
@@ -20715,22 +22203,21 @@
           <a:p>
             <a:pPr algn="ctr"/>
             <a:r>
-              <a:rPr kumimoji="1" lang="en-US" altLang="ko-KR" dirty="0" smtClean="0"/>
+              <a:rPr kumimoji="1" lang="en-US" altLang="ko-KR" dirty="0"/>
               <a:t>24</a:t>
             </a:r>
             <a:r>
-              <a:rPr kumimoji="1" lang="ko-KR" altLang="en-US" dirty="0" smtClean="0"/>
+              <a:rPr kumimoji="1" lang="ko-KR" altLang="en-US" dirty="0"/>
               <a:t>시간 주문</a:t>
             </a:r>
             <a:r>
-              <a:rPr kumimoji="1" lang="en-US" altLang="ko-KR" dirty="0" smtClean="0"/>
+              <a:rPr kumimoji="1" lang="en-US" altLang="ko-KR" dirty="0"/>
               <a:t>/</a:t>
             </a:r>
             <a:r>
-              <a:rPr kumimoji="1" lang="ko-KR" altLang="en-US" dirty="0" smtClean="0"/>
+              <a:rPr kumimoji="1" lang="ko-KR" altLang="en-US" dirty="0"/>
               <a:t>결제</a:t>
             </a:r>
-            <a:endParaRPr kumimoji="1" lang="ko-KR" altLang="en-US" dirty="0"/>
           </a:p>
         </p:txBody>
       </p:sp>
@@ -20771,10 +22258,9 @@
           <a:p>
             <a:pPr algn="ctr"/>
             <a:r>
-              <a:rPr kumimoji="1" lang="ko-KR" altLang="en-US" dirty="0" smtClean="0"/>
+              <a:rPr kumimoji="1" lang="ko-KR" altLang="en-US" dirty="0"/>
               <a:t>입점상인의 편익대변</a:t>
             </a:r>
-            <a:endParaRPr kumimoji="1" lang="ko-KR" altLang="en-US" dirty="0"/>
           </a:p>
         </p:txBody>
       </p:sp>
@@ -20824,10 +22310,9 @@
           <a:lstStyle/>
           <a:p>
             <a:r>
-              <a:rPr kumimoji="1" lang="ko-KR" altLang="en-US" dirty="0" smtClean="0"/>
+              <a:rPr kumimoji="1" lang="ko-KR" altLang="en-US" dirty="0"/>
               <a:t>비기능적 요구사항</a:t>
             </a:r>
-            <a:endParaRPr kumimoji="1" lang="ko-KR" altLang="en-US" dirty="0"/>
           </a:p>
         </p:txBody>
       </p:sp>
@@ -20858,10 +22343,10 @@
               <a:buAutoNum type="arabicPeriod"/>
             </a:pPr>
             <a:r>
-              <a:rPr kumimoji="1" lang="ko-KR" altLang="en-US" dirty="0" smtClean="0"/>
+              <a:rPr kumimoji="1" lang="ko-KR" altLang="en-US" dirty="0"/>
               <a:t>트랜잭션</a:t>
             </a:r>
-            <a:endParaRPr kumimoji="1" lang="en-US" altLang="ko-KR" dirty="0" smtClean="0"/>
+            <a:endParaRPr kumimoji="1" lang="en-US" altLang="ko-KR" dirty="0"/>
           </a:p>
           <a:p>
             <a:pPr marL="971550" lvl="1" indent="-514350">
@@ -20869,16 +22354,8 @@
               <a:buAutoNum type="arabicPeriod"/>
             </a:pPr>
             <a:r>
-              <a:rPr kumimoji="1" lang="ko-KR" altLang="en-US" dirty="0" smtClean="0"/>
-              <a:t>결제가 </a:t>
-            </a:r>
-            <a:r>
               <a:rPr kumimoji="1" lang="ko-KR" altLang="en-US" dirty="0"/>
-              <a:t>되지 </a:t>
-            </a:r>
-            <a:r>
-              <a:rPr kumimoji="1" lang="ko-KR" altLang="en-US" dirty="0" smtClean="0"/>
-              <a:t>않은 주문건은 아예 거래가 성립되지 않아야 한다 </a:t>
+              <a:t>결제가 되지 않은 주문건은 아예 거래가 성립되지 않아야 한다 </a:t>
             </a:r>
             <a:r>
               <a:rPr kumimoji="1" lang="ko-KR" altLang="en-US" dirty="0">
@@ -20909,7 +22386,7 @@
               <a:buFont typeface="+mj-lt"/>
               <a:buAutoNum type="arabicPeriod"/>
             </a:pPr>
-            <a:endParaRPr kumimoji="1" lang="en-US" altLang="ko-KR" dirty="0" smtClean="0"/>
+            <a:endParaRPr kumimoji="1" lang="en-US" altLang="ko-KR" dirty="0"/>
           </a:p>
           <a:p>
             <a:pPr marL="514350" indent="-514350">
@@ -20917,10 +22394,10 @@
               <a:buAutoNum type="arabicPeriod"/>
             </a:pPr>
             <a:r>
-              <a:rPr kumimoji="1" lang="ko-KR" altLang="en-US" dirty="0" smtClean="0"/>
+              <a:rPr kumimoji="1" lang="ko-KR" altLang="en-US" dirty="0"/>
               <a:t>장애격리</a:t>
             </a:r>
-            <a:endParaRPr kumimoji="1" lang="en-US" altLang="ko-KR" dirty="0" smtClean="0"/>
+            <a:endParaRPr kumimoji="1" lang="en-US" altLang="ko-KR" dirty="0"/>
           </a:p>
           <a:p>
             <a:pPr marL="914400" lvl="1" indent="-457200">
@@ -20928,44 +22405,44 @@
               <a:buAutoNum type="arabicPeriod"/>
             </a:pPr>
             <a:r>
-              <a:rPr kumimoji="1" lang="ko-KR" altLang="en-US" dirty="0" smtClean="0"/>
+              <a:rPr kumimoji="1" lang="ko-KR" altLang="en-US" dirty="0"/>
               <a:t>상점관리 기능이 수행되지 않더라도 주문은 </a:t>
             </a:r>
             <a:r>
-              <a:rPr kumimoji="1" lang="en-US" altLang="ko-KR" dirty="0" smtClean="0"/>
+              <a:rPr kumimoji="1" lang="en-US" altLang="ko-KR" dirty="0"/>
               <a:t>365</a:t>
             </a:r>
             <a:r>
-              <a:rPr kumimoji="1" lang="ko-KR" altLang="en-US" dirty="0" smtClean="0"/>
+              <a:rPr kumimoji="1" lang="ko-KR" altLang="en-US" dirty="0"/>
               <a:t>일 </a:t>
             </a:r>
             <a:r>
-              <a:rPr kumimoji="1" lang="en-US" altLang="ko-KR" dirty="0" smtClean="0"/>
+              <a:rPr kumimoji="1" lang="en-US" altLang="ko-KR" dirty="0"/>
               <a:t>24</a:t>
             </a:r>
             <a:r>
-              <a:rPr kumimoji="1" lang="ko-KR" altLang="en-US" dirty="0" smtClean="0"/>
+              <a:rPr kumimoji="1" lang="ko-KR" altLang="en-US" dirty="0"/>
               <a:t>시간 받을 수 있어야 한다 </a:t>
             </a:r>
             <a:r>
-              <a:rPr kumimoji="1" lang="ko-KR" altLang="en-US" dirty="0" smtClean="0">
+              <a:rPr kumimoji="1" lang="ko-KR" altLang="en-US" dirty="0">
                 <a:sym typeface="Wingdings"/>
               </a:rPr>
               <a:t> </a:t>
             </a:r>
             <a:r>
-              <a:rPr kumimoji="1" lang="en-US" altLang="ko-KR" dirty="0" err="1" smtClean="0">
+              <a:rPr kumimoji="1" lang="en-US" altLang="ko-KR" dirty="0" err="1">
                 <a:sym typeface="Wingdings"/>
               </a:rPr>
               <a:t>Async</a:t>
             </a:r>
             <a:r>
-              <a:rPr kumimoji="1" lang="en-US" altLang="ko-KR" dirty="0" smtClean="0">
+              <a:rPr kumimoji="1" lang="en-US" altLang="ko-KR" dirty="0">
                 <a:sym typeface="Wingdings"/>
               </a:rPr>
               <a:t> (event-driven), Eventual Consistency</a:t>
             </a:r>
-            <a:endParaRPr kumimoji="1" lang="en-US" altLang="ko-KR" dirty="0" smtClean="0"/>
+            <a:endParaRPr kumimoji="1" lang="en-US" altLang="ko-KR" dirty="0"/>
           </a:p>
           <a:p>
             <a:pPr marL="914400" lvl="1" indent="-457200">
@@ -20973,22 +22450,22 @@
               <a:buAutoNum type="arabicPeriod"/>
             </a:pPr>
             <a:r>
-              <a:rPr kumimoji="1" lang="ko-KR" altLang="en-US" dirty="0" smtClean="0"/>
+              <a:rPr kumimoji="1" lang="ko-KR" altLang="en-US" dirty="0"/>
               <a:t>결제시스템이 과중되면 사용자를 잠시동안 받지 않고 결제를 잠시후에 하도록 유도한다 </a:t>
             </a:r>
             <a:r>
-              <a:rPr kumimoji="1" lang="ko-KR" altLang="en-US" dirty="0" smtClean="0">
+              <a:rPr kumimoji="1" lang="ko-KR" altLang="en-US" dirty="0">
                 <a:sym typeface="Wingdings"/>
               </a:rPr>
               <a:t> </a:t>
             </a:r>
             <a:r>
-              <a:rPr kumimoji="1" lang="en-US" altLang="ko-KR" dirty="0" smtClean="0">
+              <a:rPr kumimoji="1" lang="en-US" altLang="ko-KR" dirty="0">
                 <a:sym typeface="Wingdings"/>
               </a:rPr>
               <a:t>Circuit breaker, fallback</a:t>
             </a:r>
-            <a:endParaRPr kumimoji="1" lang="en-US" altLang="ko-KR" dirty="0" smtClean="0"/>
+            <a:endParaRPr kumimoji="1" lang="en-US" altLang="ko-KR" dirty="0"/>
           </a:p>
           <a:p>
             <a:pPr marL="514350" indent="-514350">
@@ -20996,10 +22473,10 @@
               <a:buAutoNum type="arabicPeriod"/>
             </a:pPr>
             <a:r>
-              <a:rPr kumimoji="1" lang="ko-KR" altLang="en-US" dirty="0" smtClean="0"/>
+              <a:rPr kumimoji="1" lang="ko-KR" altLang="en-US" dirty="0"/>
               <a:t>성능</a:t>
             </a:r>
-            <a:endParaRPr kumimoji="1" lang="en-US" altLang="ko-KR" dirty="0" smtClean="0"/>
+            <a:endParaRPr kumimoji="1" lang="en-US" altLang="ko-KR" dirty="0"/>
           </a:p>
           <a:p>
             <a:pPr marL="914400" lvl="1" indent="-457200">
@@ -21007,38 +22484,38 @@
               <a:buAutoNum type="arabicPeriod"/>
             </a:pPr>
             <a:r>
-              <a:rPr kumimoji="1" lang="ko-KR" altLang="en-US" dirty="0" smtClean="0"/>
+              <a:rPr kumimoji="1" lang="ko-KR" altLang="en-US" dirty="0"/>
               <a:t>고객이 자주 상점관리에서 확인할 수 있는 배달상태를 주문시스템</a:t>
             </a:r>
             <a:r>
-              <a:rPr kumimoji="1" lang="en-US" altLang="ko-KR" dirty="0" smtClean="0"/>
+              <a:rPr kumimoji="1" lang="en-US" altLang="ko-KR" dirty="0"/>
               <a:t>(</a:t>
             </a:r>
             <a:r>
-              <a:rPr kumimoji="1" lang="ko-KR" altLang="en-US" dirty="0" smtClean="0"/>
+              <a:rPr kumimoji="1" lang="ko-KR" altLang="en-US" dirty="0"/>
               <a:t>프론트엔드</a:t>
             </a:r>
             <a:r>
-              <a:rPr kumimoji="1" lang="en-US" altLang="ko-KR" dirty="0" smtClean="0"/>
+              <a:rPr kumimoji="1" lang="en-US" altLang="ko-KR" dirty="0"/>
               <a:t>)</a:t>
             </a:r>
             <a:r>
-              <a:rPr kumimoji="1" lang="ko-KR" altLang="en-US" dirty="0" smtClean="0"/>
+              <a:rPr kumimoji="1" lang="ko-KR" altLang="en-US" dirty="0"/>
               <a:t>에서 확인할 수 있어야 한다 </a:t>
             </a:r>
             <a:r>
-              <a:rPr kumimoji="1" lang="ko-KR" altLang="en-US" dirty="0" smtClean="0">
+              <a:rPr kumimoji="1" lang="ko-KR" altLang="en-US" dirty="0">
                 <a:sym typeface="Wingdings"/>
               </a:rPr>
               <a:t> </a:t>
             </a:r>
             <a:r>
-              <a:rPr kumimoji="1" lang="en-US" altLang="ko-KR" dirty="0" smtClean="0">
+              <a:rPr kumimoji="1" lang="en-US" altLang="ko-KR" dirty="0">
                 <a:sym typeface="Wingdings"/>
               </a:rPr>
               <a:t>CQRS</a:t>
             </a:r>
-            <a:endParaRPr kumimoji="1" lang="en-US" altLang="ko-KR" dirty="0" smtClean="0"/>
+            <a:endParaRPr kumimoji="1" lang="en-US" altLang="ko-KR" dirty="0"/>
           </a:p>
           <a:p>
             <a:pPr marL="914400" lvl="1" indent="-457200">
@@ -21046,31 +22523,31 @@
               <a:buAutoNum type="arabicPeriod"/>
             </a:pPr>
             <a:r>
-              <a:rPr kumimoji="1" lang="ko-KR" altLang="en-US" dirty="0" smtClean="0"/>
+              <a:rPr kumimoji="1" lang="ko-KR" altLang="en-US" dirty="0"/>
               <a:t>배달상태가 바뀔때마다 카톡 등으로 알림을 줄 수 있어야 한다 </a:t>
             </a:r>
             <a:r>
-              <a:rPr kumimoji="1" lang="ko-KR" altLang="en-US" dirty="0" smtClean="0">
+              <a:rPr kumimoji="1" lang="ko-KR" altLang="en-US" dirty="0">
                 <a:sym typeface="Wingdings"/>
               </a:rPr>
               <a:t> </a:t>
             </a:r>
             <a:r>
-              <a:rPr kumimoji="1" lang="en-US" altLang="ko-KR" dirty="0" smtClean="0">
+              <a:rPr kumimoji="1" lang="en-US" altLang="ko-KR" dirty="0">
                 <a:sym typeface="Wingdings"/>
               </a:rPr>
               <a:t>Event driven</a:t>
             </a:r>
           </a:p>
           <a:p>
-            <a:endParaRPr kumimoji="1" lang="en-US" altLang="ko-KR" dirty="0" smtClean="0"/>
+            <a:endParaRPr kumimoji="1" lang="en-US" altLang="ko-KR" dirty="0"/>
           </a:p>
           <a:p>
             <a:pPr lvl="2"/>
-            <a:endParaRPr kumimoji="1" lang="en-US" altLang="ko-KR" dirty="0" smtClean="0"/>
-          </a:p>
-          <a:p>
-            <a:endParaRPr kumimoji="1" lang="en-US" altLang="ko-KR" dirty="0" smtClean="0"/>
+            <a:endParaRPr kumimoji="1" lang="en-US" altLang="ko-KR" dirty="0"/>
+          </a:p>
+          <a:p>
+            <a:endParaRPr kumimoji="1" lang="en-US" altLang="ko-KR" dirty="0"/>
           </a:p>
           <a:p>
             <a:endParaRPr kumimoji="1" lang="ko-KR" altLang="en-US" dirty="0"/>
@@ -21128,19 +22605,19 @@
           <a:lstStyle/>
           <a:p>
             <a:r>
-              <a:rPr kumimoji="1" lang="ko-KR" altLang="en-US" dirty="0" smtClean="0"/>
+              <a:rPr kumimoji="1" lang="ko-KR" altLang="en-US" dirty="0"/>
               <a:t>이벤트스토밍 </a:t>
             </a:r>
             <a:r>
-              <a:rPr kumimoji="1" lang="en-US" altLang="ko-KR" dirty="0" smtClean="0"/>
+              <a:rPr kumimoji="1" lang="en-US" altLang="ko-KR" dirty="0"/>
               <a:t>-</a:t>
             </a:r>
             <a:r>
-              <a:rPr kumimoji="1" lang="ko-KR" altLang="en-US" dirty="0" smtClean="0"/>
+              <a:rPr kumimoji="1" lang="ko-KR" altLang="en-US" dirty="0"/>
               <a:t> </a:t>
             </a:r>
             <a:r>
-              <a:rPr kumimoji="1" lang="en-US" altLang="ko-KR" dirty="0" smtClean="0"/>
+              <a:rPr kumimoji="1" lang="en-US" altLang="ko-KR" dirty="0"/>
               <a:t>Event</a:t>
             </a:r>
             <a:endParaRPr kumimoji="1" lang="ko-KR" altLang="en-US" dirty="0"/>
@@ -21190,18 +22667,13 @@
           <a:p>
             <a:pPr algn="ctr"/>
             <a:r>
-              <a:rPr kumimoji="1" lang="ko-KR" altLang="en-US" sz="1200" b="1" dirty="0" smtClean="0">
+              <a:rPr kumimoji="1" lang="ko-KR" altLang="en-US" sz="1200" b="1" dirty="0">
                 <a:solidFill>
                   <a:schemeClr val="tx1"/>
                 </a:solidFill>
               </a:rPr>
               <a:t>메뉴가 선택됨</a:t>
             </a:r>
-            <a:endParaRPr kumimoji="1" lang="ko-KR" altLang="en-US" sz="1200" b="1" dirty="0">
-              <a:solidFill>
-                <a:schemeClr val="tx1"/>
-              </a:solidFill>
-            </a:endParaRPr>
           </a:p>
         </p:txBody>
       </p:sp>
@@ -21248,18 +22720,13 @@
           <a:p>
             <a:pPr algn="ctr"/>
             <a:r>
-              <a:rPr kumimoji="1" lang="ko-KR" altLang="en-US" sz="1200" b="1" dirty="0" smtClean="0">
+              <a:rPr kumimoji="1" lang="ko-KR" altLang="en-US" sz="1200" b="1" dirty="0">
                 <a:solidFill>
                   <a:schemeClr val="tx1"/>
                 </a:solidFill>
               </a:rPr>
               <a:t>주문됨</a:t>
             </a:r>
-            <a:endParaRPr kumimoji="1" lang="ko-KR" altLang="en-US" sz="1200" b="1" dirty="0">
-              <a:solidFill>
-                <a:schemeClr val="tx1"/>
-              </a:solidFill>
-            </a:endParaRPr>
           </a:p>
         </p:txBody>
       </p:sp>
@@ -21306,18 +22773,13 @@
           <a:p>
             <a:pPr algn="ctr"/>
             <a:r>
-              <a:rPr kumimoji="1" lang="ko-KR" altLang="en-US" sz="1200" b="1" dirty="0" smtClean="0">
+              <a:rPr kumimoji="1" lang="ko-KR" altLang="en-US" sz="1200" b="1" dirty="0">
                 <a:solidFill>
                   <a:schemeClr val="tx1"/>
                 </a:solidFill>
               </a:rPr>
               <a:t>결제버튼이 클릭됨</a:t>
             </a:r>
-            <a:endParaRPr kumimoji="1" lang="ko-KR" altLang="en-US" sz="1200" b="1" dirty="0">
-              <a:solidFill>
-                <a:schemeClr val="tx1"/>
-              </a:solidFill>
-            </a:endParaRPr>
           </a:p>
         </p:txBody>
       </p:sp>
@@ -21364,18 +22826,13 @@
           <a:p>
             <a:pPr algn="ctr"/>
             <a:r>
-              <a:rPr kumimoji="1" lang="ko-KR" altLang="en-US" sz="1200" b="1" dirty="0" smtClean="0">
+              <a:rPr kumimoji="1" lang="ko-KR" altLang="en-US" sz="1200" b="1" dirty="0">
                 <a:solidFill>
                   <a:schemeClr val="tx1"/>
                 </a:solidFill>
               </a:rPr>
               <a:t>결제승인됨</a:t>
             </a:r>
-            <a:endParaRPr kumimoji="1" lang="ko-KR" altLang="en-US" sz="1200" b="1" dirty="0">
-              <a:solidFill>
-                <a:schemeClr val="tx1"/>
-              </a:solidFill>
-            </a:endParaRPr>
           </a:p>
         </p:txBody>
       </p:sp>
@@ -21422,18 +22879,13 @@
           <a:p>
             <a:pPr algn="ctr"/>
             <a:r>
-              <a:rPr kumimoji="1" lang="ko-KR" altLang="en-US" sz="1200" b="1" dirty="0" smtClean="0">
+              <a:rPr kumimoji="1" lang="ko-KR" altLang="en-US" sz="1200" b="1" dirty="0">
                 <a:solidFill>
                   <a:schemeClr val="tx1"/>
                 </a:solidFill>
               </a:rPr>
               <a:t>상점에 주문정보 전달됨</a:t>
             </a:r>
-            <a:endParaRPr kumimoji="1" lang="ko-KR" altLang="en-US" sz="1200" b="1" dirty="0">
-              <a:solidFill>
-                <a:schemeClr val="tx1"/>
-              </a:solidFill>
-            </a:endParaRPr>
           </a:p>
         </p:txBody>
       </p:sp>
@@ -21480,18 +22932,13 @@
           <a:p>
             <a:pPr algn="ctr"/>
             <a:r>
-              <a:rPr kumimoji="1" lang="ko-KR" altLang="en-US" sz="1200" b="1" dirty="0" smtClean="0">
+              <a:rPr kumimoji="1" lang="ko-KR" altLang="en-US" sz="1200" b="1" dirty="0">
                 <a:solidFill>
                   <a:schemeClr val="tx1"/>
                 </a:solidFill>
               </a:rPr>
               <a:t>배달시작됨</a:t>
             </a:r>
-            <a:endParaRPr kumimoji="1" lang="ko-KR" altLang="en-US" sz="1200" b="1" dirty="0">
-              <a:solidFill>
-                <a:schemeClr val="tx1"/>
-              </a:solidFill>
-            </a:endParaRPr>
           </a:p>
         </p:txBody>
       </p:sp>
@@ -21538,18 +22985,13 @@
           <a:p>
             <a:pPr algn="ctr"/>
             <a:r>
-              <a:rPr kumimoji="1" lang="ko-KR" altLang="en-US" sz="1200" b="1" dirty="0" smtClean="0">
+              <a:rPr kumimoji="1" lang="ko-KR" altLang="en-US" sz="1200" b="1" dirty="0">
                 <a:solidFill>
                   <a:schemeClr val="tx1"/>
                 </a:solidFill>
               </a:rPr>
               <a:t>배달취소됨</a:t>
             </a:r>
-            <a:endParaRPr kumimoji="1" lang="ko-KR" altLang="en-US" sz="1200" b="1" dirty="0">
-              <a:solidFill>
-                <a:schemeClr val="tx1"/>
-              </a:solidFill>
-            </a:endParaRPr>
           </a:p>
         </p:txBody>
       </p:sp>
@@ -21596,7 +23038,7 @@
           <a:p>
             <a:pPr algn="ctr"/>
             <a:r>
-              <a:rPr kumimoji="1" lang="ko-KR" altLang="en-US" sz="1200" b="1" smtClean="0">
+              <a:rPr kumimoji="1" lang="ko-KR" altLang="en-US" sz="1200" b="1">
                 <a:solidFill>
                   <a:schemeClr val="tx1"/>
                 </a:solidFill>
@@ -21662,18 +23104,17 @@
           <a:lstStyle/>
           <a:p>
             <a:r>
-              <a:rPr kumimoji="1" lang="ko-KR" altLang="en-US" dirty="0" smtClean="0"/>
+              <a:rPr kumimoji="1" lang="ko-KR" altLang="en-US" dirty="0"/>
               <a:t>이벤트스토밍 </a:t>
             </a:r>
             <a:r>
-              <a:rPr kumimoji="1" lang="en-US" altLang="ko-KR" dirty="0" smtClean="0"/>
+              <a:rPr kumimoji="1" lang="en-US" altLang="ko-KR" dirty="0"/>
               <a:t>–</a:t>
             </a:r>
             <a:r>
-              <a:rPr kumimoji="1" lang="ko-KR" altLang="en-US" dirty="0" smtClean="0"/>
+              <a:rPr kumimoji="1" lang="ko-KR" altLang="en-US" dirty="0"/>
               <a:t> 비적격 이벤트 제거</a:t>
             </a:r>
-            <a:endParaRPr kumimoji="1" lang="ko-KR" altLang="en-US" dirty="0"/>
           </a:p>
         </p:txBody>
       </p:sp>
@@ -21720,18 +23161,13 @@
           <a:p>
             <a:pPr algn="ctr"/>
             <a:r>
-              <a:rPr kumimoji="1" lang="ko-KR" altLang="en-US" sz="1200" b="1" dirty="0" smtClean="0">
+              <a:rPr kumimoji="1" lang="ko-KR" altLang="en-US" sz="1200" b="1" dirty="0">
                 <a:solidFill>
                   <a:schemeClr val="tx1"/>
                 </a:solidFill>
               </a:rPr>
               <a:t>메뉴가 선택됨</a:t>
             </a:r>
-            <a:endParaRPr kumimoji="1" lang="ko-KR" altLang="en-US" sz="1200" b="1" dirty="0">
-              <a:solidFill>
-                <a:schemeClr val="tx1"/>
-              </a:solidFill>
-            </a:endParaRPr>
           </a:p>
         </p:txBody>
       </p:sp>
@@ -21778,18 +23214,13 @@
           <a:p>
             <a:pPr algn="ctr"/>
             <a:r>
-              <a:rPr kumimoji="1" lang="ko-KR" altLang="en-US" sz="1200" b="1" dirty="0" smtClean="0">
+              <a:rPr kumimoji="1" lang="ko-KR" altLang="en-US" sz="1200" b="1" dirty="0">
                 <a:solidFill>
                   <a:schemeClr val="tx1"/>
                 </a:solidFill>
               </a:rPr>
               <a:t>주문됨</a:t>
             </a:r>
-            <a:endParaRPr kumimoji="1" lang="ko-KR" altLang="en-US" sz="1200" b="1" dirty="0">
-              <a:solidFill>
-                <a:schemeClr val="tx1"/>
-              </a:solidFill>
-            </a:endParaRPr>
           </a:p>
         </p:txBody>
       </p:sp>
@@ -21836,18 +23267,13 @@
           <a:p>
             <a:pPr algn="ctr"/>
             <a:r>
-              <a:rPr kumimoji="1" lang="ko-KR" altLang="en-US" sz="1200" b="1" dirty="0" smtClean="0">
+              <a:rPr kumimoji="1" lang="ko-KR" altLang="en-US" sz="1200" b="1" dirty="0">
                 <a:solidFill>
                   <a:schemeClr val="tx1"/>
                 </a:solidFill>
               </a:rPr>
               <a:t>결제버튼이 클릭됨</a:t>
             </a:r>
-            <a:endParaRPr kumimoji="1" lang="ko-KR" altLang="en-US" sz="1200" b="1" dirty="0">
-              <a:solidFill>
-                <a:schemeClr val="tx1"/>
-              </a:solidFill>
-            </a:endParaRPr>
           </a:p>
         </p:txBody>
       </p:sp>
@@ -21894,18 +23320,13 @@
           <a:p>
             <a:pPr algn="ctr"/>
             <a:r>
-              <a:rPr kumimoji="1" lang="ko-KR" altLang="en-US" sz="1200" b="1" dirty="0" smtClean="0">
+              <a:rPr kumimoji="1" lang="ko-KR" altLang="en-US" sz="1200" b="1" dirty="0">
                 <a:solidFill>
                   <a:schemeClr val="tx1"/>
                 </a:solidFill>
               </a:rPr>
               <a:t>결제승인됨</a:t>
             </a:r>
-            <a:endParaRPr kumimoji="1" lang="ko-KR" altLang="en-US" sz="1200" b="1" dirty="0">
-              <a:solidFill>
-                <a:schemeClr val="tx1"/>
-              </a:solidFill>
-            </a:endParaRPr>
           </a:p>
         </p:txBody>
       </p:sp>
@@ -21952,18 +23373,13 @@
           <a:p>
             <a:pPr algn="ctr"/>
             <a:r>
-              <a:rPr kumimoji="1" lang="ko-KR" altLang="en-US" sz="1200" b="1" dirty="0" smtClean="0">
+              <a:rPr kumimoji="1" lang="ko-KR" altLang="en-US" sz="1200" b="1" dirty="0">
                 <a:solidFill>
                   <a:schemeClr val="tx1"/>
                 </a:solidFill>
               </a:rPr>
               <a:t>상점에 주문정보 전달됨</a:t>
             </a:r>
-            <a:endParaRPr kumimoji="1" lang="ko-KR" altLang="en-US" sz="1200" b="1" dirty="0">
-              <a:solidFill>
-                <a:schemeClr val="tx1"/>
-              </a:solidFill>
-            </a:endParaRPr>
           </a:p>
         </p:txBody>
       </p:sp>
@@ -22010,18 +23426,13 @@
           <a:p>
             <a:pPr algn="ctr"/>
             <a:r>
-              <a:rPr kumimoji="1" lang="ko-KR" altLang="en-US" sz="1200" b="1" dirty="0" smtClean="0">
+              <a:rPr kumimoji="1" lang="ko-KR" altLang="en-US" sz="1200" b="1" dirty="0">
                 <a:solidFill>
                   <a:schemeClr val="tx1"/>
                 </a:solidFill>
               </a:rPr>
               <a:t>배달시작됨</a:t>
             </a:r>
-            <a:endParaRPr kumimoji="1" lang="ko-KR" altLang="en-US" sz="1200" b="1" dirty="0">
-              <a:solidFill>
-                <a:schemeClr val="tx1"/>
-              </a:solidFill>
-            </a:endParaRPr>
           </a:p>
         </p:txBody>
       </p:sp>
@@ -22068,18 +23479,13 @@
           <a:p>
             <a:pPr algn="ctr"/>
             <a:r>
-              <a:rPr kumimoji="1" lang="ko-KR" altLang="en-US" sz="1200" b="1" dirty="0" smtClean="0">
+              <a:rPr kumimoji="1" lang="ko-KR" altLang="en-US" sz="1200" b="1" dirty="0">
                 <a:solidFill>
                   <a:schemeClr val="tx1"/>
                 </a:solidFill>
               </a:rPr>
               <a:t>배달취소됨</a:t>
             </a:r>
-            <a:endParaRPr kumimoji="1" lang="ko-KR" altLang="en-US" sz="1200" b="1" dirty="0">
-              <a:solidFill>
-                <a:schemeClr val="tx1"/>
-              </a:solidFill>
-            </a:endParaRPr>
           </a:p>
         </p:txBody>
       </p:sp>
@@ -22126,7 +23532,7 @@
           <a:p>
             <a:pPr algn="ctr"/>
             <a:r>
-              <a:rPr kumimoji="1" lang="ko-KR" altLang="en-US" sz="1200" b="1" smtClean="0">
+              <a:rPr kumimoji="1" lang="ko-KR" altLang="en-US" sz="1200" b="1">
                 <a:solidFill>
                   <a:schemeClr val="tx1"/>
                 </a:solidFill>
@@ -22192,19 +23598,19 @@
           <a:lstStyle/>
           <a:p>
             <a:r>
-              <a:rPr kumimoji="1" lang="ko-KR" altLang="en-US" dirty="0" smtClean="0"/>
+              <a:rPr kumimoji="1" lang="ko-KR" altLang="en-US" dirty="0"/>
               <a:t>이벤트스토밍 </a:t>
             </a:r>
             <a:r>
-              <a:rPr kumimoji="1" lang="en-US" altLang="ko-KR" dirty="0" smtClean="0"/>
+              <a:rPr kumimoji="1" lang="en-US" altLang="ko-KR" dirty="0"/>
               <a:t>–</a:t>
             </a:r>
             <a:r>
-              <a:rPr kumimoji="1" lang="ko-KR" altLang="en-US" dirty="0" smtClean="0"/>
+              <a:rPr kumimoji="1" lang="ko-KR" altLang="en-US" dirty="0"/>
               <a:t> </a:t>
             </a:r>
             <a:r>
-              <a:rPr kumimoji="1" lang="en-US" altLang="ko-KR" dirty="0" smtClean="0"/>
+              <a:rPr kumimoji="1" lang="en-US" altLang="ko-KR" dirty="0"/>
               <a:t>Actor, Command</a:t>
             </a:r>
             <a:endParaRPr kumimoji="1" lang="ko-KR" altLang="en-US" dirty="0"/>
@@ -22254,18 +23660,13 @@
           <a:p>
             <a:pPr algn="ctr"/>
             <a:r>
-              <a:rPr kumimoji="1" lang="ko-KR" altLang="en-US" sz="1200" b="1" dirty="0" smtClean="0">
+              <a:rPr kumimoji="1" lang="ko-KR" altLang="en-US" sz="1200" b="1" dirty="0">
                 <a:solidFill>
                   <a:schemeClr val="tx1"/>
                 </a:solidFill>
               </a:rPr>
               <a:t>주문됨</a:t>
             </a:r>
-            <a:endParaRPr kumimoji="1" lang="ko-KR" altLang="en-US" sz="1200" b="1" dirty="0">
-              <a:solidFill>
-                <a:schemeClr val="tx1"/>
-              </a:solidFill>
-            </a:endParaRPr>
           </a:p>
         </p:txBody>
       </p:sp>
@@ -22312,18 +23713,13 @@
           <a:p>
             <a:pPr algn="ctr"/>
             <a:r>
-              <a:rPr kumimoji="1" lang="ko-KR" altLang="en-US" sz="1200" b="1" dirty="0" smtClean="0">
+              <a:rPr kumimoji="1" lang="ko-KR" altLang="en-US" sz="1200" b="1" dirty="0">
                 <a:solidFill>
                   <a:schemeClr val="tx1"/>
                 </a:solidFill>
               </a:rPr>
               <a:t>결제승인됨</a:t>
             </a:r>
-            <a:endParaRPr kumimoji="1" lang="ko-KR" altLang="en-US" sz="1200" b="1" dirty="0">
-              <a:solidFill>
-                <a:schemeClr val="tx1"/>
-              </a:solidFill>
-            </a:endParaRPr>
           </a:p>
         </p:txBody>
       </p:sp>
@@ -22370,18 +23766,13 @@
           <a:p>
             <a:pPr algn="ctr"/>
             <a:r>
-              <a:rPr kumimoji="1" lang="ko-KR" altLang="en-US" sz="1200" b="1" dirty="0" smtClean="0">
+              <a:rPr kumimoji="1" lang="ko-KR" altLang="en-US" sz="1200" b="1" dirty="0">
                 <a:solidFill>
                   <a:schemeClr val="tx1"/>
                 </a:solidFill>
               </a:rPr>
               <a:t>배달시작됨</a:t>
             </a:r>
-            <a:endParaRPr kumimoji="1" lang="ko-KR" altLang="en-US" sz="1200" b="1" dirty="0">
-              <a:solidFill>
-                <a:schemeClr val="tx1"/>
-              </a:solidFill>
-            </a:endParaRPr>
           </a:p>
         </p:txBody>
       </p:sp>
@@ -22428,18 +23819,13 @@
           <a:p>
             <a:pPr algn="ctr"/>
             <a:r>
-              <a:rPr kumimoji="1" lang="ko-KR" altLang="en-US" sz="1200" b="1" dirty="0" smtClean="0">
+              <a:rPr kumimoji="1" lang="ko-KR" altLang="en-US" sz="1200" b="1" dirty="0">
                 <a:solidFill>
                   <a:schemeClr val="tx1"/>
                 </a:solidFill>
               </a:rPr>
               <a:t>배달취소됨</a:t>
             </a:r>
-            <a:endParaRPr kumimoji="1" lang="ko-KR" altLang="en-US" sz="1200" b="1" dirty="0">
-              <a:solidFill>
-                <a:schemeClr val="tx1"/>
-              </a:solidFill>
-            </a:endParaRPr>
           </a:p>
         </p:txBody>
       </p:sp>
@@ -22486,7 +23872,7 @@
           <a:p>
             <a:pPr algn="ctr"/>
             <a:r>
-              <a:rPr kumimoji="1" lang="ko-KR" altLang="en-US" sz="1200" b="1" smtClean="0">
+              <a:rPr kumimoji="1" lang="ko-KR" altLang="en-US" sz="1200" b="1">
                 <a:solidFill>
                   <a:schemeClr val="tx1"/>
                 </a:solidFill>
@@ -22544,18 +23930,13 @@
           <a:p>
             <a:pPr algn="ctr"/>
             <a:r>
-              <a:rPr kumimoji="1" lang="ko-KR" altLang="en-US" sz="1200" b="1" dirty="0" smtClean="0">
+              <a:rPr kumimoji="1" lang="ko-KR" altLang="en-US" sz="1200" b="1" dirty="0">
                 <a:solidFill>
                   <a:schemeClr val="tx1"/>
                 </a:solidFill>
               </a:rPr>
               <a:t>주문</a:t>
             </a:r>
-            <a:endParaRPr kumimoji="1" lang="ko-KR" altLang="en-US" sz="1200" b="1" dirty="0">
-              <a:solidFill>
-                <a:schemeClr val="tx1"/>
-              </a:solidFill>
-            </a:endParaRPr>
           </a:p>
         </p:txBody>
       </p:sp>
@@ -22602,18 +23983,13 @@
           <a:p>
             <a:pPr algn="ctr"/>
             <a:r>
-              <a:rPr kumimoji="1" lang="ko-KR" altLang="en-US" sz="1200" b="1" dirty="0" smtClean="0">
+              <a:rPr kumimoji="1" lang="ko-KR" altLang="en-US" sz="1200" b="1" dirty="0">
                 <a:solidFill>
                   <a:schemeClr val="tx1"/>
                 </a:solidFill>
               </a:rPr>
               <a:t>결제</a:t>
             </a:r>
-            <a:endParaRPr kumimoji="1" lang="ko-KR" altLang="en-US" sz="1200" b="1" dirty="0">
-              <a:solidFill>
-                <a:schemeClr val="tx1"/>
-              </a:solidFill>
-            </a:endParaRPr>
           </a:p>
         </p:txBody>
       </p:sp>
@@ -22660,18 +24036,13 @@
           <a:p>
             <a:pPr algn="ctr"/>
             <a:r>
-              <a:rPr kumimoji="1" lang="ko-KR" altLang="en-US" sz="1200" b="1" dirty="0" smtClean="0">
+              <a:rPr kumimoji="1" lang="ko-KR" altLang="en-US" sz="1200" b="1" dirty="0">
                 <a:solidFill>
                   <a:schemeClr val="tx1"/>
                 </a:solidFill>
               </a:rPr>
               <a:t>배달시작</a:t>
             </a:r>
-            <a:endParaRPr kumimoji="1" lang="ko-KR" altLang="en-US" sz="1200" b="1" dirty="0">
-              <a:solidFill>
-                <a:schemeClr val="tx1"/>
-              </a:solidFill>
-            </a:endParaRPr>
           </a:p>
         </p:txBody>
       </p:sp>
@@ -22718,18 +24089,13 @@
           <a:p>
             <a:pPr algn="ctr"/>
             <a:r>
-              <a:rPr kumimoji="1" lang="ko-KR" altLang="en-US" sz="1200" b="1" dirty="0" smtClean="0">
+              <a:rPr kumimoji="1" lang="ko-KR" altLang="en-US" sz="1200" b="1" dirty="0">
                 <a:solidFill>
                   <a:schemeClr val="tx1"/>
                 </a:solidFill>
               </a:rPr>
               <a:t>주문취소</a:t>
             </a:r>
-            <a:endParaRPr kumimoji="1" lang="ko-KR" altLang="en-US" sz="1200" b="1" dirty="0">
-              <a:solidFill>
-                <a:schemeClr val="tx1"/>
-              </a:solidFill>
-            </a:endParaRPr>
           </a:p>
         </p:txBody>
       </p:sp>
@@ -22790,18 +24156,13 @@
             <a:p>
               <a:pPr algn="ctr"/>
               <a:r>
-                <a:rPr kumimoji="1" lang="ko-KR" altLang="en-US" sz="1200" b="1" dirty="0" smtClean="0">
+                <a:rPr kumimoji="1" lang="ko-KR" altLang="en-US" sz="1200" b="1" dirty="0">
                   <a:solidFill>
                     <a:schemeClr val="tx1"/>
                   </a:solidFill>
                 </a:rPr>
                 <a:t>고객</a:t>
               </a:r>
-              <a:endParaRPr kumimoji="1" lang="ko-KR" altLang="en-US" sz="1200" b="1" dirty="0">
-                <a:solidFill>
-                  <a:schemeClr val="tx1"/>
-                </a:solidFill>
-              </a:endParaRPr>
             </a:p>
           </p:txBody>
         </p:sp>
@@ -23051,18 +24412,13 @@
             <a:p>
               <a:pPr algn="ctr"/>
               <a:r>
-                <a:rPr kumimoji="1" lang="ko-KR" altLang="en-US" sz="1200" b="1" dirty="0" smtClean="0">
+                <a:rPr kumimoji="1" lang="ko-KR" altLang="en-US" sz="1200" b="1" dirty="0">
                   <a:solidFill>
                     <a:schemeClr val="tx1"/>
                   </a:solidFill>
                 </a:rPr>
                 <a:t>점주</a:t>
               </a:r>
-              <a:endParaRPr kumimoji="1" lang="ko-KR" altLang="en-US" sz="1200" b="1" dirty="0">
-                <a:solidFill>
-                  <a:schemeClr val="tx1"/>
-                </a:solidFill>
-              </a:endParaRPr>
             </a:p>
           </p:txBody>
         </p:sp>
@@ -23312,18 +24668,13 @@
             <a:p>
               <a:pPr algn="ctr"/>
               <a:r>
-                <a:rPr kumimoji="1" lang="ko-KR" altLang="en-US" sz="1200" b="1" dirty="0" smtClean="0">
+                <a:rPr kumimoji="1" lang="ko-KR" altLang="en-US" sz="1200" b="1" dirty="0">
                   <a:solidFill>
                     <a:schemeClr val="tx1"/>
                   </a:solidFill>
                 </a:rPr>
                 <a:t>고객</a:t>
               </a:r>
-              <a:endParaRPr kumimoji="1" lang="ko-KR" altLang="en-US" sz="1200" b="1" dirty="0">
-                <a:solidFill>
-                  <a:schemeClr val="tx1"/>
-                </a:solidFill>
-              </a:endParaRPr>
             </a:p>
           </p:txBody>
         </p:sp>
@@ -23567,19 +24918,19 @@
           <a:lstStyle/>
           <a:p>
             <a:r>
-              <a:rPr kumimoji="1" lang="ko-KR" altLang="en-US" dirty="0" smtClean="0"/>
+              <a:rPr kumimoji="1" lang="ko-KR" altLang="en-US" dirty="0"/>
               <a:t>이벤트스토밍 </a:t>
             </a:r>
             <a:r>
-              <a:rPr kumimoji="1" lang="en-US" altLang="ko-KR" dirty="0" smtClean="0"/>
+              <a:rPr kumimoji="1" lang="en-US" altLang="ko-KR" dirty="0"/>
               <a:t>–</a:t>
             </a:r>
             <a:r>
-              <a:rPr kumimoji="1" lang="ko-KR" altLang="en-US" dirty="0" smtClean="0"/>
+              <a:rPr kumimoji="1" lang="ko-KR" altLang="en-US" dirty="0"/>
               <a:t> </a:t>
             </a:r>
             <a:r>
-              <a:rPr kumimoji="1" lang="en-US" altLang="ko-KR" dirty="0" smtClean="0"/>
+              <a:rPr kumimoji="1" lang="en-US" altLang="ko-KR" dirty="0"/>
               <a:t>Aggregate</a:t>
             </a:r>
             <a:endParaRPr kumimoji="1" lang="ko-KR" altLang="en-US" dirty="0"/>
@@ -23629,18 +24980,13 @@
           <a:p>
             <a:pPr algn="ctr"/>
             <a:r>
-              <a:rPr kumimoji="1" lang="ko-KR" altLang="en-US" sz="1200" b="1" dirty="0" smtClean="0">
+              <a:rPr kumimoji="1" lang="ko-KR" altLang="en-US" sz="1200" b="1" dirty="0">
                 <a:solidFill>
                   <a:schemeClr val="tx1"/>
                 </a:solidFill>
               </a:rPr>
               <a:t>주문됨</a:t>
             </a:r>
-            <a:endParaRPr kumimoji="1" lang="ko-KR" altLang="en-US" sz="1200" b="1" dirty="0">
-              <a:solidFill>
-                <a:schemeClr val="tx1"/>
-              </a:solidFill>
-            </a:endParaRPr>
           </a:p>
         </p:txBody>
       </p:sp>
@@ -23687,18 +25033,13 @@
           <a:p>
             <a:pPr algn="ctr"/>
             <a:r>
-              <a:rPr kumimoji="1" lang="ko-KR" altLang="en-US" sz="1200" b="1" dirty="0" smtClean="0">
+              <a:rPr kumimoji="1" lang="ko-KR" altLang="en-US" sz="1200" b="1" dirty="0">
                 <a:solidFill>
                   <a:schemeClr val="tx1"/>
                 </a:solidFill>
               </a:rPr>
               <a:t>결제승인됨</a:t>
             </a:r>
-            <a:endParaRPr kumimoji="1" lang="ko-KR" altLang="en-US" sz="1200" b="1" dirty="0">
-              <a:solidFill>
-                <a:schemeClr val="tx1"/>
-              </a:solidFill>
-            </a:endParaRPr>
           </a:p>
         </p:txBody>
       </p:sp>
@@ -23745,18 +25086,13 @@
           <a:p>
             <a:pPr algn="ctr"/>
             <a:r>
-              <a:rPr kumimoji="1" lang="ko-KR" altLang="en-US" sz="1200" b="1" dirty="0" smtClean="0">
+              <a:rPr kumimoji="1" lang="ko-KR" altLang="en-US" sz="1200" b="1" dirty="0">
                 <a:solidFill>
                   <a:schemeClr val="tx1"/>
                 </a:solidFill>
               </a:rPr>
               <a:t>배달시작됨</a:t>
             </a:r>
-            <a:endParaRPr kumimoji="1" lang="ko-KR" altLang="en-US" sz="1200" b="1" dirty="0">
-              <a:solidFill>
-                <a:schemeClr val="tx1"/>
-              </a:solidFill>
-            </a:endParaRPr>
           </a:p>
         </p:txBody>
       </p:sp>
@@ -23803,18 +25139,13 @@
           <a:p>
             <a:pPr algn="ctr"/>
             <a:r>
-              <a:rPr kumimoji="1" lang="ko-KR" altLang="en-US" sz="1200" b="1" dirty="0" smtClean="0">
+              <a:rPr kumimoji="1" lang="ko-KR" altLang="en-US" sz="1200" b="1" dirty="0">
                 <a:solidFill>
                   <a:schemeClr val="tx1"/>
                 </a:solidFill>
               </a:rPr>
               <a:t>배달취소됨</a:t>
             </a:r>
-            <a:endParaRPr kumimoji="1" lang="ko-KR" altLang="en-US" sz="1200" b="1" dirty="0">
-              <a:solidFill>
-                <a:schemeClr val="tx1"/>
-              </a:solidFill>
-            </a:endParaRPr>
           </a:p>
         </p:txBody>
       </p:sp>
@@ -23861,7 +25192,7 @@
           <a:p>
             <a:pPr algn="ctr"/>
             <a:r>
-              <a:rPr kumimoji="1" lang="ko-KR" altLang="en-US" sz="1200" b="1" smtClean="0">
+              <a:rPr kumimoji="1" lang="ko-KR" altLang="en-US" sz="1200" b="1">
                 <a:solidFill>
                   <a:schemeClr val="tx1"/>
                 </a:solidFill>
@@ -23919,18 +25250,13 @@
           <a:p>
             <a:pPr algn="ctr"/>
             <a:r>
-              <a:rPr kumimoji="1" lang="ko-KR" altLang="en-US" sz="1200" b="1" dirty="0" smtClean="0">
+              <a:rPr kumimoji="1" lang="ko-KR" altLang="en-US" sz="1200" b="1" dirty="0">
                 <a:solidFill>
                   <a:schemeClr val="tx1"/>
                 </a:solidFill>
               </a:rPr>
               <a:t>주문</a:t>
             </a:r>
-            <a:endParaRPr kumimoji="1" lang="ko-KR" altLang="en-US" sz="1200" b="1" dirty="0">
-              <a:solidFill>
-                <a:schemeClr val="tx1"/>
-              </a:solidFill>
-            </a:endParaRPr>
           </a:p>
         </p:txBody>
       </p:sp>
@@ -23977,18 +25303,13 @@
           <a:p>
             <a:pPr algn="ctr"/>
             <a:r>
-              <a:rPr kumimoji="1" lang="ko-KR" altLang="en-US" sz="1200" b="1" dirty="0" smtClean="0">
+              <a:rPr kumimoji="1" lang="ko-KR" altLang="en-US" sz="1200" b="1" dirty="0">
                 <a:solidFill>
                   <a:schemeClr val="tx1"/>
                 </a:solidFill>
               </a:rPr>
               <a:t>결제</a:t>
             </a:r>
-            <a:endParaRPr kumimoji="1" lang="ko-KR" altLang="en-US" sz="1200" b="1" dirty="0">
-              <a:solidFill>
-                <a:schemeClr val="tx1"/>
-              </a:solidFill>
-            </a:endParaRPr>
           </a:p>
         </p:txBody>
       </p:sp>
@@ -24035,18 +25356,13 @@
           <a:p>
             <a:pPr algn="ctr"/>
             <a:r>
-              <a:rPr kumimoji="1" lang="ko-KR" altLang="en-US" sz="1200" b="1" dirty="0" smtClean="0">
+              <a:rPr kumimoji="1" lang="ko-KR" altLang="en-US" sz="1200" b="1" dirty="0">
                 <a:solidFill>
                   <a:schemeClr val="tx1"/>
                 </a:solidFill>
               </a:rPr>
               <a:t>배달시작</a:t>
             </a:r>
-            <a:endParaRPr kumimoji="1" lang="ko-KR" altLang="en-US" sz="1200" b="1" dirty="0">
-              <a:solidFill>
-                <a:schemeClr val="tx1"/>
-              </a:solidFill>
-            </a:endParaRPr>
           </a:p>
         </p:txBody>
       </p:sp>
@@ -24093,18 +25409,13 @@
           <a:p>
             <a:pPr algn="ctr"/>
             <a:r>
-              <a:rPr kumimoji="1" lang="ko-KR" altLang="en-US" sz="1200" b="1" dirty="0" smtClean="0">
+              <a:rPr kumimoji="1" lang="ko-KR" altLang="en-US" sz="1200" b="1" dirty="0">
                 <a:solidFill>
                   <a:schemeClr val="tx1"/>
                 </a:solidFill>
               </a:rPr>
               <a:t>주문취소</a:t>
             </a:r>
-            <a:endParaRPr kumimoji="1" lang="ko-KR" altLang="en-US" sz="1200" b="1" dirty="0">
-              <a:solidFill>
-                <a:schemeClr val="tx1"/>
-              </a:solidFill>
-            </a:endParaRPr>
           </a:p>
         </p:txBody>
       </p:sp>
@@ -24165,18 +25476,13 @@
             <a:p>
               <a:pPr algn="ctr"/>
               <a:r>
-                <a:rPr kumimoji="1" lang="ko-KR" altLang="en-US" sz="1200" b="1" dirty="0" smtClean="0">
+                <a:rPr kumimoji="1" lang="ko-KR" altLang="en-US" sz="1200" b="1" dirty="0">
                   <a:solidFill>
                     <a:schemeClr val="tx1"/>
                   </a:solidFill>
                 </a:rPr>
                 <a:t>고객</a:t>
               </a:r>
-              <a:endParaRPr kumimoji="1" lang="ko-KR" altLang="en-US" sz="1200" b="1" dirty="0">
-                <a:solidFill>
-                  <a:schemeClr val="tx1"/>
-                </a:solidFill>
-              </a:endParaRPr>
             </a:p>
           </p:txBody>
         </p:sp>
@@ -24426,18 +25732,13 @@
             <a:p>
               <a:pPr algn="ctr"/>
               <a:r>
-                <a:rPr kumimoji="1" lang="ko-KR" altLang="en-US" sz="1200" b="1" dirty="0" smtClean="0">
+                <a:rPr kumimoji="1" lang="ko-KR" altLang="en-US" sz="1200" b="1" dirty="0">
                   <a:solidFill>
                     <a:schemeClr val="tx1"/>
                   </a:solidFill>
                 </a:rPr>
                 <a:t>점주</a:t>
               </a:r>
-              <a:endParaRPr kumimoji="1" lang="ko-KR" altLang="en-US" sz="1200" b="1" dirty="0">
-                <a:solidFill>
-                  <a:schemeClr val="tx1"/>
-                </a:solidFill>
-              </a:endParaRPr>
             </a:p>
           </p:txBody>
         </p:sp>
@@ -24673,18 +25974,13 @@
           <a:p>
             <a:pPr algn="ctr"/>
             <a:r>
-              <a:rPr kumimoji="1" lang="ko-KR" altLang="en-US" dirty="0" smtClean="0">
+              <a:rPr kumimoji="1" lang="ko-KR" altLang="en-US" dirty="0">
                 <a:solidFill>
                   <a:sysClr val="windowText" lastClr="000000"/>
                 </a:solidFill>
               </a:rPr>
               <a:t>주문</a:t>
             </a:r>
-            <a:endParaRPr kumimoji="1" lang="ko-KR" altLang="en-US" dirty="0">
-              <a:solidFill>
-                <a:sysClr val="windowText" lastClr="000000"/>
-              </a:solidFill>
-            </a:endParaRPr>
           </a:p>
         </p:txBody>
       </p:sp>
@@ -24731,7 +26027,7 @@
           <a:p>
             <a:pPr algn="ctr"/>
             <a:r>
-              <a:rPr kumimoji="1" lang="ko-KR" altLang="en-US" smtClean="0">
+              <a:rPr kumimoji="1" lang="ko-KR" altLang="en-US">
                 <a:solidFill>
                   <a:sysClr val="windowText" lastClr="000000"/>
                 </a:solidFill>
@@ -24789,18 +26085,13 @@
           <a:p>
             <a:pPr algn="ctr"/>
             <a:r>
-              <a:rPr kumimoji="1" lang="ko-KR" altLang="en-US" dirty="0" smtClean="0">
+              <a:rPr kumimoji="1" lang="ko-KR" altLang="en-US" dirty="0">
                 <a:solidFill>
                   <a:sysClr val="windowText" lastClr="000000"/>
                 </a:solidFill>
               </a:rPr>
               <a:t>주문처리</a:t>
             </a:r>
-            <a:endParaRPr kumimoji="1" lang="ko-KR" altLang="en-US" dirty="0">
-              <a:solidFill>
-                <a:sysClr val="windowText" lastClr="000000"/>
-              </a:solidFill>
-            </a:endParaRPr>
           </a:p>
         </p:txBody>
       </p:sp>
